--- a/latex/popl2026/flow.pptx
+++ b/latex/popl2026/flow.pptx
@@ -197,7 +197,7 @@
           <a:p>
             <a:fld id="{0709DEA7-5E0E-B342-9CE4-FCF21B1958E0}" type="datetimeFigureOut">
               <a:rPr lang="en-US" smtClean="0"/>
-              <a:t>7/10/24</a:t>
+              <a:t>5/26/25</a:t>
             </a:fld>
             <a:endParaRPr lang="en-US"/>
           </a:p>
@@ -684,7 +684,7 @@
           <a:p>
             <a:fld id="{FAC548D3-0433-7442-8CA6-6A33DD5FB3B5}" type="datetimeFigureOut">
               <a:rPr lang="en-US" smtClean="0"/>
-              <a:t>7/10/24</a:t>
+              <a:t>5/26/25</a:t>
             </a:fld>
             <a:endParaRPr lang="en-US"/>
           </a:p>
@@ -854,7 +854,7 @@
           <a:p>
             <a:fld id="{FAC548D3-0433-7442-8CA6-6A33DD5FB3B5}" type="datetimeFigureOut">
               <a:rPr lang="en-US" smtClean="0"/>
-              <a:t>7/10/24</a:t>
+              <a:t>5/26/25</a:t>
             </a:fld>
             <a:endParaRPr lang="en-US"/>
           </a:p>
@@ -1034,7 +1034,7 @@
           <a:p>
             <a:fld id="{FAC548D3-0433-7442-8CA6-6A33DD5FB3B5}" type="datetimeFigureOut">
               <a:rPr lang="en-US" smtClean="0"/>
-              <a:t>7/10/24</a:t>
+              <a:t>5/26/25</a:t>
             </a:fld>
             <a:endParaRPr lang="en-US"/>
           </a:p>
@@ -1204,7 +1204,7 @@
           <a:p>
             <a:fld id="{FAC548D3-0433-7442-8CA6-6A33DD5FB3B5}" type="datetimeFigureOut">
               <a:rPr lang="en-US" smtClean="0"/>
-              <a:t>7/10/24</a:t>
+              <a:t>5/26/25</a:t>
             </a:fld>
             <a:endParaRPr lang="en-US"/>
           </a:p>
@@ -1450,7 +1450,7 @@
           <a:p>
             <a:fld id="{FAC548D3-0433-7442-8CA6-6A33DD5FB3B5}" type="datetimeFigureOut">
               <a:rPr lang="en-US" smtClean="0"/>
-              <a:t>7/10/24</a:t>
+              <a:t>5/26/25</a:t>
             </a:fld>
             <a:endParaRPr lang="en-US"/>
           </a:p>
@@ -1682,7 +1682,7 @@
           <a:p>
             <a:fld id="{FAC548D3-0433-7442-8CA6-6A33DD5FB3B5}" type="datetimeFigureOut">
               <a:rPr lang="en-US" smtClean="0"/>
-              <a:t>7/10/24</a:t>
+              <a:t>5/26/25</a:t>
             </a:fld>
             <a:endParaRPr lang="en-US"/>
           </a:p>
@@ -2049,7 +2049,7 @@
           <a:p>
             <a:fld id="{FAC548D3-0433-7442-8CA6-6A33DD5FB3B5}" type="datetimeFigureOut">
               <a:rPr lang="en-US" smtClean="0"/>
-              <a:t>7/10/24</a:t>
+              <a:t>5/26/25</a:t>
             </a:fld>
             <a:endParaRPr lang="en-US"/>
           </a:p>
@@ -2167,7 +2167,7 @@
           <a:p>
             <a:fld id="{FAC548D3-0433-7442-8CA6-6A33DD5FB3B5}" type="datetimeFigureOut">
               <a:rPr lang="en-US" smtClean="0"/>
-              <a:t>7/10/24</a:t>
+              <a:t>5/26/25</a:t>
             </a:fld>
             <a:endParaRPr lang="en-US"/>
           </a:p>
@@ -2262,7 +2262,7 @@
           <a:p>
             <a:fld id="{FAC548D3-0433-7442-8CA6-6A33DD5FB3B5}" type="datetimeFigureOut">
               <a:rPr lang="en-US" smtClean="0"/>
-              <a:t>7/10/24</a:t>
+              <a:t>5/26/25</a:t>
             </a:fld>
             <a:endParaRPr lang="en-US"/>
           </a:p>
@@ -2539,7 +2539,7 @@
           <a:p>
             <a:fld id="{FAC548D3-0433-7442-8CA6-6A33DD5FB3B5}" type="datetimeFigureOut">
               <a:rPr lang="en-US" smtClean="0"/>
-              <a:t>7/10/24</a:t>
+              <a:t>5/26/25</a:t>
             </a:fld>
             <a:endParaRPr lang="en-US"/>
           </a:p>
@@ -2803,7 +2803,7 @@
           <a:p>
             <a:fld id="{FAC548D3-0433-7442-8CA6-6A33DD5FB3B5}" type="datetimeFigureOut">
               <a:rPr lang="en-US" smtClean="0"/>
-              <a:t>7/10/24</a:t>
+              <a:t>5/26/25</a:t>
             </a:fld>
             <a:endParaRPr lang="en-US"/>
           </a:p>
@@ -3019,7 +3019,7 @@
           <a:p>
             <a:fld id="{FAC548D3-0433-7442-8CA6-6A33DD5FB3B5}" type="datetimeFigureOut">
               <a:rPr lang="en-US" smtClean="0"/>
-              <a:t>7/10/24</a:t>
+              <a:t>5/26/25</a:t>
             </a:fld>
             <a:endParaRPr lang="en-US"/>
           </a:p>
@@ -3424,78 +3424,6 @@
           <a:chExt cx="0" cy="0"/>
         </a:xfrm>
       </p:grpSpPr>
-      <p:pic>
-        <p:nvPicPr>
-          <p:cNvPr id="10" name="Graphic 9">
-            <a:extLst>
-              <a:ext uri="{FF2B5EF4-FFF2-40B4-BE49-F238E27FC236}">
-                <a16:creationId xmlns:a16="http://schemas.microsoft.com/office/drawing/2014/main" id="{38B52C38-3797-0E36-76E8-5E0A2517039C}"/>
-              </a:ext>
-            </a:extLst>
-          </p:cNvPr>
-          <p:cNvPicPr>
-            <a:picLocks noChangeAspect="1"/>
-          </p:cNvPicPr>
-          <p:nvPr/>
-        </p:nvPicPr>
-        <p:blipFill>
-          <a:blip r:embed="rId3">
-            <a:extLst>
-              <a:ext uri="{96DAC541-7B7A-43D3-8B79-37D633B846F1}">
-                <asvg:svgBlip xmlns:asvg="http://schemas.microsoft.com/office/drawing/2016/SVG/main" r:embed="rId4"/>
-              </a:ext>
-            </a:extLst>
-          </a:blip>
-          <a:stretch>
-            <a:fillRect/>
-          </a:stretch>
-        </p:blipFill>
-        <p:spPr>
-          <a:xfrm>
-            <a:off x="19847156" y="1126640"/>
-            <a:ext cx="1768408" cy="5046686"/>
-          </a:xfrm>
-          <a:prstGeom prst="rect">
-            <a:avLst/>
-          </a:prstGeom>
-        </p:spPr>
-      </p:pic>
-      <p:pic>
-        <p:nvPicPr>
-          <p:cNvPr id="67" name="Graphic 66">
-            <a:extLst>
-              <a:ext uri="{FF2B5EF4-FFF2-40B4-BE49-F238E27FC236}">
-                <a16:creationId xmlns:a16="http://schemas.microsoft.com/office/drawing/2014/main" id="{1E20AEF5-3E48-3179-C4FE-EAACD7D3AE84}"/>
-              </a:ext>
-            </a:extLst>
-          </p:cNvPr>
-          <p:cNvPicPr>
-            <a:picLocks noChangeAspect="1"/>
-          </p:cNvPicPr>
-          <p:nvPr/>
-        </p:nvPicPr>
-        <p:blipFill>
-          <a:blip r:embed="rId5">
-            <a:extLst>
-              <a:ext uri="{96DAC541-7B7A-43D3-8B79-37D633B846F1}">
-                <asvg:svgBlip xmlns:asvg="http://schemas.microsoft.com/office/drawing/2016/SVG/main" r:embed="rId6"/>
-              </a:ext>
-            </a:extLst>
-          </a:blip>
-          <a:stretch>
-            <a:fillRect/>
-          </a:stretch>
-        </p:blipFill>
-        <p:spPr>
-          <a:xfrm rot="5400000">
-            <a:off x="22345239" y="2484769"/>
-            <a:ext cx="4971364" cy="1915842"/>
-          </a:xfrm>
-          <a:prstGeom prst="rect">
-            <a:avLst/>
-          </a:prstGeom>
-        </p:spPr>
-      </p:pic>
       <p:sp>
         <p:nvSpPr>
           <p:cNvPr id="45" name="Title 1">
@@ -3711,7 +3639,7 @@
                 <a:ea typeface="Linux Libertine" panose="02000503000000000000" pitchFamily="2" charset="0"/>
                 <a:cs typeface="Linux Libertine" panose="02000503000000000000" pitchFamily="2" charset="0"/>
               </a:rPr>
-              <a:t>                                       </a:t>
+              <a:t>                                            </a:t>
             </a:r>
             <a:r>
               <a:rPr lang="en-US" sz="4500" u="sng" dirty="0">
@@ -3849,7 +3777,7 @@
                 <a:ea typeface="Linux Libertine" panose="02000503000000000000" pitchFamily="2" charset="0"/>
                 <a:cs typeface="Linux Libertine" panose="02000503000000000000" pitchFamily="2" charset="0"/>
               </a:rPr>
-              <a:t>                                 </a:t>
+              <a:t>                                     </a:t>
             </a:r>
             <a:r>
               <a:rPr lang="en-US" sz="4500" u="sng" dirty="0">
@@ -4254,13 +4182,14 @@
           <a:lstStyle/>
           <a:p>
             <a:r>
-              <a:rPr lang="en-US" sz="5400" b="1" dirty="0">
-                <a:latin typeface="Linux Libertine" panose="02000503000000000000" pitchFamily="2" charset="0"/>
-                <a:ea typeface="Linux Libertine" panose="02000503000000000000" pitchFamily="2" charset="0"/>
-                <a:cs typeface="Linux Libertine" panose="02000503000000000000" pitchFamily="2" charset="0"/>
-              </a:rPr>
-              <a:t>⟹</a:t>
-            </a:r>
+              <a:rPr lang="en-US" sz="5400" dirty="0"/>
+              <a:t>⟶</a:t>
+            </a:r>
+            <a:endParaRPr lang="en-US" sz="5400" b="1" dirty="0">
+              <a:latin typeface="Linux Libertine" panose="02000503000000000000" pitchFamily="2" charset="0"/>
+              <a:ea typeface="Linux Libertine" panose="02000503000000000000" pitchFamily="2" charset="0"/>
+              <a:cs typeface="Linux Libertine" panose="02000503000000000000" pitchFamily="2" charset="0"/>
+            </a:endParaRPr>
           </a:p>
         </p:txBody>
       </p:sp>
@@ -4278,7 +4207,7 @@
         </p:nvSpPr>
         <p:spPr>
           <a:xfrm>
-            <a:off x="5629745" y="1398708"/>
+            <a:off x="5683533" y="1398708"/>
             <a:ext cx="1001925" cy="923330"/>
           </a:xfrm>
           <a:prstGeom prst="rect">
@@ -4293,13 +4222,14 @@
           <a:lstStyle/>
           <a:p>
             <a:r>
-              <a:rPr lang="en-US" sz="5400" b="1" dirty="0">
-                <a:latin typeface="Linux Libertine" panose="02000503000000000000" pitchFamily="2" charset="0"/>
-                <a:ea typeface="Linux Libertine" panose="02000503000000000000" pitchFamily="2" charset="0"/>
-                <a:cs typeface="Linux Libertine" panose="02000503000000000000" pitchFamily="2" charset="0"/>
-              </a:rPr>
+              <a:rPr lang="en-US" sz="5400" dirty="0"/>
               <a:t>⟶</a:t>
             </a:r>
+            <a:endParaRPr lang="en-US" sz="5400" b="1" dirty="0">
+              <a:latin typeface="Linux Libertine" panose="02000503000000000000" pitchFamily="2" charset="0"/>
+              <a:ea typeface="Linux Libertine" panose="02000503000000000000" pitchFamily="2" charset="0"/>
+              <a:cs typeface="Linux Libertine" panose="02000503000000000000" pitchFamily="2" charset="0"/>
+            </a:endParaRPr>
           </a:p>
         </p:txBody>
       </p:sp>
@@ -4526,11 +4456,7 @@
           <a:lstStyle/>
           <a:p>
             <a:r>
-              <a:rPr lang="en-US" sz="5400" b="1" dirty="0">
-                <a:latin typeface="Linux Libertine" panose="02000503000000000000" pitchFamily="2" charset="0"/>
-                <a:ea typeface="Linux Libertine" panose="02000503000000000000" pitchFamily="2" charset="0"/>
-                <a:cs typeface="Linux Libertine" panose="02000503000000000000" pitchFamily="2" charset="0"/>
-              </a:rPr>
+              <a:rPr lang="en-US" sz="5400" dirty="0"/>
               <a:t>⟶</a:t>
             </a:r>
           </a:p>
@@ -4565,2380 +4491,14 @@
           <a:lstStyle/>
           <a:p>
             <a:r>
-              <a:rPr lang="en-US" sz="5400" b="1" dirty="0">
-                <a:latin typeface="Linux Libertine" panose="02000503000000000000" pitchFamily="2" charset="0"/>
-                <a:ea typeface="Linux Libertine" panose="02000503000000000000" pitchFamily="2" charset="0"/>
-                <a:cs typeface="Linux Libertine" panose="02000503000000000000" pitchFamily="2" charset="0"/>
-              </a:rPr>
+              <a:rPr lang="en-US" sz="5400" dirty="0"/>
               <a:t>⟶</a:t>
             </a:r>
-          </a:p>
-        </p:txBody>
-      </p:sp>
-      <p:sp>
-        <p:nvSpPr>
-          <p:cNvPr id="52" name="Title 1">
-            <a:extLst>
-              <a:ext uri="{FF2B5EF4-FFF2-40B4-BE49-F238E27FC236}">
-                <a16:creationId xmlns:a16="http://schemas.microsoft.com/office/drawing/2014/main" id="{66C9876D-F5BC-404D-D5AD-9045061F1CEC}"/>
-              </a:ext>
-            </a:extLst>
-          </p:cNvPr>
-          <p:cNvSpPr txBox="1">
-            <a:spLocks/>
-          </p:cNvSpPr>
-          <p:nvPr/>
-        </p:nvSpPr>
-        <p:spPr>
-          <a:xfrm>
-            <a:off x="13593231" y="575713"/>
-            <a:ext cx="4054581" cy="753940"/>
-          </a:xfrm>
-          <a:prstGeom prst="rect">
-            <a:avLst/>
-          </a:prstGeom>
-        </p:spPr>
-        <p:txBody>
-          <a:bodyPr vert="horz" lIns="91440" tIns="45720" rIns="91440" bIns="45720" rtlCol="0" anchor="b">
-            <a:noAutofit/>
-          </a:bodyPr>
-          <a:lstStyle>
-            <a:lvl1pPr algn="ctr" defTabSz="914400" rtl="0" eaLnBrk="1" latinLnBrk="0" hangingPunct="1">
-              <a:lnSpc>
-                <a:spcPct val="90000"/>
-              </a:lnSpc>
-              <a:spcBef>
-                <a:spcPct val="0"/>
-              </a:spcBef>
-              <a:buNone/>
-              <a:defRPr sz="6000" kern="1200">
-                <a:solidFill>
-                  <a:schemeClr val="tx1"/>
-                </a:solidFill>
-                <a:latin typeface="+mj-lt"/>
-                <a:ea typeface="+mj-ea"/>
-                <a:cs typeface="+mj-cs"/>
-              </a:defRPr>
-            </a:lvl1pPr>
-          </a:lstStyle>
-          <a:p>
-            <a:pPr algn="just"/>
-            <a:r>
-              <a:rPr lang="en-US" sz="4500" u="sng" dirty="0">
-                <a:latin typeface="Linux Libertine" panose="02000503000000000000" pitchFamily="2" charset="0"/>
-                <a:ea typeface="Linux Libertine" panose="02000503000000000000" pitchFamily="2" charset="0"/>
-                <a:cs typeface="Linux Libertine" panose="02000503000000000000" pitchFamily="2" charset="0"/>
-              </a:rPr>
-              <a:t>CNF ∩</a:t>
-            </a:r>
-            <a:r>
-              <a:rPr lang="en-US" sz="4500" u="sng">
-                <a:latin typeface="Linux Libertine" panose="02000503000000000000" pitchFamily="2" charset="0"/>
-                <a:ea typeface="Linux Libertine" panose="02000503000000000000" pitchFamily="2" charset="0"/>
-                <a:cs typeface="Linux Libertine" panose="02000503000000000000" pitchFamily="2" charset="0"/>
-              </a:rPr>
-              <a:t>-grammar</a:t>
-            </a:r>
-            <a:endParaRPr lang="en-US" sz="4500" u="sng" dirty="0">
+            <a:endParaRPr lang="en-US" sz="5400" b="1" dirty="0">
               <a:latin typeface="Linux Libertine" panose="02000503000000000000" pitchFamily="2" charset="0"/>
               <a:ea typeface="Linux Libertine" panose="02000503000000000000" pitchFamily="2" charset="0"/>
               <a:cs typeface="Linux Libertine" panose="02000503000000000000" pitchFamily="2" charset="0"/>
             </a:endParaRPr>
-          </a:p>
-        </p:txBody>
-      </p:sp>
-      <p:sp>
-        <p:nvSpPr>
-          <p:cNvPr id="56" name="Title 1">
-            <a:extLst>
-              <a:ext uri="{FF2B5EF4-FFF2-40B4-BE49-F238E27FC236}">
-                <a16:creationId xmlns:a16="http://schemas.microsoft.com/office/drawing/2014/main" id="{95A0FA97-AFA5-8C4E-574D-0F162544D0E5}"/>
-              </a:ext>
-            </a:extLst>
-          </p:cNvPr>
-          <p:cNvSpPr txBox="1">
-            <a:spLocks/>
-          </p:cNvSpPr>
-          <p:nvPr/>
-        </p:nvSpPr>
-        <p:spPr>
-          <a:xfrm>
-            <a:off x="14004711" y="2094042"/>
-            <a:ext cx="2419031" cy="1320632"/>
-          </a:xfrm>
-          <a:prstGeom prst="rect">
-            <a:avLst/>
-          </a:prstGeom>
-        </p:spPr>
-        <p:txBody>
-          <a:bodyPr vert="horz" lIns="91440" tIns="45720" rIns="91440" bIns="45720" rtlCol="0" anchor="b">
-            <a:noAutofit/>
-          </a:bodyPr>
-          <a:lstStyle>
-            <a:lvl1pPr algn="ctr" defTabSz="914400" rtl="0" eaLnBrk="1" latinLnBrk="0" hangingPunct="1">
-              <a:lnSpc>
-                <a:spcPct val="90000"/>
-              </a:lnSpc>
-              <a:spcBef>
-                <a:spcPct val="0"/>
-              </a:spcBef>
-              <a:buNone/>
-              <a:defRPr sz="6000" kern="1200">
-                <a:solidFill>
-                  <a:schemeClr val="tx1"/>
-                </a:solidFill>
-                <a:latin typeface="+mj-lt"/>
-                <a:ea typeface="+mj-ea"/>
-                <a:cs typeface="+mj-cs"/>
-              </a:defRPr>
-            </a:lvl1pPr>
-          </a:lstStyle>
-          <a:p>
-            <a:pPr algn="l"/>
-            <a:r>
-              <a:rPr lang="en-US" sz="2000" dirty="0">
-                <a:effectLst/>
-                <a:latin typeface="Linux Libertine" panose="02000503000000000000" pitchFamily="2" charset="0"/>
-                <a:ea typeface="Linux Libertine" panose="02000503000000000000" pitchFamily="2" charset="0"/>
-                <a:cs typeface="Linux Libertine" panose="02000503000000000000" pitchFamily="2" charset="0"/>
-              </a:rPr>
-              <a:t>S → q</a:t>
-            </a:r>
-            <a:r>
-              <a:rPr lang="en-US" sz="2000" baseline="-25000" dirty="0">
-                <a:effectLst/>
-                <a:latin typeface="Linux Libertine" panose="02000503000000000000" pitchFamily="2" charset="0"/>
-                <a:ea typeface="Linux Libertine" panose="02000503000000000000" pitchFamily="2" charset="0"/>
-                <a:cs typeface="Linux Libertine" panose="02000503000000000000" pitchFamily="2" charset="0"/>
-              </a:rPr>
-              <a:t>00</a:t>
-            </a:r>
-            <a:r>
-              <a:rPr lang="en-US" sz="2000" dirty="0">
-                <a:effectLst/>
-                <a:latin typeface="Linux Libertine" panose="02000503000000000000" pitchFamily="2" charset="0"/>
-                <a:ea typeface="Linux Libertine" panose="02000503000000000000" pitchFamily="2" charset="0"/>
-                <a:cs typeface="Linux Libertine" panose="02000503000000000000" pitchFamily="2" charset="0"/>
-              </a:rPr>
-              <a:t>Lq</a:t>
-            </a:r>
-            <a:r>
-              <a:rPr lang="en-US" sz="2000" baseline="-25000" dirty="0">
-                <a:effectLst/>
-                <a:latin typeface="Linux Libertine" panose="02000503000000000000" pitchFamily="2" charset="0"/>
-                <a:ea typeface="Linux Libertine" panose="02000503000000000000" pitchFamily="2" charset="0"/>
-                <a:cs typeface="Linux Libertine" panose="02000503000000000000" pitchFamily="2" charset="0"/>
-              </a:rPr>
-              <a:t>10</a:t>
-            </a:r>
-            <a:r>
-              <a:rPr lang="en-US" sz="2000" dirty="0">
-                <a:effectLst/>
-                <a:latin typeface="Linux Libertine" panose="02000503000000000000" pitchFamily="2" charset="0"/>
-                <a:ea typeface="Linux Libertine" panose="02000503000000000000" pitchFamily="2" charset="0"/>
-                <a:cs typeface="Linux Libertine" panose="02000503000000000000" pitchFamily="2" charset="0"/>
-              </a:rPr>
-              <a:t> q</a:t>
-            </a:r>
-            <a:r>
-              <a:rPr lang="en-US" sz="2000" baseline="-25000" dirty="0">
-                <a:effectLst/>
-                <a:latin typeface="Linux Libertine" panose="02000503000000000000" pitchFamily="2" charset="0"/>
-                <a:ea typeface="Linux Libertine" panose="02000503000000000000" pitchFamily="2" charset="0"/>
-                <a:cs typeface="Linux Libertine" panose="02000503000000000000" pitchFamily="2" charset="0"/>
-              </a:rPr>
-              <a:t>10</a:t>
-            </a:r>
-            <a:r>
-              <a:rPr lang="en-US" sz="2000" dirty="0">
-                <a:effectLst/>
-                <a:latin typeface="Linux Libertine" panose="02000503000000000000" pitchFamily="2" charset="0"/>
-                <a:ea typeface="Linux Libertine" panose="02000503000000000000" pitchFamily="2" charset="0"/>
-                <a:cs typeface="Linux Libertine" panose="02000503000000000000" pitchFamily="2" charset="0"/>
-              </a:rPr>
-              <a:t>Rq</a:t>
-            </a:r>
-            <a:r>
-              <a:rPr lang="en-US" sz="2000" baseline="-25000" dirty="0">
-                <a:effectLst/>
-                <a:latin typeface="Linux Libertine" panose="02000503000000000000" pitchFamily="2" charset="0"/>
-                <a:ea typeface="Linux Libertine" panose="02000503000000000000" pitchFamily="2" charset="0"/>
-                <a:cs typeface="Linux Libertine" panose="02000503000000000000" pitchFamily="2" charset="0"/>
-              </a:rPr>
-              <a:t>31</a:t>
-            </a:r>
-            <a:br>
-              <a:rPr lang="en-US" sz="2000" dirty="0">
-                <a:effectLst/>
-                <a:latin typeface="Linux Libertine" panose="02000503000000000000" pitchFamily="2" charset="0"/>
-                <a:ea typeface="Linux Libertine" panose="02000503000000000000" pitchFamily="2" charset="0"/>
-                <a:cs typeface="Linux Libertine" panose="02000503000000000000" pitchFamily="2" charset="0"/>
-              </a:rPr>
-            </a:br>
-            <a:r>
-              <a:rPr lang="en-US" sz="2000" dirty="0">
-                <a:effectLst/>
-                <a:latin typeface="Linux Libertine" panose="02000503000000000000" pitchFamily="2" charset="0"/>
-                <a:ea typeface="Linux Libertine" panose="02000503000000000000" pitchFamily="2" charset="0"/>
-                <a:cs typeface="Linux Libertine" panose="02000503000000000000" pitchFamily="2" charset="0"/>
-              </a:rPr>
-              <a:t>S → q</a:t>
-            </a:r>
-            <a:r>
-              <a:rPr lang="en-US" sz="2000" baseline="-25000" dirty="0">
-                <a:effectLst/>
-                <a:latin typeface="Linux Libertine" panose="02000503000000000000" pitchFamily="2" charset="0"/>
-                <a:ea typeface="Linux Libertine" panose="02000503000000000000" pitchFamily="2" charset="0"/>
-                <a:cs typeface="Linux Libertine" panose="02000503000000000000" pitchFamily="2" charset="0"/>
-              </a:rPr>
-              <a:t>00</a:t>
-            </a:r>
-            <a:r>
-              <a:rPr lang="en-US" sz="2000" dirty="0">
-                <a:effectLst/>
-                <a:latin typeface="Linux Libertine" panose="02000503000000000000" pitchFamily="2" charset="0"/>
-                <a:ea typeface="Linux Libertine" panose="02000503000000000000" pitchFamily="2" charset="0"/>
-                <a:cs typeface="Linux Libertine" panose="02000503000000000000" pitchFamily="2" charset="0"/>
-              </a:rPr>
-              <a:t>Lq</a:t>
-            </a:r>
-            <a:r>
-              <a:rPr lang="en-US" sz="2000" baseline="-25000" dirty="0">
-                <a:effectLst/>
-                <a:latin typeface="Linux Libertine" panose="02000503000000000000" pitchFamily="2" charset="0"/>
-                <a:ea typeface="Linux Libertine" panose="02000503000000000000" pitchFamily="2" charset="0"/>
-                <a:cs typeface="Linux Libertine" panose="02000503000000000000" pitchFamily="2" charset="0"/>
-              </a:rPr>
-              <a:t>21</a:t>
-            </a:r>
-            <a:r>
-              <a:rPr lang="en-US" sz="2000" dirty="0">
-                <a:effectLst/>
-                <a:latin typeface="Linux Libertine" panose="02000503000000000000" pitchFamily="2" charset="0"/>
-                <a:ea typeface="Linux Libertine" panose="02000503000000000000" pitchFamily="2" charset="0"/>
-                <a:cs typeface="Linux Libertine" panose="02000503000000000000" pitchFamily="2" charset="0"/>
-              </a:rPr>
-              <a:t> q</a:t>
-            </a:r>
-            <a:r>
-              <a:rPr lang="en-US" sz="2000" baseline="-25000" dirty="0">
-                <a:effectLst/>
-                <a:latin typeface="Linux Libertine" panose="02000503000000000000" pitchFamily="2" charset="0"/>
-                <a:ea typeface="Linux Libertine" panose="02000503000000000000" pitchFamily="2" charset="0"/>
-                <a:cs typeface="Linux Libertine" panose="02000503000000000000" pitchFamily="2" charset="0"/>
-              </a:rPr>
-              <a:t>21</a:t>
-            </a:r>
-            <a:r>
-              <a:rPr lang="en-US" sz="2000" dirty="0">
-                <a:effectLst/>
-                <a:latin typeface="Linux Libertine" panose="02000503000000000000" pitchFamily="2" charset="0"/>
-                <a:ea typeface="Linux Libertine" panose="02000503000000000000" pitchFamily="2" charset="0"/>
-                <a:cs typeface="Linux Libertine" panose="02000503000000000000" pitchFamily="2" charset="0"/>
-              </a:rPr>
-              <a:t>Rq</a:t>
-            </a:r>
-            <a:r>
-              <a:rPr lang="en-US" sz="2000" baseline="-25000" dirty="0">
-                <a:effectLst/>
-                <a:latin typeface="Linux Libertine" panose="02000503000000000000" pitchFamily="2" charset="0"/>
-                <a:ea typeface="Linux Libertine" panose="02000503000000000000" pitchFamily="2" charset="0"/>
-                <a:cs typeface="Linux Libertine" panose="02000503000000000000" pitchFamily="2" charset="0"/>
-              </a:rPr>
-              <a:t>31</a:t>
-            </a:r>
-            <a:br>
-              <a:rPr lang="en-US" sz="2000" dirty="0">
-                <a:effectLst/>
-                <a:latin typeface="Linux Libertine" panose="02000503000000000000" pitchFamily="2" charset="0"/>
-                <a:ea typeface="Linux Libertine" panose="02000503000000000000" pitchFamily="2" charset="0"/>
-                <a:cs typeface="Linux Libertine" panose="02000503000000000000" pitchFamily="2" charset="0"/>
-              </a:rPr>
-            </a:br>
-            <a:r>
-              <a:rPr lang="en-US" sz="2000" dirty="0">
-                <a:effectLst/>
-                <a:latin typeface="Linux Libertine" panose="02000503000000000000" pitchFamily="2" charset="0"/>
-                <a:ea typeface="Linux Libertine" panose="02000503000000000000" pitchFamily="2" charset="0"/>
-                <a:cs typeface="Linux Libertine" panose="02000503000000000000" pitchFamily="2" charset="0"/>
-              </a:rPr>
-              <a:t>S → q</a:t>
-            </a:r>
-            <a:r>
-              <a:rPr lang="en-US" sz="2000" baseline="-25000" dirty="0">
-                <a:effectLst/>
-                <a:latin typeface="Linux Libertine" panose="02000503000000000000" pitchFamily="2" charset="0"/>
-                <a:ea typeface="Linux Libertine" panose="02000503000000000000" pitchFamily="2" charset="0"/>
-                <a:cs typeface="Linux Libertine" panose="02000503000000000000" pitchFamily="2" charset="0"/>
-              </a:rPr>
-              <a:t>00</a:t>
-            </a:r>
-            <a:r>
-              <a:rPr lang="en-US" sz="2000" dirty="0">
-                <a:effectLst/>
-                <a:latin typeface="Linux Libertine" panose="02000503000000000000" pitchFamily="2" charset="0"/>
-                <a:ea typeface="Linux Libertine" panose="02000503000000000000" pitchFamily="2" charset="0"/>
-                <a:cs typeface="Linux Libertine" panose="02000503000000000000" pitchFamily="2" charset="0"/>
-              </a:rPr>
-              <a:t>Lq</a:t>
-            </a:r>
-            <a:r>
-              <a:rPr lang="en-US" sz="2000" baseline="-25000" dirty="0">
-                <a:effectLst/>
-                <a:latin typeface="Linux Libertine" panose="02000503000000000000" pitchFamily="2" charset="0"/>
-                <a:ea typeface="Linux Libertine" panose="02000503000000000000" pitchFamily="2" charset="0"/>
-                <a:cs typeface="Linux Libertine" panose="02000503000000000000" pitchFamily="2" charset="0"/>
-              </a:rPr>
-              <a:t>01</a:t>
-            </a:r>
-            <a:r>
-              <a:rPr lang="en-US" sz="2000" dirty="0">
-                <a:effectLst/>
-                <a:latin typeface="Linux Libertine" panose="02000503000000000000" pitchFamily="2" charset="0"/>
-                <a:ea typeface="Linux Libertine" panose="02000503000000000000" pitchFamily="2" charset="0"/>
-                <a:cs typeface="Linux Libertine" panose="02000503000000000000" pitchFamily="2" charset="0"/>
-              </a:rPr>
-              <a:t> q</a:t>
-            </a:r>
-            <a:r>
-              <a:rPr lang="en-US" sz="2000" baseline="-25000" dirty="0">
-                <a:effectLst/>
-                <a:latin typeface="Linux Libertine" panose="02000503000000000000" pitchFamily="2" charset="0"/>
-                <a:ea typeface="Linux Libertine" panose="02000503000000000000" pitchFamily="2" charset="0"/>
-                <a:cs typeface="Linux Libertine" panose="02000503000000000000" pitchFamily="2" charset="0"/>
-              </a:rPr>
-              <a:t>01</a:t>
-            </a:r>
-            <a:r>
-              <a:rPr lang="en-US" sz="2000" dirty="0">
-                <a:effectLst/>
-                <a:latin typeface="Linux Libertine" panose="02000503000000000000" pitchFamily="2" charset="0"/>
-                <a:ea typeface="Linux Libertine" panose="02000503000000000000" pitchFamily="2" charset="0"/>
-                <a:cs typeface="Linux Libertine" panose="02000503000000000000" pitchFamily="2" charset="0"/>
-              </a:rPr>
-              <a:t>Fq</a:t>
-            </a:r>
-            <a:r>
-              <a:rPr lang="en-US" sz="2000" baseline="-25000" dirty="0">
-                <a:effectLst/>
-                <a:latin typeface="Linux Libertine" panose="02000503000000000000" pitchFamily="2" charset="0"/>
-                <a:ea typeface="Linux Libertine" panose="02000503000000000000" pitchFamily="2" charset="0"/>
-                <a:cs typeface="Linux Libertine" panose="02000503000000000000" pitchFamily="2" charset="0"/>
-              </a:rPr>
-              <a:t>31</a:t>
-            </a:r>
-            <a:br>
-              <a:rPr lang="en-US" sz="2000" dirty="0">
-                <a:effectLst/>
-                <a:latin typeface="Linux Libertine" panose="02000503000000000000" pitchFamily="2" charset="0"/>
-                <a:ea typeface="Linux Libertine" panose="02000503000000000000" pitchFamily="2" charset="0"/>
-                <a:cs typeface="Linux Libertine" panose="02000503000000000000" pitchFamily="2" charset="0"/>
-              </a:rPr>
-            </a:br>
-            <a:r>
-              <a:rPr lang="en-US" sz="2000" dirty="0">
-                <a:effectLst/>
-                <a:latin typeface="Linux Libertine" panose="02000503000000000000" pitchFamily="2" charset="0"/>
-                <a:ea typeface="Linux Libertine" panose="02000503000000000000" pitchFamily="2" charset="0"/>
-                <a:cs typeface="Linux Libertine" panose="02000503000000000000" pitchFamily="2" charset="0"/>
-              </a:rPr>
-              <a:t>S → q</a:t>
-            </a:r>
-            <a:r>
-              <a:rPr lang="en-US" sz="2000" baseline="-25000" dirty="0">
-                <a:effectLst/>
-                <a:latin typeface="Linux Libertine" panose="02000503000000000000" pitchFamily="2" charset="0"/>
-                <a:ea typeface="Linux Libertine" panose="02000503000000000000" pitchFamily="2" charset="0"/>
-                <a:cs typeface="Linux Libertine" panose="02000503000000000000" pitchFamily="2" charset="0"/>
-              </a:rPr>
-              <a:t>00</a:t>
-            </a:r>
-            <a:r>
-              <a:rPr lang="en-US" sz="2000" dirty="0">
-                <a:effectLst/>
-                <a:latin typeface="Linux Libertine" panose="02000503000000000000" pitchFamily="2" charset="0"/>
-                <a:ea typeface="Linux Libertine" panose="02000503000000000000" pitchFamily="2" charset="0"/>
-                <a:cs typeface="Linux Libertine" panose="02000503000000000000" pitchFamily="2" charset="0"/>
-              </a:rPr>
-              <a:t>Lq</a:t>
-            </a:r>
-            <a:r>
-              <a:rPr lang="en-US" sz="2000" baseline="-25000" dirty="0">
-                <a:effectLst/>
-                <a:latin typeface="Linux Libertine" panose="02000503000000000000" pitchFamily="2" charset="0"/>
-                <a:ea typeface="Linux Libertine" panose="02000503000000000000" pitchFamily="2" charset="0"/>
-                <a:cs typeface="Linux Libertine" panose="02000503000000000000" pitchFamily="2" charset="0"/>
-              </a:rPr>
-              <a:t>10</a:t>
-            </a:r>
-            <a:r>
-              <a:rPr lang="en-US" sz="2000" dirty="0">
-                <a:effectLst/>
-                <a:latin typeface="Linux Libertine" panose="02000503000000000000" pitchFamily="2" charset="0"/>
-                <a:ea typeface="Linux Libertine" panose="02000503000000000000" pitchFamily="2" charset="0"/>
-                <a:cs typeface="Linux Libertine" panose="02000503000000000000" pitchFamily="2" charset="0"/>
-              </a:rPr>
-              <a:t> q</a:t>
-            </a:r>
-            <a:r>
-              <a:rPr lang="en-US" sz="2000" baseline="-25000" dirty="0">
-                <a:effectLst/>
-                <a:latin typeface="Linux Libertine" panose="02000503000000000000" pitchFamily="2" charset="0"/>
-                <a:ea typeface="Linux Libertine" panose="02000503000000000000" pitchFamily="2" charset="0"/>
-                <a:cs typeface="Linux Libertine" panose="02000503000000000000" pitchFamily="2" charset="0"/>
-              </a:rPr>
-              <a:t>10</a:t>
-            </a:r>
-            <a:r>
-              <a:rPr lang="en-US" sz="2000" dirty="0">
-                <a:effectLst/>
-                <a:latin typeface="Linux Libertine" panose="02000503000000000000" pitchFamily="2" charset="0"/>
-                <a:ea typeface="Linux Libertine" panose="02000503000000000000" pitchFamily="2" charset="0"/>
-                <a:cs typeface="Linux Libertine" panose="02000503000000000000" pitchFamily="2" charset="0"/>
-              </a:rPr>
-              <a:t>Fq</a:t>
-            </a:r>
-            <a:r>
-              <a:rPr lang="en-US" sz="2000" baseline="-25000" dirty="0">
-                <a:effectLst/>
-                <a:latin typeface="Linux Libertine" panose="02000503000000000000" pitchFamily="2" charset="0"/>
-                <a:ea typeface="Linux Libertine" panose="02000503000000000000" pitchFamily="2" charset="0"/>
-                <a:cs typeface="Linux Libertine" panose="02000503000000000000" pitchFamily="2" charset="0"/>
-              </a:rPr>
-              <a:t>31</a:t>
-            </a:r>
-            <a:br>
-              <a:rPr lang="en-US" sz="2000" dirty="0">
-                <a:effectLst/>
-                <a:latin typeface="Linux Libertine" panose="02000503000000000000" pitchFamily="2" charset="0"/>
-                <a:ea typeface="Linux Libertine" panose="02000503000000000000" pitchFamily="2" charset="0"/>
-                <a:cs typeface="Linux Libertine" panose="02000503000000000000" pitchFamily="2" charset="0"/>
-              </a:rPr>
-            </a:br>
-            <a:r>
-              <a:rPr lang="en-US" sz="2000" dirty="0">
-                <a:effectLst/>
-                <a:latin typeface="Linux Libertine" panose="02000503000000000000" pitchFamily="2" charset="0"/>
-                <a:ea typeface="Linux Libertine" panose="02000503000000000000" pitchFamily="2" charset="0"/>
-                <a:cs typeface="Linux Libertine" panose="02000503000000000000" pitchFamily="2" charset="0"/>
-              </a:rPr>
-              <a:t>S → q</a:t>
-            </a:r>
-            <a:r>
-              <a:rPr lang="en-US" sz="2000" baseline="-25000" dirty="0">
-                <a:effectLst/>
-                <a:latin typeface="Linux Libertine" panose="02000503000000000000" pitchFamily="2" charset="0"/>
-                <a:ea typeface="Linux Libertine" panose="02000503000000000000" pitchFamily="2" charset="0"/>
-                <a:cs typeface="Linux Libertine" panose="02000503000000000000" pitchFamily="2" charset="0"/>
-              </a:rPr>
-              <a:t>00</a:t>
-            </a:r>
-            <a:r>
-              <a:rPr lang="en-US" sz="2000" dirty="0">
-                <a:effectLst/>
-                <a:latin typeface="Linux Libertine" panose="02000503000000000000" pitchFamily="2" charset="0"/>
-                <a:ea typeface="Linux Libertine" panose="02000503000000000000" pitchFamily="2" charset="0"/>
-                <a:cs typeface="Linux Libertine" panose="02000503000000000000" pitchFamily="2" charset="0"/>
-              </a:rPr>
-              <a:t>Lq</a:t>
-            </a:r>
-            <a:r>
-              <a:rPr lang="en-US" sz="2000" baseline="-25000" dirty="0">
-                <a:effectLst/>
-                <a:latin typeface="Linux Libertine" panose="02000503000000000000" pitchFamily="2" charset="0"/>
-                <a:ea typeface="Linux Libertine" panose="02000503000000000000" pitchFamily="2" charset="0"/>
-                <a:cs typeface="Linux Libertine" panose="02000503000000000000" pitchFamily="2" charset="0"/>
-              </a:rPr>
-              <a:t>10</a:t>
-            </a:r>
-            <a:r>
-              <a:rPr lang="en-US" sz="2000" dirty="0">
-                <a:effectLst/>
-                <a:latin typeface="Linux Libertine" panose="02000503000000000000" pitchFamily="2" charset="0"/>
-                <a:ea typeface="Linux Libertine" panose="02000503000000000000" pitchFamily="2" charset="0"/>
-                <a:cs typeface="Linux Libertine" panose="02000503000000000000" pitchFamily="2" charset="0"/>
-              </a:rPr>
-              <a:t> q</a:t>
-            </a:r>
-            <a:r>
-              <a:rPr lang="en-US" sz="2000" baseline="-25000" dirty="0">
-                <a:effectLst/>
-                <a:latin typeface="Linux Libertine" panose="02000503000000000000" pitchFamily="2" charset="0"/>
-                <a:ea typeface="Linux Libertine" panose="02000503000000000000" pitchFamily="2" charset="0"/>
-                <a:cs typeface="Linux Libertine" panose="02000503000000000000" pitchFamily="2" charset="0"/>
-              </a:rPr>
-              <a:t>10</a:t>
-            </a:r>
-            <a:r>
-              <a:rPr lang="en-US" sz="2000" dirty="0">
-                <a:effectLst/>
-                <a:latin typeface="Linux Libertine" panose="02000503000000000000" pitchFamily="2" charset="0"/>
-                <a:ea typeface="Linux Libertine" panose="02000503000000000000" pitchFamily="2" charset="0"/>
-                <a:cs typeface="Linux Libertine" panose="02000503000000000000" pitchFamily="2" charset="0"/>
-              </a:rPr>
-              <a:t>Rq</a:t>
-            </a:r>
-            <a:r>
-              <a:rPr lang="en-US" sz="2000" baseline="-25000" dirty="0">
-                <a:effectLst/>
-                <a:latin typeface="Linux Libertine" panose="02000503000000000000" pitchFamily="2" charset="0"/>
-                <a:ea typeface="Linux Libertine" panose="02000503000000000000" pitchFamily="2" charset="0"/>
-                <a:cs typeface="Linux Libertine" panose="02000503000000000000" pitchFamily="2" charset="0"/>
-              </a:rPr>
-              <a:t>20</a:t>
-            </a:r>
-            <a:br>
-              <a:rPr lang="en-US" sz="2000" dirty="0">
-                <a:effectLst/>
-                <a:latin typeface="Linux Libertine" panose="02000503000000000000" pitchFamily="2" charset="0"/>
-                <a:ea typeface="Linux Libertine" panose="02000503000000000000" pitchFamily="2" charset="0"/>
-                <a:cs typeface="Linux Libertine" panose="02000503000000000000" pitchFamily="2" charset="0"/>
-              </a:rPr>
-            </a:br>
-            <a:r>
-              <a:rPr lang="en-US" sz="2000" dirty="0">
-                <a:effectLst/>
-                <a:latin typeface="Linux Libertine" panose="02000503000000000000" pitchFamily="2" charset="0"/>
-                <a:ea typeface="Linux Libertine" panose="02000503000000000000" pitchFamily="2" charset="0"/>
-                <a:cs typeface="Linux Libertine" panose="02000503000000000000" pitchFamily="2" charset="0"/>
-              </a:rPr>
-              <a:t>S → q</a:t>
-            </a:r>
-            <a:r>
-              <a:rPr lang="en-US" sz="2000" baseline="-25000" dirty="0">
-                <a:effectLst/>
-                <a:latin typeface="Linux Libertine" panose="02000503000000000000" pitchFamily="2" charset="0"/>
-                <a:ea typeface="Linux Libertine" panose="02000503000000000000" pitchFamily="2" charset="0"/>
-                <a:cs typeface="Linux Libertine" panose="02000503000000000000" pitchFamily="2" charset="0"/>
-              </a:rPr>
-              <a:t>00</a:t>
-            </a:r>
-            <a:r>
-              <a:rPr lang="en-US" sz="2000" dirty="0">
-                <a:effectLst/>
-                <a:latin typeface="Linux Libertine" panose="02000503000000000000" pitchFamily="2" charset="0"/>
-                <a:ea typeface="Linux Libertine" panose="02000503000000000000" pitchFamily="2" charset="0"/>
-                <a:cs typeface="Linux Libertine" panose="02000503000000000000" pitchFamily="2" charset="0"/>
-              </a:rPr>
-              <a:t>Sq</a:t>
-            </a:r>
-            <a:r>
-              <a:rPr lang="en-US" sz="2000" baseline="-25000" dirty="0">
-                <a:effectLst/>
-                <a:latin typeface="Linux Libertine" panose="02000503000000000000" pitchFamily="2" charset="0"/>
-                <a:ea typeface="Linux Libertine" panose="02000503000000000000" pitchFamily="2" charset="0"/>
-                <a:cs typeface="Linux Libertine" panose="02000503000000000000" pitchFamily="2" charset="0"/>
-              </a:rPr>
-              <a:t>20</a:t>
-            </a:r>
-            <a:r>
-              <a:rPr lang="en-US" sz="2000" dirty="0">
-                <a:effectLst/>
-                <a:latin typeface="Linux Libertine" panose="02000503000000000000" pitchFamily="2" charset="0"/>
-                <a:ea typeface="Linux Libertine" panose="02000503000000000000" pitchFamily="2" charset="0"/>
-                <a:cs typeface="Linux Libertine" panose="02000503000000000000" pitchFamily="2" charset="0"/>
-              </a:rPr>
-              <a:t> q</a:t>
-            </a:r>
-            <a:r>
-              <a:rPr lang="en-US" sz="2000" baseline="-25000" dirty="0">
-                <a:effectLst/>
-                <a:latin typeface="Linux Libertine" panose="02000503000000000000" pitchFamily="2" charset="0"/>
-                <a:ea typeface="Linux Libertine" panose="02000503000000000000" pitchFamily="2" charset="0"/>
-                <a:cs typeface="Linux Libertine" panose="02000503000000000000" pitchFamily="2" charset="0"/>
-              </a:rPr>
-              <a:t>20</a:t>
-            </a:r>
-            <a:r>
-              <a:rPr lang="en-US" sz="2000" dirty="0">
-                <a:effectLst/>
-                <a:latin typeface="Linux Libertine" panose="02000503000000000000" pitchFamily="2" charset="0"/>
-                <a:ea typeface="Linux Libertine" panose="02000503000000000000" pitchFamily="2" charset="0"/>
-                <a:cs typeface="Linux Libertine" panose="02000503000000000000" pitchFamily="2" charset="0"/>
-              </a:rPr>
-              <a:t>Sq</a:t>
-            </a:r>
-            <a:r>
-              <a:rPr lang="en-US" sz="2000" baseline="-25000" dirty="0">
-                <a:effectLst/>
-                <a:latin typeface="Linux Libertine" panose="02000503000000000000" pitchFamily="2" charset="0"/>
-                <a:ea typeface="Linux Libertine" panose="02000503000000000000" pitchFamily="2" charset="0"/>
-                <a:cs typeface="Linux Libertine" panose="02000503000000000000" pitchFamily="2" charset="0"/>
-              </a:rPr>
-              <a:t>31</a:t>
-            </a:r>
-          </a:p>
-        </p:txBody>
-      </p:sp>
-      <p:sp>
-        <p:nvSpPr>
-          <p:cNvPr id="58" name="Title 1">
-            <a:extLst>
-              <a:ext uri="{FF2B5EF4-FFF2-40B4-BE49-F238E27FC236}">
-                <a16:creationId xmlns:a16="http://schemas.microsoft.com/office/drawing/2014/main" id="{438C9ECB-734E-E133-0DDD-8789B3A07BB2}"/>
-              </a:ext>
-            </a:extLst>
-          </p:cNvPr>
-          <p:cNvSpPr txBox="1">
-            <a:spLocks/>
-          </p:cNvSpPr>
-          <p:nvPr/>
-        </p:nvSpPr>
-        <p:spPr>
-          <a:xfrm>
-            <a:off x="13169070" y="4422407"/>
-            <a:ext cx="3284059" cy="1846202"/>
-          </a:xfrm>
-          <a:prstGeom prst="rect">
-            <a:avLst/>
-          </a:prstGeom>
-        </p:spPr>
-        <p:txBody>
-          <a:bodyPr vert="horz" lIns="91440" tIns="45720" rIns="91440" bIns="45720" rtlCol="0" anchor="b">
-            <a:noAutofit/>
-          </a:bodyPr>
-          <a:lstStyle>
-            <a:lvl1pPr algn="ctr" defTabSz="914400" rtl="0" eaLnBrk="1" latinLnBrk="0" hangingPunct="1">
-              <a:lnSpc>
-                <a:spcPct val="90000"/>
-              </a:lnSpc>
-              <a:spcBef>
-                <a:spcPct val="0"/>
-              </a:spcBef>
-              <a:buNone/>
-              <a:defRPr sz="6000" kern="1200">
-                <a:solidFill>
-                  <a:schemeClr val="tx1"/>
-                </a:solidFill>
-                <a:latin typeface="+mj-lt"/>
-                <a:ea typeface="+mj-ea"/>
-                <a:cs typeface="+mj-cs"/>
-              </a:defRPr>
-            </a:lvl1pPr>
-          </a:lstStyle>
-          <a:p>
-            <a:r>
-              <a:rPr lang="en-US" sz="2000" dirty="0">
-                <a:effectLst/>
-                <a:latin typeface="Linux Libertine" panose="02000503000000000000" pitchFamily="2" charset="0"/>
-                <a:ea typeface="Linux Libertine" panose="02000503000000000000" pitchFamily="2" charset="0"/>
-                <a:cs typeface="Linux Libertine" panose="02000503000000000000" pitchFamily="2" charset="0"/>
-              </a:rPr>
-              <a:t>q</a:t>
-            </a:r>
-            <a:r>
-              <a:rPr lang="en-US" sz="2000" baseline="-25000" dirty="0">
-                <a:effectLst/>
-                <a:latin typeface="Linux Libertine" panose="02000503000000000000" pitchFamily="2" charset="0"/>
-                <a:ea typeface="Linux Libertine" panose="02000503000000000000" pitchFamily="2" charset="0"/>
-                <a:cs typeface="Linux Libertine" panose="02000503000000000000" pitchFamily="2" charset="0"/>
-              </a:rPr>
-              <a:t>20</a:t>
-            </a:r>
-            <a:r>
-              <a:rPr lang="en-US" sz="2000" dirty="0">
-                <a:effectLst/>
-                <a:latin typeface="Linux Libertine" panose="02000503000000000000" pitchFamily="2" charset="0"/>
-                <a:ea typeface="Linux Libertine" panose="02000503000000000000" pitchFamily="2" charset="0"/>
-                <a:cs typeface="Linux Libertine" panose="02000503000000000000" pitchFamily="2" charset="0"/>
-              </a:rPr>
-              <a:t>Sq</a:t>
-            </a:r>
-            <a:r>
-              <a:rPr lang="en-US" sz="2000" baseline="-25000" dirty="0">
-                <a:effectLst/>
-                <a:latin typeface="Linux Libertine" panose="02000503000000000000" pitchFamily="2" charset="0"/>
-                <a:ea typeface="Linux Libertine" panose="02000503000000000000" pitchFamily="2" charset="0"/>
-                <a:cs typeface="Linux Libertine" panose="02000503000000000000" pitchFamily="2" charset="0"/>
-              </a:rPr>
-              <a:t>31</a:t>
-            </a:r>
-            <a:r>
-              <a:rPr lang="en-US" sz="2000" dirty="0">
-                <a:effectLst/>
-                <a:latin typeface="Linux Libertine" panose="02000503000000000000" pitchFamily="2" charset="0"/>
-                <a:ea typeface="Linux Libertine" panose="02000503000000000000" pitchFamily="2" charset="0"/>
-                <a:cs typeface="Linux Libertine" panose="02000503000000000000" pitchFamily="2" charset="0"/>
-              </a:rPr>
-              <a:t> → q</a:t>
-            </a:r>
-            <a:r>
-              <a:rPr lang="en-US" sz="2000" baseline="-25000" dirty="0">
-                <a:effectLst/>
-                <a:latin typeface="Linux Libertine" panose="02000503000000000000" pitchFamily="2" charset="0"/>
-                <a:ea typeface="Linux Libertine" panose="02000503000000000000" pitchFamily="2" charset="0"/>
-                <a:cs typeface="Linux Libertine" panose="02000503000000000000" pitchFamily="2" charset="0"/>
-              </a:rPr>
-              <a:t>20</a:t>
-            </a:r>
-            <a:r>
-              <a:rPr lang="en-US" sz="2000" dirty="0">
-                <a:effectLst/>
-                <a:latin typeface="Linux Libertine" panose="02000503000000000000" pitchFamily="2" charset="0"/>
-                <a:ea typeface="Linux Libertine" panose="02000503000000000000" pitchFamily="2" charset="0"/>
-                <a:cs typeface="Linux Libertine" panose="02000503000000000000" pitchFamily="2" charset="0"/>
-              </a:rPr>
-              <a:t>Lq</a:t>
-            </a:r>
-            <a:r>
-              <a:rPr lang="en-US" sz="2000" baseline="-25000" dirty="0">
-                <a:effectLst/>
-                <a:latin typeface="Linux Libertine" panose="02000503000000000000" pitchFamily="2" charset="0"/>
-                <a:ea typeface="Linux Libertine" panose="02000503000000000000" pitchFamily="2" charset="0"/>
-                <a:cs typeface="Linux Libertine" panose="02000503000000000000" pitchFamily="2" charset="0"/>
-              </a:rPr>
-              <a:t>21</a:t>
-            </a:r>
-            <a:r>
-              <a:rPr lang="en-US" sz="2000" dirty="0">
-                <a:effectLst/>
-                <a:latin typeface="Linux Libertine" panose="02000503000000000000" pitchFamily="2" charset="0"/>
-                <a:ea typeface="Linux Libertine" panose="02000503000000000000" pitchFamily="2" charset="0"/>
-                <a:cs typeface="Linux Libertine" panose="02000503000000000000" pitchFamily="2" charset="0"/>
-              </a:rPr>
-              <a:t> q</a:t>
-            </a:r>
-            <a:r>
-              <a:rPr lang="en-US" sz="2000" baseline="-25000" dirty="0">
-                <a:effectLst/>
-                <a:latin typeface="Linux Libertine" panose="02000503000000000000" pitchFamily="2" charset="0"/>
-                <a:ea typeface="Linux Libertine" panose="02000503000000000000" pitchFamily="2" charset="0"/>
-                <a:cs typeface="Linux Libertine" panose="02000503000000000000" pitchFamily="2" charset="0"/>
-              </a:rPr>
-              <a:t>21</a:t>
-            </a:r>
-            <a:r>
-              <a:rPr lang="en-US" sz="2000" dirty="0">
-                <a:effectLst/>
-                <a:latin typeface="Linux Libertine" panose="02000503000000000000" pitchFamily="2" charset="0"/>
-                <a:ea typeface="Linux Libertine" panose="02000503000000000000" pitchFamily="2" charset="0"/>
-                <a:cs typeface="Linux Libertine" panose="02000503000000000000" pitchFamily="2" charset="0"/>
-              </a:rPr>
-              <a:t>Rq</a:t>
-            </a:r>
-            <a:r>
-              <a:rPr lang="en-US" sz="2000" baseline="-25000" dirty="0">
-                <a:effectLst/>
-                <a:latin typeface="Linux Libertine" panose="02000503000000000000" pitchFamily="2" charset="0"/>
-                <a:ea typeface="Linux Libertine" panose="02000503000000000000" pitchFamily="2" charset="0"/>
-                <a:cs typeface="Linux Libertine" panose="02000503000000000000" pitchFamily="2" charset="0"/>
-              </a:rPr>
-              <a:t>31</a:t>
-            </a:r>
-            <a:br>
-              <a:rPr lang="en-US" sz="2000" dirty="0">
-                <a:effectLst/>
-                <a:latin typeface="Linux Libertine" panose="02000503000000000000" pitchFamily="2" charset="0"/>
-                <a:ea typeface="Linux Libertine" panose="02000503000000000000" pitchFamily="2" charset="0"/>
-                <a:cs typeface="Linux Libertine" panose="02000503000000000000" pitchFamily="2" charset="0"/>
-              </a:rPr>
-            </a:br>
-            <a:r>
-              <a:rPr lang="en-US" sz="2000" dirty="0">
-                <a:effectLst/>
-                <a:latin typeface="Linux Libertine" panose="02000503000000000000" pitchFamily="2" charset="0"/>
-                <a:ea typeface="Linux Libertine" panose="02000503000000000000" pitchFamily="2" charset="0"/>
-                <a:cs typeface="Linux Libertine" panose="02000503000000000000" pitchFamily="2" charset="0"/>
-              </a:rPr>
-              <a:t>q</a:t>
-            </a:r>
-            <a:r>
-              <a:rPr lang="en-US" sz="2000" baseline="-25000" dirty="0">
-                <a:effectLst/>
-                <a:latin typeface="Linux Libertine" panose="02000503000000000000" pitchFamily="2" charset="0"/>
-                <a:ea typeface="Linux Libertine" panose="02000503000000000000" pitchFamily="2" charset="0"/>
-                <a:cs typeface="Linux Libertine" panose="02000503000000000000" pitchFamily="2" charset="0"/>
-              </a:rPr>
-              <a:t>20</a:t>
-            </a:r>
-            <a:r>
-              <a:rPr lang="en-US" sz="2000" dirty="0">
-                <a:effectLst/>
-                <a:latin typeface="Linux Libertine" panose="02000503000000000000" pitchFamily="2" charset="0"/>
-                <a:ea typeface="Linux Libertine" panose="02000503000000000000" pitchFamily="2" charset="0"/>
-                <a:cs typeface="Linux Libertine" panose="02000503000000000000" pitchFamily="2" charset="0"/>
-              </a:rPr>
-              <a:t>Sq</a:t>
-            </a:r>
-            <a:r>
-              <a:rPr lang="en-US" sz="2000" baseline="-25000" dirty="0">
-                <a:effectLst/>
-                <a:latin typeface="Linux Libertine" panose="02000503000000000000" pitchFamily="2" charset="0"/>
-                <a:ea typeface="Linux Libertine" panose="02000503000000000000" pitchFamily="2" charset="0"/>
-                <a:cs typeface="Linux Libertine" panose="02000503000000000000" pitchFamily="2" charset="0"/>
-              </a:rPr>
-              <a:t>31</a:t>
-            </a:r>
-            <a:r>
-              <a:rPr lang="en-US" sz="2000" dirty="0">
-                <a:effectLst/>
-                <a:latin typeface="Linux Libertine" panose="02000503000000000000" pitchFamily="2" charset="0"/>
-                <a:ea typeface="Linux Libertine" panose="02000503000000000000" pitchFamily="2" charset="0"/>
-                <a:cs typeface="Linux Libertine" panose="02000503000000000000" pitchFamily="2" charset="0"/>
-              </a:rPr>
-              <a:t> → q</a:t>
-            </a:r>
-            <a:r>
-              <a:rPr lang="en-US" sz="2000" baseline="-25000" dirty="0">
-                <a:effectLst/>
-                <a:latin typeface="Linux Libertine" panose="02000503000000000000" pitchFamily="2" charset="0"/>
-                <a:ea typeface="Linux Libertine" panose="02000503000000000000" pitchFamily="2" charset="0"/>
-                <a:cs typeface="Linux Libertine" panose="02000503000000000000" pitchFamily="2" charset="0"/>
-              </a:rPr>
-              <a:t>20</a:t>
-            </a:r>
-            <a:r>
-              <a:rPr lang="en-US" sz="2000" dirty="0">
-                <a:effectLst/>
-                <a:latin typeface="Linux Libertine" panose="02000503000000000000" pitchFamily="2" charset="0"/>
-                <a:ea typeface="Linux Libertine" panose="02000503000000000000" pitchFamily="2" charset="0"/>
-                <a:cs typeface="Linux Libertine" panose="02000503000000000000" pitchFamily="2" charset="0"/>
-              </a:rPr>
-              <a:t>Lq</a:t>
-            </a:r>
-            <a:r>
-              <a:rPr lang="en-US" sz="2000" baseline="-25000" dirty="0">
-                <a:effectLst/>
-                <a:latin typeface="Linux Libertine" panose="02000503000000000000" pitchFamily="2" charset="0"/>
-                <a:ea typeface="Linux Libertine" panose="02000503000000000000" pitchFamily="2" charset="0"/>
-                <a:cs typeface="Linux Libertine" panose="02000503000000000000" pitchFamily="2" charset="0"/>
-              </a:rPr>
-              <a:t>30</a:t>
-            </a:r>
-            <a:r>
-              <a:rPr lang="en-US" sz="2000" dirty="0">
-                <a:effectLst/>
-                <a:latin typeface="Linux Libertine" panose="02000503000000000000" pitchFamily="2" charset="0"/>
-                <a:ea typeface="Linux Libertine" panose="02000503000000000000" pitchFamily="2" charset="0"/>
-                <a:cs typeface="Linux Libertine" panose="02000503000000000000" pitchFamily="2" charset="0"/>
-              </a:rPr>
-              <a:t> q</a:t>
-            </a:r>
-            <a:r>
-              <a:rPr lang="en-US" sz="2000" baseline="-25000" dirty="0">
-                <a:effectLst/>
-                <a:latin typeface="Linux Libertine" panose="02000503000000000000" pitchFamily="2" charset="0"/>
-                <a:ea typeface="Linux Libertine" panose="02000503000000000000" pitchFamily="2" charset="0"/>
-                <a:cs typeface="Linux Libertine" panose="02000503000000000000" pitchFamily="2" charset="0"/>
-              </a:rPr>
-              <a:t>30</a:t>
-            </a:r>
-            <a:r>
-              <a:rPr lang="en-US" sz="2000" dirty="0">
-                <a:effectLst/>
-                <a:latin typeface="Linux Libertine" panose="02000503000000000000" pitchFamily="2" charset="0"/>
-                <a:ea typeface="Linux Libertine" panose="02000503000000000000" pitchFamily="2" charset="0"/>
-                <a:cs typeface="Linux Libertine" panose="02000503000000000000" pitchFamily="2" charset="0"/>
-              </a:rPr>
-              <a:t>Rq</a:t>
-            </a:r>
-            <a:r>
-              <a:rPr lang="en-US" sz="2000" baseline="-25000" dirty="0">
-                <a:effectLst/>
-                <a:latin typeface="Linux Libertine" panose="02000503000000000000" pitchFamily="2" charset="0"/>
-                <a:ea typeface="Linux Libertine" panose="02000503000000000000" pitchFamily="2" charset="0"/>
-                <a:cs typeface="Linux Libertine" panose="02000503000000000000" pitchFamily="2" charset="0"/>
-              </a:rPr>
-              <a:t>31</a:t>
-            </a:r>
-            <a:br>
-              <a:rPr lang="en-US" sz="2000" dirty="0">
-                <a:effectLst/>
-                <a:latin typeface="Linux Libertine" panose="02000503000000000000" pitchFamily="2" charset="0"/>
-                <a:ea typeface="Linux Libertine" panose="02000503000000000000" pitchFamily="2" charset="0"/>
-                <a:cs typeface="Linux Libertine" panose="02000503000000000000" pitchFamily="2" charset="0"/>
-              </a:rPr>
-            </a:br>
-            <a:r>
-              <a:rPr lang="en-US" sz="2000" dirty="0">
-                <a:effectLst/>
-                <a:latin typeface="Linux Libertine" panose="02000503000000000000" pitchFamily="2" charset="0"/>
-                <a:ea typeface="Linux Libertine" panose="02000503000000000000" pitchFamily="2" charset="0"/>
-                <a:cs typeface="Linux Libertine" panose="02000503000000000000" pitchFamily="2" charset="0"/>
-              </a:rPr>
-              <a:t>q</a:t>
-            </a:r>
-            <a:r>
-              <a:rPr lang="en-US" sz="2000" baseline="-25000" dirty="0">
-                <a:effectLst/>
-                <a:latin typeface="Linux Libertine" panose="02000503000000000000" pitchFamily="2" charset="0"/>
-                <a:ea typeface="Linux Libertine" panose="02000503000000000000" pitchFamily="2" charset="0"/>
-                <a:cs typeface="Linux Libertine" panose="02000503000000000000" pitchFamily="2" charset="0"/>
-              </a:rPr>
-              <a:t>00</a:t>
-            </a:r>
-            <a:r>
-              <a:rPr lang="en-US" sz="2000" dirty="0">
-                <a:effectLst/>
-                <a:latin typeface="Linux Libertine" panose="02000503000000000000" pitchFamily="2" charset="0"/>
-                <a:ea typeface="Linux Libertine" panose="02000503000000000000" pitchFamily="2" charset="0"/>
-                <a:cs typeface="Linux Libertine" panose="02000503000000000000" pitchFamily="2" charset="0"/>
-              </a:rPr>
-              <a:t>Sq</a:t>
-            </a:r>
-            <a:r>
-              <a:rPr lang="en-US" sz="2000" baseline="-25000" dirty="0">
-                <a:effectLst/>
-                <a:latin typeface="Linux Libertine" panose="02000503000000000000" pitchFamily="2" charset="0"/>
-                <a:ea typeface="Linux Libertine" panose="02000503000000000000" pitchFamily="2" charset="0"/>
-                <a:cs typeface="Linux Libertine" panose="02000503000000000000" pitchFamily="2" charset="0"/>
-              </a:rPr>
-              <a:t>20</a:t>
-            </a:r>
-            <a:r>
-              <a:rPr lang="en-US" sz="2000" dirty="0">
-                <a:effectLst/>
-                <a:latin typeface="Linux Libertine" panose="02000503000000000000" pitchFamily="2" charset="0"/>
-                <a:ea typeface="Linux Libertine" panose="02000503000000000000" pitchFamily="2" charset="0"/>
-                <a:cs typeface="Linux Libertine" panose="02000503000000000000" pitchFamily="2" charset="0"/>
-              </a:rPr>
-              <a:t> → q</a:t>
-            </a:r>
-            <a:r>
-              <a:rPr lang="en-US" sz="2000" baseline="-25000" dirty="0">
-                <a:effectLst/>
-                <a:latin typeface="Linux Libertine" panose="02000503000000000000" pitchFamily="2" charset="0"/>
-                <a:ea typeface="Linux Libertine" panose="02000503000000000000" pitchFamily="2" charset="0"/>
-                <a:cs typeface="Linux Libertine" panose="02000503000000000000" pitchFamily="2" charset="0"/>
-              </a:rPr>
-              <a:t>00</a:t>
-            </a:r>
-            <a:r>
-              <a:rPr lang="en-US" sz="2000" dirty="0">
-                <a:effectLst/>
-                <a:latin typeface="Linux Libertine" panose="02000503000000000000" pitchFamily="2" charset="0"/>
-                <a:ea typeface="Linux Libertine" panose="02000503000000000000" pitchFamily="2" charset="0"/>
-                <a:cs typeface="Linux Libertine" panose="02000503000000000000" pitchFamily="2" charset="0"/>
-              </a:rPr>
-              <a:t>Lq</a:t>
-            </a:r>
-            <a:r>
-              <a:rPr lang="en-US" sz="2000" baseline="-25000" dirty="0">
-                <a:effectLst/>
-                <a:latin typeface="Linux Libertine" panose="02000503000000000000" pitchFamily="2" charset="0"/>
-                <a:ea typeface="Linux Libertine" panose="02000503000000000000" pitchFamily="2" charset="0"/>
-                <a:cs typeface="Linux Libertine" panose="02000503000000000000" pitchFamily="2" charset="0"/>
-              </a:rPr>
-              <a:t>10</a:t>
-            </a:r>
-            <a:r>
-              <a:rPr lang="en-US" sz="2000" dirty="0">
-                <a:effectLst/>
-                <a:latin typeface="Linux Libertine" panose="02000503000000000000" pitchFamily="2" charset="0"/>
-                <a:ea typeface="Linux Libertine" panose="02000503000000000000" pitchFamily="2" charset="0"/>
-                <a:cs typeface="Linux Libertine" panose="02000503000000000000" pitchFamily="2" charset="0"/>
-              </a:rPr>
-              <a:t> q</a:t>
-            </a:r>
-            <a:r>
-              <a:rPr lang="en-US" sz="2000" baseline="-25000" dirty="0">
-                <a:effectLst/>
-                <a:latin typeface="Linux Libertine" panose="02000503000000000000" pitchFamily="2" charset="0"/>
-                <a:ea typeface="Linux Libertine" panose="02000503000000000000" pitchFamily="2" charset="0"/>
-                <a:cs typeface="Linux Libertine" panose="02000503000000000000" pitchFamily="2" charset="0"/>
-              </a:rPr>
-              <a:t>10</a:t>
-            </a:r>
-            <a:r>
-              <a:rPr lang="en-US" sz="2000" dirty="0">
-                <a:effectLst/>
-                <a:latin typeface="Linux Libertine" panose="02000503000000000000" pitchFamily="2" charset="0"/>
-                <a:ea typeface="Linux Libertine" panose="02000503000000000000" pitchFamily="2" charset="0"/>
-                <a:cs typeface="Linux Libertine" panose="02000503000000000000" pitchFamily="2" charset="0"/>
-              </a:rPr>
-              <a:t>Rq</a:t>
-            </a:r>
-            <a:r>
-              <a:rPr lang="en-US" sz="2000" baseline="-25000" dirty="0">
-                <a:effectLst/>
-                <a:latin typeface="Linux Libertine" panose="02000503000000000000" pitchFamily="2" charset="0"/>
-                <a:ea typeface="Linux Libertine" panose="02000503000000000000" pitchFamily="2" charset="0"/>
-                <a:cs typeface="Linux Libertine" panose="02000503000000000000" pitchFamily="2" charset="0"/>
-              </a:rPr>
-              <a:t>20</a:t>
-            </a:r>
-            <a:br>
-              <a:rPr lang="en-US" sz="2000" dirty="0">
-                <a:effectLst/>
-                <a:latin typeface="Linux Libertine" panose="02000503000000000000" pitchFamily="2" charset="0"/>
-                <a:ea typeface="Linux Libertine" panose="02000503000000000000" pitchFamily="2" charset="0"/>
-                <a:cs typeface="Linux Libertine" panose="02000503000000000000" pitchFamily="2" charset="0"/>
-              </a:rPr>
-            </a:br>
-            <a:r>
-              <a:rPr lang="en-US" sz="2000" dirty="0">
-                <a:effectLst/>
-                <a:latin typeface="Linux Libertine" panose="02000503000000000000" pitchFamily="2" charset="0"/>
-                <a:ea typeface="Linux Libertine" panose="02000503000000000000" pitchFamily="2" charset="0"/>
-                <a:cs typeface="Linux Libertine" panose="02000503000000000000" pitchFamily="2" charset="0"/>
-              </a:rPr>
-              <a:t>q</a:t>
-            </a:r>
-            <a:r>
-              <a:rPr lang="en-US" sz="2000" baseline="-25000" dirty="0">
-                <a:effectLst/>
-                <a:latin typeface="Linux Libertine" panose="02000503000000000000" pitchFamily="2" charset="0"/>
-                <a:ea typeface="Linux Libertine" panose="02000503000000000000" pitchFamily="2" charset="0"/>
-                <a:cs typeface="Linux Libertine" panose="02000503000000000000" pitchFamily="2" charset="0"/>
-              </a:rPr>
-              <a:t>01</a:t>
-            </a:r>
-            <a:r>
-              <a:rPr lang="en-US" sz="2000" dirty="0">
-                <a:effectLst/>
-                <a:latin typeface="Linux Libertine" panose="02000503000000000000" pitchFamily="2" charset="0"/>
-                <a:ea typeface="Linux Libertine" panose="02000503000000000000" pitchFamily="2" charset="0"/>
-                <a:cs typeface="Linux Libertine" panose="02000503000000000000" pitchFamily="2" charset="0"/>
-              </a:rPr>
-              <a:t>Fq</a:t>
-            </a:r>
-            <a:r>
-              <a:rPr lang="en-US" sz="2000" baseline="-25000" dirty="0">
-                <a:effectLst/>
-                <a:latin typeface="Linux Libertine" panose="02000503000000000000" pitchFamily="2" charset="0"/>
-                <a:ea typeface="Linux Libertine" panose="02000503000000000000" pitchFamily="2" charset="0"/>
-                <a:cs typeface="Linux Libertine" panose="02000503000000000000" pitchFamily="2" charset="0"/>
-              </a:rPr>
-              <a:t>31</a:t>
-            </a:r>
-            <a:r>
-              <a:rPr lang="en-US" sz="2000" dirty="0">
-                <a:effectLst/>
-                <a:latin typeface="Linux Libertine" panose="02000503000000000000" pitchFamily="2" charset="0"/>
-                <a:ea typeface="Linux Libertine" panose="02000503000000000000" pitchFamily="2" charset="0"/>
-                <a:cs typeface="Linux Libertine" panose="02000503000000000000" pitchFamily="2" charset="0"/>
-              </a:rPr>
-              <a:t> → q</a:t>
-            </a:r>
-            <a:r>
-              <a:rPr lang="en-US" sz="2000" baseline="-25000" dirty="0">
-                <a:effectLst/>
-                <a:latin typeface="Linux Libertine" panose="02000503000000000000" pitchFamily="2" charset="0"/>
-                <a:ea typeface="Linux Libertine" panose="02000503000000000000" pitchFamily="2" charset="0"/>
-                <a:cs typeface="Linux Libertine" panose="02000503000000000000" pitchFamily="2" charset="0"/>
-              </a:rPr>
-              <a:t>01</a:t>
-            </a:r>
-            <a:r>
-              <a:rPr lang="en-US" sz="2000" dirty="0">
-                <a:effectLst/>
-                <a:latin typeface="Linux Libertine" panose="02000503000000000000" pitchFamily="2" charset="0"/>
-                <a:ea typeface="Linux Libertine" panose="02000503000000000000" pitchFamily="2" charset="0"/>
-                <a:cs typeface="Linux Libertine" panose="02000503000000000000" pitchFamily="2" charset="0"/>
-              </a:rPr>
-              <a:t>Sq</a:t>
-            </a:r>
-            <a:r>
-              <a:rPr lang="en-US" sz="2000" baseline="-25000" dirty="0">
-                <a:effectLst/>
-                <a:latin typeface="Linux Libertine" panose="02000503000000000000" pitchFamily="2" charset="0"/>
-                <a:ea typeface="Linux Libertine" panose="02000503000000000000" pitchFamily="2" charset="0"/>
-                <a:cs typeface="Linux Libertine" panose="02000503000000000000" pitchFamily="2" charset="0"/>
-              </a:rPr>
-              <a:t>21</a:t>
-            </a:r>
-            <a:r>
-              <a:rPr lang="en-US" sz="2000" dirty="0">
-                <a:effectLst/>
-                <a:latin typeface="Linux Libertine" panose="02000503000000000000" pitchFamily="2" charset="0"/>
-                <a:ea typeface="Linux Libertine" panose="02000503000000000000" pitchFamily="2" charset="0"/>
-                <a:cs typeface="Linux Libertine" panose="02000503000000000000" pitchFamily="2" charset="0"/>
-              </a:rPr>
-              <a:t> q</a:t>
-            </a:r>
-            <a:r>
-              <a:rPr lang="en-US" sz="2000" baseline="-25000" dirty="0">
-                <a:effectLst/>
-                <a:latin typeface="Linux Libertine" panose="02000503000000000000" pitchFamily="2" charset="0"/>
-                <a:ea typeface="Linux Libertine" panose="02000503000000000000" pitchFamily="2" charset="0"/>
-                <a:cs typeface="Linux Libertine" panose="02000503000000000000" pitchFamily="2" charset="0"/>
-              </a:rPr>
-              <a:t>21</a:t>
-            </a:r>
-            <a:r>
-              <a:rPr lang="en-US" sz="2000" dirty="0">
-                <a:effectLst/>
-                <a:latin typeface="Linux Libertine" panose="02000503000000000000" pitchFamily="2" charset="0"/>
-                <a:ea typeface="Linux Libertine" panose="02000503000000000000" pitchFamily="2" charset="0"/>
-                <a:cs typeface="Linux Libertine" panose="02000503000000000000" pitchFamily="2" charset="0"/>
-              </a:rPr>
-              <a:t>Rq</a:t>
-            </a:r>
-            <a:r>
-              <a:rPr lang="en-US" sz="2000" baseline="-25000" dirty="0">
-                <a:effectLst/>
-                <a:latin typeface="Linux Libertine" panose="02000503000000000000" pitchFamily="2" charset="0"/>
-                <a:ea typeface="Linux Libertine" panose="02000503000000000000" pitchFamily="2" charset="0"/>
-                <a:cs typeface="Linux Libertine" panose="02000503000000000000" pitchFamily="2" charset="0"/>
-              </a:rPr>
-              <a:t>31</a:t>
-            </a:r>
-            <a:br>
-              <a:rPr lang="en-US" sz="2000" dirty="0">
-                <a:effectLst/>
-                <a:latin typeface="Linux Libertine" panose="02000503000000000000" pitchFamily="2" charset="0"/>
-                <a:ea typeface="Linux Libertine" panose="02000503000000000000" pitchFamily="2" charset="0"/>
-                <a:cs typeface="Linux Libertine" panose="02000503000000000000" pitchFamily="2" charset="0"/>
-              </a:rPr>
-            </a:br>
-            <a:r>
-              <a:rPr lang="en-US" sz="2000" dirty="0">
-                <a:effectLst/>
-                <a:latin typeface="Linux Libertine" panose="02000503000000000000" pitchFamily="2" charset="0"/>
-                <a:ea typeface="Linux Libertine" panose="02000503000000000000" pitchFamily="2" charset="0"/>
-                <a:cs typeface="Linux Libertine" panose="02000503000000000000" pitchFamily="2" charset="0"/>
-              </a:rPr>
-              <a:t>q</a:t>
-            </a:r>
-            <a:r>
-              <a:rPr lang="en-US" sz="2000" baseline="-25000" dirty="0">
-                <a:effectLst/>
-                <a:latin typeface="Linux Libertine" panose="02000503000000000000" pitchFamily="2" charset="0"/>
-                <a:ea typeface="Linux Libertine" panose="02000503000000000000" pitchFamily="2" charset="0"/>
-                <a:cs typeface="Linux Libertine" panose="02000503000000000000" pitchFamily="2" charset="0"/>
-              </a:rPr>
-              <a:t>01</a:t>
-            </a:r>
-            <a:r>
-              <a:rPr lang="en-US" sz="2000" dirty="0">
-                <a:effectLst/>
-                <a:latin typeface="Linux Libertine" panose="02000503000000000000" pitchFamily="2" charset="0"/>
-                <a:ea typeface="Linux Libertine" panose="02000503000000000000" pitchFamily="2" charset="0"/>
-                <a:cs typeface="Linux Libertine" panose="02000503000000000000" pitchFamily="2" charset="0"/>
-              </a:rPr>
-              <a:t>Sq</a:t>
-            </a:r>
-            <a:r>
-              <a:rPr lang="en-US" sz="2000" baseline="-25000" dirty="0">
-                <a:effectLst/>
-                <a:latin typeface="Linux Libertine" panose="02000503000000000000" pitchFamily="2" charset="0"/>
-                <a:ea typeface="Linux Libertine" panose="02000503000000000000" pitchFamily="2" charset="0"/>
-                <a:cs typeface="Linux Libertine" panose="02000503000000000000" pitchFamily="2" charset="0"/>
-              </a:rPr>
-              <a:t>21</a:t>
-            </a:r>
-            <a:r>
-              <a:rPr lang="en-US" sz="2000" dirty="0">
-                <a:effectLst/>
-                <a:latin typeface="Linux Libertine" panose="02000503000000000000" pitchFamily="2" charset="0"/>
-                <a:ea typeface="Linux Libertine" panose="02000503000000000000" pitchFamily="2" charset="0"/>
-                <a:cs typeface="Linux Libertine" panose="02000503000000000000" pitchFamily="2" charset="0"/>
-              </a:rPr>
-              <a:t> → q</a:t>
-            </a:r>
-            <a:r>
-              <a:rPr lang="en-US" sz="2000" baseline="-25000" dirty="0">
-                <a:effectLst/>
-                <a:latin typeface="Linux Libertine" panose="02000503000000000000" pitchFamily="2" charset="0"/>
-                <a:ea typeface="Linux Libertine" panose="02000503000000000000" pitchFamily="2" charset="0"/>
-                <a:cs typeface="Linux Libertine" panose="02000503000000000000" pitchFamily="2" charset="0"/>
-              </a:rPr>
-              <a:t>01</a:t>
-            </a:r>
-            <a:r>
-              <a:rPr lang="en-US" sz="2000" dirty="0">
-                <a:effectLst/>
-                <a:latin typeface="Linux Libertine" panose="02000503000000000000" pitchFamily="2" charset="0"/>
-                <a:ea typeface="Linux Libertine" panose="02000503000000000000" pitchFamily="2" charset="0"/>
-                <a:cs typeface="Linux Libertine" panose="02000503000000000000" pitchFamily="2" charset="0"/>
-              </a:rPr>
-              <a:t>Lq</a:t>
-            </a:r>
-            <a:r>
-              <a:rPr lang="en-US" sz="2000" baseline="-25000" dirty="0">
-                <a:effectLst/>
-                <a:latin typeface="Linux Libertine" panose="02000503000000000000" pitchFamily="2" charset="0"/>
-                <a:ea typeface="Linux Libertine" panose="02000503000000000000" pitchFamily="2" charset="0"/>
-                <a:cs typeface="Linux Libertine" panose="02000503000000000000" pitchFamily="2" charset="0"/>
-              </a:rPr>
-              <a:t>11</a:t>
-            </a:r>
-            <a:r>
-              <a:rPr lang="en-US" sz="2000" dirty="0">
-                <a:effectLst/>
-                <a:latin typeface="Linux Libertine" panose="02000503000000000000" pitchFamily="2" charset="0"/>
-                <a:ea typeface="Linux Libertine" panose="02000503000000000000" pitchFamily="2" charset="0"/>
-                <a:cs typeface="Linux Libertine" panose="02000503000000000000" pitchFamily="2" charset="0"/>
-              </a:rPr>
-              <a:t> q</a:t>
-            </a:r>
-            <a:r>
-              <a:rPr lang="en-US" sz="2000" baseline="-25000" dirty="0">
-                <a:effectLst/>
-                <a:latin typeface="Linux Libertine" panose="02000503000000000000" pitchFamily="2" charset="0"/>
-                <a:ea typeface="Linux Libertine" panose="02000503000000000000" pitchFamily="2" charset="0"/>
-                <a:cs typeface="Linux Libertine" panose="02000503000000000000" pitchFamily="2" charset="0"/>
-              </a:rPr>
-              <a:t>11</a:t>
-            </a:r>
-            <a:r>
-              <a:rPr lang="en-US" sz="2000" dirty="0">
-                <a:effectLst/>
-                <a:latin typeface="Linux Libertine" panose="02000503000000000000" pitchFamily="2" charset="0"/>
-                <a:ea typeface="Linux Libertine" panose="02000503000000000000" pitchFamily="2" charset="0"/>
-                <a:cs typeface="Linux Libertine" panose="02000503000000000000" pitchFamily="2" charset="0"/>
-              </a:rPr>
-              <a:t>Rq</a:t>
-            </a:r>
-            <a:r>
-              <a:rPr lang="en-US" sz="2000" baseline="-25000" dirty="0">
-                <a:effectLst/>
-                <a:latin typeface="Linux Libertine" panose="02000503000000000000" pitchFamily="2" charset="0"/>
-                <a:ea typeface="Linux Libertine" panose="02000503000000000000" pitchFamily="2" charset="0"/>
-                <a:cs typeface="Linux Libertine" panose="02000503000000000000" pitchFamily="2" charset="0"/>
-              </a:rPr>
-              <a:t>21</a:t>
-            </a:r>
-            <a:br>
-              <a:rPr lang="en-US" sz="2000" dirty="0">
-                <a:effectLst/>
-                <a:latin typeface="Linux Libertine" panose="02000503000000000000" pitchFamily="2" charset="0"/>
-                <a:ea typeface="Linux Libertine" panose="02000503000000000000" pitchFamily="2" charset="0"/>
-                <a:cs typeface="Linux Libertine" panose="02000503000000000000" pitchFamily="2" charset="0"/>
-              </a:rPr>
-            </a:br>
-            <a:r>
-              <a:rPr lang="en-US" sz="2000" dirty="0">
-                <a:effectLst/>
-                <a:latin typeface="Linux Libertine" panose="02000503000000000000" pitchFamily="2" charset="0"/>
-                <a:ea typeface="Linux Libertine" panose="02000503000000000000" pitchFamily="2" charset="0"/>
-                <a:cs typeface="Linux Libertine" panose="02000503000000000000" pitchFamily="2" charset="0"/>
-              </a:rPr>
-              <a:t>q</a:t>
-            </a:r>
-            <a:r>
-              <a:rPr lang="en-US" sz="2000" baseline="-25000" dirty="0">
-                <a:effectLst/>
-                <a:latin typeface="Linux Libertine" panose="02000503000000000000" pitchFamily="2" charset="0"/>
-                <a:ea typeface="Linux Libertine" panose="02000503000000000000" pitchFamily="2" charset="0"/>
-                <a:cs typeface="Linux Libertine" panose="02000503000000000000" pitchFamily="2" charset="0"/>
-              </a:rPr>
-              <a:t>10</a:t>
-            </a:r>
-            <a:r>
-              <a:rPr lang="en-US" sz="2000" dirty="0">
-                <a:effectLst/>
-                <a:latin typeface="Linux Libertine" panose="02000503000000000000" pitchFamily="2" charset="0"/>
-                <a:ea typeface="Linux Libertine" panose="02000503000000000000" pitchFamily="2" charset="0"/>
-                <a:cs typeface="Linux Libertine" panose="02000503000000000000" pitchFamily="2" charset="0"/>
-              </a:rPr>
-              <a:t>Fq</a:t>
-            </a:r>
-            <a:r>
-              <a:rPr lang="en-US" sz="2000" baseline="-25000" dirty="0">
-                <a:effectLst/>
-                <a:latin typeface="Linux Libertine" panose="02000503000000000000" pitchFamily="2" charset="0"/>
-                <a:ea typeface="Linux Libertine" panose="02000503000000000000" pitchFamily="2" charset="0"/>
-                <a:cs typeface="Linux Libertine" panose="02000503000000000000" pitchFamily="2" charset="0"/>
-              </a:rPr>
-              <a:t>31</a:t>
-            </a:r>
-            <a:r>
-              <a:rPr lang="en-US" sz="2000" dirty="0">
-                <a:effectLst/>
-                <a:latin typeface="Linux Libertine" panose="02000503000000000000" pitchFamily="2" charset="0"/>
-                <a:ea typeface="Linux Libertine" panose="02000503000000000000" pitchFamily="2" charset="0"/>
-                <a:cs typeface="Linux Libertine" panose="02000503000000000000" pitchFamily="2" charset="0"/>
-              </a:rPr>
-              <a:t> → q</a:t>
-            </a:r>
-            <a:r>
-              <a:rPr lang="en-US" sz="2000" baseline="-25000" dirty="0">
-                <a:effectLst/>
-                <a:latin typeface="Linux Libertine" panose="02000503000000000000" pitchFamily="2" charset="0"/>
-                <a:ea typeface="Linux Libertine" panose="02000503000000000000" pitchFamily="2" charset="0"/>
-                <a:cs typeface="Linux Libertine" panose="02000503000000000000" pitchFamily="2" charset="0"/>
-              </a:rPr>
-              <a:t>10</a:t>
-            </a:r>
-            <a:r>
-              <a:rPr lang="en-US" sz="2000" dirty="0">
-                <a:effectLst/>
-                <a:latin typeface="Linux Libertine" panose="02000503000000000000" pitchFamily="2" charset="0"/>
-                <a:ea typeface="Linux Libertine" panose="02000503000000000000" pitchFamily="2" charset="0"/>
-                <a:cs typeface="Linux Libertine" panose="02000503000000000000" pitchFamily="2" charset="0"/>
-              </a:rPr>
-              <a:t>Sq</a:t>
-            </a:r>
-            <a:r>
-              <a:rPr lang="en-US" sz="2000" baseline="-25000" dirty="0">
-                <a:effectLst/>
-                <a:latin typeface="Linux Libertine" panose="02000503000000000000" pitchFamily="2" charset="0"/>
-                <a:ea typeface="Linux Libertine" panose="02000503000000000000" pitchFamily="2" charset="0"/>
-                <a:cs typeface="Linux Libertine" panose="02000503000000000000" pitchFamily="2" charset="0"/>
-              </a:rPr>
-              <a:t>21</a:t>
-            </a:r>
-            <a:r>
-              <a:rPr lang="en-US" sz="2000" dirty="0">
-                <a:effectLst/>
-                <a:latin typeface="Linux Libertine" panose="02000503000000000000" pitchFamily="2" charset="0"/>
-                <a:ea typeface="Linux Libertine" panose="02000503000000000000" pitchFamily="2" charset="0"/>
-                <a:cs typeface="Linux Libertine" panose="02000503000000000000" pitchFamily="2" charset="0"/>
-              </a:rPr>
-              <a:t> q</a:t>
-            </a:r>
-            <a:r>
-              <a:rPr lang="en-US" sz="2000" baseline="-25000" dirty="0">
-                <a:effectLst/>
-                <a:latin typeface="Linux Libertine" panose="02000503000000000000" pitchFamily="2" charset="0"/>
-                <a:ea typeface="Linux Libertine" panose="02000503000000000000" pitchFamily="2" charset="0"/>
-                <a:cs typeface="Linux Libertine" panose="02000503000000000000" pitchFamily="2" charset="0"/>
-              </a:rPr>
-              <a:t>21</a:t>
-            </a:r>
-            <a:r>
-              <a:rPr lang="en-US" sz="2000" dirty="0">
-                <a:effectLst/>
-                <a:latin typeface="Linux Libertine" panose="02000503000000000000" pitchFamily="2" charset="0"/>
-                <a:ea typeface="Linux Libertine" panose="02000503000000000000" pitchFamily="2" charset="0"/>
-                <a:cs typeface="Linux Libertine" panose="02000503000000000000" pitchFamily="2" charset="0"/>
-              </a:rPr>
-              <a:t>Rq</a:t>
-            </a:r>
-            <a:r>
-              <a:rPr lang="en-US" sz="2000" baseline="-25000" dirty="0">
-                <a:effectLst/>
-                <a:latin typeface="Linux Libertine" panose="02000503000000000000" pitchFamily="2" charset="0"/>
-                <a:ea typeface="Linux Libertine" panose="02000503000000000000" pitchFamily="2" charset="0"/>
-                <a:cs typeface="Linux Libertine" panose="02000503000000000000" pitchFamily="2" charset="0"/>
-              </a:rPr>
-              <a:t>31</a:t>
-            </a:r>
-            <a:br>
-              <a:rPr lang="en-US" sz="2000" dirty="0">
-                <a:effectLst/>
-                <a:latin typeface="Linux Libertine" panose="02000503000000000000" pitchFamily="2" charset="0"/>
-                <a:ea typeface="Linux Libertine" panose="02000503000000000000" pitchFamily="2" charset="0"/>
-                <a:cs typeface="Linux Libertine" panose="02000503000000000000" pitchFamily="2" charset="0"/>
-              </a:rPr>
-            </a:br>
-            <a:r>
-              <a:rPr lang="en-US" sz="2000" dirty="0">
-                <a:effectLst/>
-                <a:latin typeface="Linux Libertine" panose="02000503000000000000" pitchFamily="2" charset="0"/>
-                <a:ea typeface="Linux Libertine" panose="02000503000000000000" pitchFamily="2" charset="0"/>
-                <a:cs typeface="Linux Libertine" panose="02000503000000000000" pitchFamily="2" charset="0"/>
-              </a:rPr>
-              <a:t>q</a:t>
-            </a:r>
-            <a:r>
-              <a:rPr lang="en-US" sz="2000" baseline="-25000" dirty="0">
-                <a:effectLst/>
-                <a:latin typeface="Linux Libertine" panose="02000503000000000000" pitchFamily="2" charset="0"/>
-                <a:ea typeface="Linux Libertine" panose="02000503000000000000" pitchFamily="2" charset="0"/>
-                <a:cs typeface="Linux Libertine" panose="02000503000000000000" pitchFamily="2" charset="0"/>
-              </a:rPr>
-              <a:t>10</a:t>
-            </a:r>
-            <a:r>
-              <a:rPr lang="en-US" sz="2000" dirty="0">
-                <a:effectLst/>
-                <a:latin typeface="Linux Libertine" panose="02000503000000000000" pitchFamily="2" charset="0"/>
-                <a:ea typeface="Linux Libertine" panose="02000503000000000000" pitchFamily="2" charset="0"/>
-                <a:cs typeface="Linux Libertine" panose="02000503000000000000" pitchFamily="2" charset="0"/>
-              </a:rPr>
-              <a:t>Sq</a:t>
-            </a:r>
-            <a:r>
-              <a:rPr lang="en-US" sz="2000" baseline="-25000" dirty="0">
-                <a:effectLst/>
-                <a:latin typeface="Linux Libertine" panose="02000503000000000000" pitchFamily="2" charset="0"/>
-                <a:ea typeface="Linux Libertine" panose="02000503000000000000" pitchFamily="2" charset="0"/>
-                <a:cs typeface="Linux Libertine" panose="02000503000000000000" pitchFamily="2" charset="0"/>
-              </a:rPr>
-              <a:t>21</a:t>
-            </a:r>
-            <a:r>
-              <a:rPr lang="en-US" sz="2000" dirty="0">
-                <a:effectLst/>
-                <a:latin typeface="Linux Libertine" panose="02000503000000000000" pitchFamily="2" charset="0"/>
-                <a:ea typeface="Linux Libertine" panose="02000503000000000000" pitchFamily="2" charset="0"/>
-                <a:cs typeface="Linux Libertine" panose="02000503000000000000" pitchFamily="2" charset="0"/>
-              </a:rPr>
-              <a:t> → q</a:t>
-            </a:r>
-            <a:r>
-              <a:rPr lang="en-US" sz="2000" baseline="-25000" dirty="0">
-                <a:effectLst/>
-                <a:latin typeface="Linux Libertine" panose="02000503000000000000" pitchFamily="2" charset="0"/>
-                <a:ea typeface="Linux Libertine" panose="02000503000000000000" pitchFamily="2" charset="0"/>
-                <a:cs typeface="Linux Libertine" panose="02000503000000000000" pitchFamily="2" charset="0"/>
-              </a:rPr>
-              <a:t>10</a:t>
-            </a:r>
-            <a:r>
-              <a:rPr lang="en-US" sz="2000" dirty="0">
-                <a:effectLst/>
-                <a:latin typeface="Linux Libertine" panose="02000503000000000000" pitchFamily="2" charset="0"/>
-                <a:ea typeface="Linux Libertine" panose="02000503000000000000" pitchFamily="2" charset="0"/>
-                <a:cs typeface="Linux Libertine" panose="02000503000000000000" pitchFamily="2" charset="0"/>
-              </a:rPr>
-              <a:t>Lq</a:t>
-            </a:r>
-            <a:r>
-              <a:rPr lang="en-US" sz="2000" baseline="-25000" dirty="0">
-                <a:effectLst/>
-                <a:latin typeface="Linux Libertine" panose="02000503000000000000" pitchFamily="2" charset="0"/>
-                <a:ea typeface="Linux Libertine" panose="02000503000000000000" pitchFamily="2" charset="0"/>
-                <a:cs typeface="Linux Libertine" panose="02000503000000000000" pitchFamily="2" charset="0"/>
-              </a:rPr>
-              <a:t>11</a:t>
-            </a:r>
-            <a:r>
-              <a:rPr lang="en-US" sz="2000" dirty="0">
-                <a:effectLst/>
-                <a:latin typeface="Linux Libertine" panose="02000503000000000000" pitchFamily="2" charset="0"/>
-                <a:ea typeface="Linux Libertine" panose="02000503000000000000" pitchFamily="2" charset="0"/>
-                <a:cs typeface="Linux Libertine" panose="02000503000000000000" pitchFamily="2" charset="0"/>
-              </a:rPr>
-              <a:t> q</a:t>
-            </a:r>
-            <a:r>
-              <a:rPr lang="en-US" sz="2000" baseline="-25000" dirty="0">
-                <a:effectLst/>
-                <a:latin typeface="Linux Libertine" panose="02000503000000000000" pitchFamily="2" charset="0"/>
-                <a:ea typeface="Linux Libertine" panose="02000503000000000000" pitchFamily="2" charset="0"/>
-                <a:cs typeface="Linux Libertine" panose="02000503000000000000" pitchFamily="2" charset="0"/>
-              </a:rPr>
-              <a:t>11</a:t>
-            </a:r>
-            <a:r>
-              <a:rPr lang="en-US" sz="2000" dirty="0">
-                <a:effectLst/>
-                <a:latin typeface="Linux Libertine" panose="02000503000000000000" pitchFamily="2" charset="0"/>
-                <a:ea typeface="Linux Libertine" panose="02000503000000000000" pitchFamily="2" charset="0"/>
-                <a:cs typeface="Linux Libertine" panose="02000503000000000000" pitchFamily="2" charset="0"/>
-              </a:rPr>
-              <a:t>Rq</a:t>
-            </a:r>
-            <a:r>
-              <a:rPr lang="en-US" sz="2000" baseline="-25000" dirty="0">
-                <a:effectLst/>
-                <a:latin typeface="Linux Libertine" panose="02000503000000000000" pitchFamily="2" charset="0"/>
-                <a:ea typeface="Linux Libertine" panose="02000503000000000000" pitchFamily="2" charset="0"/>
-                <a:cs typeface="Linux Libertine" panose="02000503000000000000" pitchFamily="2" charset="0"/>
-              </a:rPr>
-              <a:t>21</a:t>
-            </a:r>
-            <a:br>
-              <a:rPr lang="en-US" sz="2000" dirty="0">
-                <a:effectLst/>
-                <a:latin typeface="Linux Libertine" panose="02000503000000000000" pitchFamily="2" charset="0"/>
-                <a:ea typeface="Linux Libertine" panose="02000503000000000000" pitchFamily="2" charset="0"/>
-                <a:cs typeface="Linux Libertine" panose="02000503000000000000" pitchFamily="2" charset="0"/>
-              </a:rPr>
-            </a:br>
-            <a:r>
-              <a:rPr lang="en-US" sz="2000" dirty="0">
-                <a:effectLst/>
-                <a:latin typeface="Linux Libertine" panose="02000503000000000000" pitchFamily="2" charset="0"/>
-                <a:ea typeface="Linux Libertine" panose="02000503000000000000" pitchFamily="2" charset="0"/>
-                <a:cs typeface="Linux Libertine" panose="02000503000000000000" pitchFamily="2" charset="0"/>
-              </a:rPr>
-              <a:t>q</a:t>
-            </a:r>
-            <a:r>
-              <a:rPr lang="en-US" sz="2000" baseline="-25000" dirty="0">
-                <a:effectLst/>
-                <a:latin typeface="Linux Libertine" panose="02000503000000000000" pitchFamily="2" charset="0"/>
-                <a:ea typeface="Linux Libertine" panose="02000503000000000000" pitchFamily="2" charset="0"/>
-                <a:cs typeface="Linux Libertine" panose="02000503000000000000" pitchFamily="2" charset="0"/>
-              </a:rPr>
-              <a:t>00</a:t>
-            </a:r>
-            <a:r>
-              <a:rPr lang="en-US" sz="2000" dirty="0">
-                <a:effectLst/>
-                <a:latin typeface="Linux Libertine" panose="02000503000000000000" pitchFamily="2" charset="0"/>
-                <a:ea typeface="Linux Libertine" panose="02000503000000000000" pitchFamily="2" charset="0"/>
-                <a:cs typeface="Linux Libertine" panose="02000503000000000000" pitchFamily="2" charset="0"/>
-              </a:rPr>
-              <a:t>Sq</a:t>
-            </a:r>
-            <a:r>
-              <a:rPr lang="en-US" sz="2000" baseline="-25000" dirty="0">
-                <a:effectLst/>
-                <a:latin typeface="Linux Libertine" panose="02000503000000000000" pitchFamily="2" charset="0"/>
-                <a:ea typeface="Linux Libertine" panose="02000503000000000000" pitchFamily="2" charset="0"/>
-                <a:cs typeface="Linux Libertine" panose="02000503000000000000" pitchFamily="2" charset="0"/>
-              </a:rPr>
-              <a:t>31</a:t>
-            </a:r>
-            <a:r>
-              <a:rPr lang="en-US" sz="2000" dirty="0">
-                <a:effectLst/>
-                <a:latin typeface="Linux Libertine" panose="02000503000000000000" pitchFamily="2" charset="0"/>
-                <a:ea typeface="Linux Libertine" panose="02000503000000000000" pitchFamily="2" charset="0"/>
-                <a:cs typeface="Linux Libertine" panose="02000503000000000000" pitchFamily="2" charset="0"/>
-              </a:rPr>
-              <a:t> → q</a:t>
-            </a:r>
-            <a:r>
-              <a:rPr lang="en-US" sz="2000" baseline="-25000" dirty="0">
-                <a:effectLst/>
-                <a:latin typeface="Linux Libertine" panose="02000503000000000000" pitchFamily="2" charset="0"/>
-                <a:ea typeface="Linux Libertine" panose="02000503000000000000" pitchFamily="2" charset="0"/>
-                <a:cs typeface="Linux Libertine" panose="02000503000000000000" pitchFamily="2" charset="0"/>
-              </a:rPr>
-              <a:t>00</a:t>
-            </a:r>
-            <a:r>
-              <a:rPr lang="en-US" sz="2000" dirty="0">
-                <a:effectLst/>
-                <a:latin typeface="Linux Libertine" panose="02000503000000000000" pitchFamily="2" charset="0"/>
-                <a:ea typeface="Linux Libertine" panose="02000503000000000000" pitchFamily="2" charset="0"/>
-                <a:cs typeface="Linux Libertine" panose="02000503000000000000" pitchFamily="2" charset="0"/>
-              </a:rPr>
-              <a:t>Lq</a:t>
-            </a:r>
-            <a:r>
-              <a:rPr lang="en-US" sz="2000" baseline="-25000" dirty="0">
-                <a:effectLst/>
-                <a:latin typeface="Linux Libertine" panose="02000503000000000000" pitchFamily="2" charset="0"/>
-                <a:ea typeface="Linux Libertine" panose="02000503000000000000" pitchFamily="2" charset="0"/>
-                <a:cs typeface="Linux Libertine" panose="02000503000000000000" pitchFamily="2" charset="0"/>
-              </a:rPr>
-              <a:t>10</a:t>
-            </a:r>
-            <a:r>
-              <a:rPr lang="en-US" sz="2000" dirty="0">
-                <a:effectLst/>
-                <a:latin typeface="Linux Libertine" panose="02000503000000000000" pitchFamily="2" charset="0"/>
-                <a:ea typeface="Linux Libertine" panose="02000503000000000000" pitchFamily="2" charset="0"/>
-                <a:cs typeface="Linux Libertine" panose="02000503000000000000" pitchFamily="2" charset="0"/>
-              </a:rPr>
-              <a:t> q</a:t>
-            </a:r>
-            <a:r>
-              <a:rPr lang="en-US" sz="2000" baseline="-25000" dirty="0">
-                <a:effectLst/>
-                <a:latin typeface="Linux Libertine" panose="02000503000000000000" pitchFamily="2" charset="0"/>
-                <a:ea typeface="Linux Libertine" panose="02000503000000000000" pitchFamily="2" charset="0"/>
-                <a:cs typeface="Linux Libertine" panose="02000503000000000000" pitchFamily="2" charset="0"/>
-              </a:rPr>
-              <a:t>10</a:t>
-            </a:r>
-            <a:r>
-              <a:rPr lang="en-US" sz="2000" dirty="0">
-                <a:effectLst/>
-                <a:latin typeface="Linux Libertine" panose="02000503000000000000" pitchFamily="2" charset="0"/>
-                <a:ea typeface="Linux Libertine" panose="02000503000000000000" pitchFamily="2" charset="0"/>
-                <a:cs typeface="Linux Libertine" panose="02000503000000000000" pitchFamily="2" charset="0"/>
-              </a:rPr>
-              <a:t>Rq</a:t>
-            </a:r>
-            <a:r>
-              <a:rPr lang="en-US" sz="2000" baseline="-25000" dirty="0">
-                <a:effectLst/>
-                <a:latin typeface="Linux Libertine" panose="02000503000000000000" pitchFamily="2" charset="0"/>
-                <a:ea typeface="Linux Libertine" panose="02000503000000000000" pitchFamily="2" charset="0"/>
-                <a:cs typeface="Linux Libertine" panose="02000503000000000000" pitchFamily="2" charset="0"/>
-              </a:rPr>
-              <a:t>31</a:t>
-            </a:r>
-            <a:br>
-              <a:rPr lang="en-US" sz="2000" dirty="0">
-                <a:effectLst/>
-                <a:latin typeface="Linux Libertine" panose="02000503000000000000" pitchFamily="2" charset="0"/>
-                <a:ea typeface="Linux Libertine" panose="02000503000000000000" pitchFamily="2" charset="0"/>
-                <a:cs typeface="Linux Libertine" panose="02000503000000000000" pitchFamily="2" charset="0"/>
-              </a:rPr>
-            </a:br>
-            <a:r>
-              <a:rPr lang="en-US" sz="2000" dirty="0">
-                <a:effectLst/>
-                <a:latin typeface="Linux Libertine" panose="02000503000000000000" pitchFamily="2" charset="0"/>
-                <a:ea typeface="Linux Libertine" panose="02000503000000000000" pitchFamily="2" charset="0"/>
-                <a:cs typeface="Linux Libertine" panose="02000503000000000000" pitchFamily="2" charset="0"/>
-              </a:rPr>
-              <a:t>q</a:t>
-            </a:r>
-            <a:r>
-              <a:rPr lang="en-US" sz="2000" baseline="-25000" dirty="0">
-                <a:effectLst/>
-                <a:latin typeface="Linux Libertine" panose="02000503000000000000" pitchFamily="2" charset="0"/>
-                <a:ea typeface="Linux Libertine" panose="02000503000000000000" pitchFamily="2" charset="0"/>
-                <a:cs typeface="Linux Libertine" panose="02000503000000000000" pitchFamily="2" charset="0"/>
-              </a:rPr>
-              <a:t>00</a:t>
-            </a:r>
-            <a:r>
-              <a:rPr lang="en-US" sz="2000" dirty="0">
-                <a:effectLst/>
-                <a:latin typeface="Linux Libertine" panose="02000503000000000000" pitchFamily="2" charset="0"/>
-                <a:ea typeface="Linux Libertine" panose="02000503000000000000" pitchFamily="2" charset="0"/>
-                <a:cs typeface="Linux Libertine" panose="02000503000000000000" pitchFamily="2" charset="0"/>
-              </a:rPr>
-              <a:t>Sq</a:t>
-            </a:r>
-            <a:r>
-              <a:rPr lang="en-US" sz="2000" baseline="-25000" dirty="0">
-                <a:effectLst/>
-                <a:latin typeface="Linux Libertine" panose="02000503000000000000" pitchFamily="2" charset="0"/>
-                <a:ea typeface="Linux Libertine" panose="02000503000000000000" pitchFamily="2" charset="0"/>
-                <a:cs typeface="Linux Libertine" panose="02000503000000000000" pitchFamily="2" charset="0"/>
-              </a:rPr>
-              <a:t>31</a:t>
-            </a:r>
-            <a:r>
-              <a:rPr lang="en-US" sz="2000" dirty="0">
-                <a:effectLst/>
-                <a:latin typeface="Linux Libertine" panose="02000503000000000000" pitchFamily="2" charset="0"/>
-                <a:ea typeface="Linux Libertine" panose="02000503000000000000" pitchFamily="2" charset="0"/>
-                <a:cs typeface="Linux Libertine" panose="02000503000000000000" pitchFamily="2" charset="0"/>
-              </a:rPr>
-              <a:t> → q</a:t>
-            </a:r>
-            <a:r>
-              <a:rPr lang="en-US" sz="2000" baseline="-25000" dirty="0">
-                <a:effectLst/>
-                <a:latin typeface="Linux Libertine" panose="02000503000000000000" pitchFamily="2" charset="0"/>
-                <a:ea typeface="Linux Libertine" panose="02000503000000000000" pitchFamily="2" charset="0"/>
-                <a:cs typeface="Linux Libertine" panose="02000503000000000000" pitchFamily="2" charset="0"/>
-              </a:rPr>
-              <a:t>00</a:t>
-            </a:r>
-            <a:r>
-              <a:rPr lang="en-US" sz="2000" dirty="0">
-                <a:effectLst/>
-                <a:latin typeface="Linux Libertine" panose="02000503000000000000" pitchFamily="2" charset="0"/>
-                <a:ea typeface="Linux Libertine" panose="02000503000000000000" pitchFamily="2" charset="0"/>
-                <a:cs typeface="Linux Libertine" panose="02000503000000000000" pitchFamily="2" charset="0"/>
-              </a:rPr>
-              <a:t>Lq</a:t>
-            </a:r>
-            <a:r>
-              <a:rPr lang="en-US" sz="2000" baseline="-25000" dirty="0">
-                <a:effectLst/>
-                <a:latin typeface="Linux Libertine" panose="02000503000000000000" pitchFamily="2" charset="0"/>
-                <a:ea typeface="Linux Libertine" panose="02000503000000000000" pitchFamily="2" charset="0"/>
-                <a:cs typeface="Linux Libertine" panose="02000503000000000000" pitchFamily="2" charset="0"/>
-              </a:rPr>
-              <a:t>21</a:t>
-            </a:r>
-            <a:r>
-              <a:rPr lang="en-US" sz="2000" dirty="0">
-                <a:effectLst/>
-                <a:latin typeface="Linux Libertine" panose="02000503000000000000" pitchFamily="2" charset="0"/>
-                <a:ea typeface="Linux Libertine" panose="02000503000000000000" pitchFamily="2" charset="0"/>
-                <a:cs typeface="Linux Libertine" panose="02000503000000000000" pitchFamily="2" charset="0"/>
-              </a:rPr>
-              <a:t> q</a:t>
-            </a:r>
-            <a:r>
-              <a:rPr lang="en-US" sz="2000" baseline="-25000" dirty="0">
-                <a:effectLst/>
-                <a:latin typeface="Linux Libertine" panose="02000503000000000000" pitchFamily="2" charset="0"/>
-                <a:ea typeface="Linux Libertine" panose="02000503000000000000" pitchFamily="2" charset="0"/>
-                <a:cs typeface="Linux Libertine" panose="02000503000000000000" pitchFamily="2" charset="0"/>
-              </a:rPr>
-              <a:t>21</a:t>
-            </a:r>
-            <a:r>
-              <a:rPr lang="en-US" sz="2000" dirty="0">
-                <a:effectLst/>
-                <a:latin typeface="Linux Libertine" panose="02000503000000000000" pitchFamily="2" charset="0"/>
-                <a:ea typeface="Linux Libertine" panose="02000503000000000000" pitchFamily="2" charset="0"/>
-                <a:cs typeface="Linux Libertine" panose="02000503000000000000" pitchFamily="2" charset="0"/>
-              </a:rPr>
-              <a:t>Rq</a:t>
-            </a:r>
-            <a:r>
-              <a:rPr lang="en-US" sz="2000" baseline="-25000" dirty="0">
-                <a:effectLst/>
-                <a:latin typeface="Linux Libertine" panose="02000503000000000000" pitchFamily="2" charset="0"/>
-                <a:ea typeface="Linux Libertine" panose="02000503000000000000" pitchFamily="2" charset="0"/>
-                <a:cs typeface="Linux Libertine" panose="02000503000000000000" pitchFamily="2" charset="0"/>
-              </a:rPr>
-              <a:t>31</a:t>
-            </a:r>
-          </a:p>
-        </p:txBody>
-      </p:sp>
-      <p:sp>
-        <p:nvSpPr>
-          <p:cNvPr id="61" name="Title 1">
-            <a:extLst>
-              <a:ext uri="{FF2B5EF4-FFF2-40B4-BE49-F238E27FC236}">
-                <a16:creationId xmlns:a16="http://schemas.microsoft.com/office/drawing/2014/main" id="{DB2A2720-A13A-A616-0889-8CD02F895A52}"/>
-              </a:ext>
-            </a:extLst>
-          </p:cNvPr>
-          <p:cNvSpPr txBox="1">
-            <a:spLocks/>
-          </p:cNvSpPr>
-          <p:nvPr/>
-        </p:nvSpPr>
-        <p:spPr>
-          <a:xfrm>
-            <a:off x="16166202" y="3975501"/>
-            <a:ext cx="2040560" cy="1475176"/>
-          </a:xfrm>
-          <a:prstGeom prst="rect">
-            <a:avLst/>
-          </a:prstGeom>
-        </p:spPr>
-        <p:txBody>
-          <a:bodyPr vert="horz" lIns="91440" tIns="45720" rIns="91440" bIns="45720" rtlCol="0" anchor="b">
-            <a:noAutofit/>
-          </a:bodyPr>
-          <a:lstStyle>
-            <a:lvl1pPr algn="ctr" defTabSz="914400" rtl="0" eaLnBrk="1" latinLnBrk="0" hangingPunct="1">
-              <a:lnSpc>
-                <a:spcPct val="90000"/>
-              </a:lnSpc>
-              <a:spcBef>
-                <a:spcPct val="0"/>
-              </a:spcBef>
-              <a:buNone/>
-              <a:defRPr sz="6000" kern="1200">
-                <a:solidFill>
-                  <a:schemeClr val="tx1"/>
-                </a:solidFill>
-                <a:latin typeface="+mj-lt"/>
-                <a:ea typeface="+mj-ea"/>
-                <a:cs typeface="+mj-cs"/>
-              </a:defRPr>
-            </a:lvl1pPr>
-          </a:lstStyle>
-          <a:p>
-            <a:br>
-              <a:rPr lang="en-US" sz="2000" dirty="0">
-                <a:effectLst/>
-                <a:latin typeface="Linux Libertine" panose="02000503000000000000" pitchFamily="2" charset="0"/>
-                <a:ea typeface="Linux Libertine" panose="02000503000000000000" pitchFamily="2" charset="0"/>
-                <a:cs typeface="Linux Libertine" panose="02000503000000000000" pitchFamily="2" charset="0"/>
-              </a:rPr>
-            </a:br>
-            <a:r>
-              <a:rPr lang="en-US" sz="2000" dirty="0">
-                <a:effectLst/>
-                <a:latin typeface="Linux Libertine" panose="02000503000000000000" pitchFamily="2" charset="0"/>
-                <a:ea typeface="Linux Libertine" panose="02000503000000000000" pitchFamily="2" charset="0"/>
-                <a:cs typeface="Linux Libertine" panose="02000503000000000000" pitchFamily="2" charset="0"/>
-              </a:rPr>
-              <a:t>q</a:t>
-            </a:r>
-            <a:r>
-              <a:rPr lang="en-US" sz="2000" baseline="-25000" dirty="0">
-                <a:effectLst/>
-                <a:latin typeface="Linux Libertine" panose="02000503000000000000" pitchFamily="2" charset="0"/>
-                <a:ea typeface="Linux Libertine" panose="02000503000000000000" pitchFamily="2" charset="0"/>
-                <a:cs typeface="Linux Libertine" panose="02000503000000000000" pitchFamily="2" charset="0"/>
-              </a:rPr>
-              <a:t>10</a:t>
-            </a:r>
-            <a:r>
-              <a:rPr lang="en-US" sz="2000" dirty="0">
-                <a:effectLst/>
-                <a:latin typeface="Linux Libertine" panose="02000503000000000000" pitchFamily="2" charset="0"/>
-                <a:ea typeface="Linux Libertine" panose="02000503000000000000" pitchFamily="2" charset="0"/>
-                <a:cs typeface="Linux Libertine" panose="02000503000000000000" pitchFamily="2" charset="0"/>
-              </a:rPr>
-              <a:t>Rq</a:t>
-            </a:r>
-            <a:r>
-              <a:rPr lang="en-US" sz="2000" baseline="-25000" dirty="0">
-                <a:effectLst/>
-                <a:latin typeface="Linux Libertine" panose="02000503000000000000" pitchFamily="2" charset="0"/>
-                <a:ea typeface="Linux Libertine" panose="02000503000000000000" pitchFamily="2" charset="0"/>
-                <a:cs typeface="Linux Libertine" panose="02000503000000000000" pitchFamily="2" charset="0"/>
-              </a:rPr>
-              <a:t>31</a:t>
-            </a:r>
-            <a:r>
-              <a:rPr lang="en-US" sz="2000" dirty="0">
-                <a:effectLst/>
-                <a:latin typeface="Linux Libertine" panose="02000503000000000000" pitchFamily="2" charset="0"/>
-                <a:ea typeface="Linux Libertine" panose="02000503000000000000" pitchFamily="2" charset="0"/>
-                <a:cs typeface="Linux Libertine" panose="02000503000000000000" pitchFamily="2" charset="0"/>
-              </a:rPr>
-              <a:t> → )</a:t>
-            </a:r>
-            <a:br>
-              <a:rPr lang="en-US" sz="2000" dirty="0">
-                <a:effectLst/>
-                <a:latin typeface="Linux Libertine" panose="02000503000000000000" pitchFamily="2" charset="0"/>
-                <a:ea typeface="Linux Libertine" panose="02000503000000000000" pitchFamily="2" charset="0"/>
-                <a:cs typeface="Linux Libertine" panose="02000503000000000000" pitchFamily="2" charset="0"/>
-              </a:rPr>
-            </a:br>
-            <a:r>
-              <a:rPr lang="en-US" sz="2000" dirty="0">
-                <a:effectLst/>
-                <a:latin typeface="Linux Libertine" panose="02000503000000000000" pitchFamily="2" charset="0"/>
-                <a:ea typeface="Linux Libertine" panose="02000503000000000000" pitchFamily="2" charset="0"/>
-                <a:cs typeface="Linux Libertine" panose="02000503000000000000" pitchFamily="2" charset="0"/>
-              </a:rPr>
-              <a:t>q</a:t>
-            </a:r>
-            <a:r>
-              <a:rPr lang="en-US" sz="2000" baseline="-25000" dirty="0">
-                <a:effectLst/>
-                <a:latin typeface="Linux Libertine" panose="02000503000000000000" pitchFamily="2" charset="0"/>
-                <a:ea typeface="Linux Libertine" panose="02000503000000000000" pitchFamily="2" charset="0"/>
-                <a:cs typeface="Linux Libertine" panose="02000503000000000000" pitchFamily="2" charset="0"/>
-              </a:rPr>
-              <a:t>11</a:t>
-            </a:r>
-            <a:r>
-              <a:rPr lang="en-US" sz="2000" dirty="0">
-                <a:effectLst/>
-                <a:latin typeface="Linux Libertine" panose="02000503000000000000" pitchFamily="2" charset="0"/>
-                <a:ea typeface="Linux Libertine" panose="02000503000000000000" pitchFamily="2" charset="0"/>
-                <a:cs typeface="Linux Libertine" panose="02000503000000000000" pitchFamily="2" charset="0"/>
-              </a:rPr>
-              <a:t>Rq</a:t>
-            </a:r>
-            <a:r>
-              <a:rPr lang="en-US" sz="2000" baseline="-25000" dirty="0">
-                <a:effectLst/>
-                <a:latin typeface="Linux Libertine" panose="02000503000000000000" pitchFamily="2" charset="0"/>
-                <a:ea typeface="Linux Libertine" panose="02000503000000000000" pitchFamily="2" charset="0"/>
-                <a:cs typeface="Linux Libertine" panose="02000503000000000000" pitchFamily="2" charset="0"/>
-              </a:rPr>
-              <a:t>21</a:t>
-            </a:r>
-            <a:r>
-              <a:rPr lang="en-US" sz="2000" dirty="0">
-                <a:effectLst/>
-                <a:latin typeface="Linux Libertine" panose="02000503000000000000" pitchFamily="2" charset="0"/>
-                <a:ea typeface="Linux Libertine" panose="02000503000000000000" pitchFamily="2" charset="0"/>
-                <a:cs typeface="Linux Libertine" panose="02000503000000000000" pitchFamily="2" charset="0"/>
-              </a:rPr>
-              <a:t> → )</a:t>
-            </a:r>
-            <a:br>
-              <a:rPr lang="en-US" sz="2000" dirty="0">
-                <a:effectLst/>
-                <a:latin typeface="Linux Libertine" panose="02000503000000000000" pitchFamily="2" charset="0"/>
-                <a:ea typeface="Linux Libertine" panose="02000503000000000000" pitchFamily="2" charset="0"/>
-                <a:cs typeface="Linux Libertine" panose="02000503000000000000" pitchFamily="2" charset="0"/>
-              </a:rPr>
-            </a:br>
-            <a:r>
-              <a:rPr lang="en-US" sz="2000" dirty="0">
-                <a:effectLst/>
-                <a:latin typeface="Linux Libertine" panose="02000503000000000000" pitchFamily="2" charset="0"/>
-                <a:ea typeface="Linux Libertine" panose="02000503000000000000" pitchFamily="2" charset="0"/>
-                <a:cs typeface="Linux Libertine" panose="02000503000000000000" pitchFamily="2" charset="0"/>
-              </a:rPr>
-              <a:t>q</a:t>
-            </a:r>
-            <a:r>
-              <a:rPr lang="en-US" sz="2000" baseline="-25000" dirty="0">
-                <a:effectLst/>
-                <a:latin typeface="Linux Libertine" panose="02000503000000000000" pitchFamily="2" charset="0"/>
-                <a:ea typeface="Linux Libertine" panose="02000503000000000000" pitchFamily="2" charset="0"/>
-                <a:cs typeface="Linux Libertine" panose="02000503000000000000" pitchFamily="2" charset="0"/>
-              </a:rPr>
-              <a:t>20</a:t>
-            </a:r>
-            <a:r>
-              <a:rPr lang="en-US" sz="2000" dirty="0">
-                <a:effectLst/>
-                <a:latin typeface="Linux Libertine" panose="02000503000000000000" pitchFamily="2" charset="0"/>
-                <a:ea typeface="Linux Libertine" panose="02000503000000000000" pitchFamily="2" charset="0"/>
-                <a:cs typeface="Linux Libertine" panose="02000503000000000000" pitchFamily="2" charset="0"/>
-              </a:rPr>
-              <a:t>Lq</a:t>
-            </a:r>
-            <a:r>
-              <a:rPr lang="en-US" sz="2000" baseline="-25000" dirty="0">
-                <a:effectLst/>
-                <a:latin typeface="Linux Libertine" panose="02000503000000000000" pitchFamily="2" charset="0"/>
-                <a:ea typeface="Linux Libertine" panose="02000503000000000000" pitchFamily="2" charset="0"/>
-                <a:cs typeface="Linux Libertine" panose="02000503000000000000" pitchFamily="2" charset="0"/>
-              </a:rPr>
-              <a:t>21</a:t>
-            </a:r>
-            <a:r>
-              <a:rPr lang="en-US" sz="2000" dirty="0">
-                <a:effectLst/>
-                <a:latin typeface="Linux Libertine" panose="02000503000000000000" pitchFamily="2" charset="0"/>
-                <a:ea typeface="Linux Libertine" panose="02000503000000000000" pitchFamily="2" charset="0"/>
-                <a:cs typeface="Linux Libertine" panose="02000503000000000000" pitchFamily="2" charset="0"/>
-              </a:rPr>
-              <a:t> → (</a:t>
-            </a:r>
-            <a:br>
-              <a:rPr lang="en-US" sz="2000" dirty="0">
-                <a:effectLst/>
-                <a:latin typeface="Linux Libertine" panose="02000503000000000000" pitchFamily="2" charset="0"/>
-                <a:ea typeface="Linux Libertine" panose="02000503000000000000" pitchFamily="2" charset="0"/>
-                <a:cs typeface="Linux Libertine" panose="02000503000000000000" pitchFamily="2" charset="0"/>
-              </a:rPr>
-            </a:br>
-            <a:r>
-              <a:rPr lang="en-US" sz="2000" dirty="0">
-                <a:effectLst/>
-                <a:latin typeface="Linux Libertine" panose="02000503000000000000" pitchFamily="2" charset="0"/>
-                <a:ea typeface="Linux Libertine" panose="02000503000000000000" pitchFamily="2" charset="0"/>
-                <a:cs typeface="Linux Libertine" panose="02000503000000000000" pitchFamily="2" charset="0"/>
-              </a:rPr>
-              <a:t>q</a:t>
-            </a:r>
-            <a:r>
-              <a:rPr lang="en-US" sz="2000" baseline="-25000" dirty="0">
-                <a:effectLst/>
-                <a:latin typeface="Linux Libertine" panose="02000503000000000000" pitchFamily="2" charset="0"/>
-                <a:ea typeface="Linux Libertine" panose="02000503000000000000" pitchFamily="2" charset="0"/>
-                <a:cs typeface="Linux Libertine" panose="02000503000000000000" pitchFamily="2" charset="0"/>
-              </a:rPr>
-              <a:t>20</a:t>
-            </a:r>
-            <a:r>
-              <a:rPr lang="en-US" sz="2000" dirty="0">
-                <a:effectLst/>
-                <a:latin typeface="Linux Libertine" panose="02000503000000000000" pitchFamily="2" charset="0"/>
-                <a:ea typeface="Linux Libertine" panose="02000503000000000000" pitchFamily="2" charset="0"/>
-                <a:cs typeface="Linux Libertine" panose="02000503000000000000" pitchFamily="2" charset="0"/>
-              </a:rPr>
-              <a:t>Lq</a:t>
-            </a:r>
-            <a:r>
-              <a:rPr lang="en-US" sz="2000" baseline="-25000" dirty="0">
-                <a:effectLst/>
-                <a:latin typeface="Linux Libertine" panose="02000503000000000000" pitchFamily="2" charset="0"/>
-                <a:ea typeface="Linux Libertine" panose="02000503000000000000" pitchFamily="2" charset="0"/>
-                <a:cs typeface="Linux Libertine" panose="02000503000000000000" pitchFamily="2" charset="0"/>
-              </a:rPr>
-              <a:t>30</a:t>
-            </a:r>
-            <a:r>
-              <a:rPr lang="en-US" sz="2000" dirty="0">
-                <a:effectLst/>
-                <a:latin typeface="Linux Libertine" panose="02000503000000000000" pitchFamily="2" charset="0"/>
-                <a:ea typeface="Linux Libertine" panose="02000503000000000000" pitchFamily="2" charset="0"/>
-                <a:cs typeface="Linux Libertine" panose="02000503000000000000" pitchFamily="2" charset="0"/>
-              </a:rPr>
-              <a:t> → (</a:t>
-            </a:r>
-            <a:br>
-              <a:rPr lang="en-US" sz="2000" dirty="0">
-                <a:effectLst/>
-                <a:latin typeface="Linux Libertine" panose="02000503000000000000" pitchFamily="2" charset="0"/>
-                <a:ea typeface="Linux Libertine" panose="02000503000000000000" pitchFamily="2" charset="0"/>
-                <a:cs typeface="Linux Libertine" panose="02000503000000000000" pitchFamily="2" charset="0"/>
-              </a:rPr>
-            </a:br>
-            <a:r>
-              <a:rPr lang="en-US" sz="2000" dirty="0">
-                <a:effectLst/>
-                <a:latin typeface="Linux Libertine" panose="02000503000000000000" pitchFamily="2" charset="0"/>
-                <a:ea typeface="Linux Libertine" panose="02000503000000000000" pitchFamily="2" charset="0"/>
-                <a:cs typeface="Linux Libertine" panose="02000503000000000000" pitchFamily="2" charset="0"/>
-              </a:rPr>
-              <a:t>q</a:t>
-            </a:r>
-            <a:r>
-              <a:rPr lang="en-US" sz="2000" baseline="-25000" dirty="0">
-                <a:effectLst/>
-                <a:latin typeface="Linux Libertine" panose="02000503000000000000" pitchFamily="2" charset="0"/>
-                <a:ea typeface="Linux Libertine" panose="02000503000000000000" pitchFamily="2" charset="0"/>
-                <a:cs typeface="Linux Libertine" panose="02000503000000000000" pitchFamily="2" charset="0"/>
-              </a:rPr>
-              <a:t>21</a:t>
-            </a:r>
-            <a:r>
-              <a:rPr lang="en-US" sz="2000" dirty="0">
-                <a:effectLst/>
-                <a:latin typeface="Linux Libertine" panose="02000503000000000000" pitchFamily="2" charset="0"/>
-                <a:ea typeface="Linux Libertine" panose="02000503000000000000" pitchFamily="2" charset="0"/>
-                <a:cs typeface="Linux Libertine" panose="02000503000000000000" pitchFamily="2" charset="0"/>
-              </a:rPr>
-              <a:t>Rq</a:t>
-            </a:r>
-            <a:r>
-              <a:rPr lang="en-US" sz="2000" baseline="-25000" dirty="0">
-                <a:effectLst/>
-                <a:latin typeface="Linux Libertine" panose="02000503000000000000" pitchFamily="2" charset="0"/>
-                <a:ea typeface="Linux Libertine" panose="02000503000000000000" pitchFamily="2" charset="0"/>
-                <a:cs typeface="Linux Libertine" panose="02000503000000000000" pitchFamily="2" charset="0"/>
-              </a:rPr>
-              <a:t>31</a:t>
-            </a:r>
-            <a:r>
-              <a:rPr lang="en-US" sz="2000" dirty="0">
-                <a:effectLst/>
-                <a:latin typeface="Linux Libertine" panose="02000503000000000000" pitchFamily="2" charset="0"/>
-                <a:ea typeface="Linux Libertine" panose="02000503000000000000" pitchFamily="2" charset="0"/>
-                <a:cs typeface="Linux Libertine" panose="02000503000000000000" pitchFamily="2" charset="0"/>
-              </a:rPr>
-              <a:t> → )</a:t>
-            </a:r>
-            <a:br>
-              <a:rPr lang="en-US" sz="2000" dirty="0">
-                <a:effectLst/>
-                <a:latin typeface="Linux Libertine" panose="02000503000000000000" pitchFamily="2" charset="0"/>
-                <a:ea typeface="Linux Libertine" panose="02000503000000000000" pitchFamily="2" charset="0"/>
-                <a:cs typeface="Linux Libertine" panose="02000503000000000000" pitchFamily="2" charset="0"/>
-              </a:rPr>
-            </a:br>
-            <a:r>
-              <a:rPr lang="en-US" sz="2000" dirty="0">
-                <a:effectLst/>
-                <a:latin typeface="Linux Libertine" panose="02000503000000000000" pitchFamily="2" charset="0"/>
-                <a:ea typeface="Linux Libertine" panose="02000503000000000000" pitchFamily="2" charset="0"/>
-                <a:cs typeface="Linux Libertine" panose="02000503000000000000" pitchFamily="2" charset="0"/>
-              </a:rPr>
-              <a:t>q</a:t>
-            </a:r>
-            <a:r>
-              <a:rPr lang="en-US" sz="2000" baseline="-25000" dirty="0">
-                <a:effectLst/>
-                <a:latin typeface="Linux Libertine" panose="02000503000000000000" pitchFamily="2" charset="0"/>
-                <a:ea typeface="Linux Libertine" panose="02000503000000000000" pitchFamily="2" charset="0"/>
-                <a:cs typeface="Linux Libertine" panose="02000503000000000000" pitchFamily="2" charset="0"/>
-              </a:rPr>
-              <a:t>30</a:t>
-            </a:r>
-            <a:r>
-              <a:rPr lang="en-US" sz="2000" dirty="0">
-                <a:effectLst/>
-                <a:latin typeface="Linux Libertine" panose="02000503000000000000" pitchFamily="2" charset="0"/>
-                <a:ea typeface="Linux Libertine" panose="02000503000000000000" pitchFamily="2" charset="0"/>
-                <a:cs typeface="Linux Libertine" panose="02000503000000000000" pitchFamily="2" charset="0"/>
-              </a:rPr>
-              <a:t>Rq</a:t>
-            </a:r>
-            <a:r>
-              <a:rPr lang="en-US" sz="2000" baseline="-25000" dirty="0">
-                <a:effectLst/>
-                <a:latin typeface="Linux Libertine" panose="02000503000000000000" pitchFamily="2" charset="0"/>
-                <a:ea typeface="Linux Libertine" panose="02000503000000000000" pitchFamily="2" charset="0"/>
-                <a:cs typeface="Linux Libertine" panose="02000503000000000000" pitchFamily="2" charset="0"/>
-              </a:rPr>
-              <a:t>31</a:t>
-            </a:r>
-            <a:r>
-              <a:rPr lang="en-US" sz="2000" dirty="0">
-                <a:effectLst/>
-                <a:latin typeface="Linux Libertine" panose="02000503000000000000" pitchFamily="2" charset="0"/>
-                <a:ea typeface="Linux Libertine" panose="02000503000000000000" pitchFamily="2" charset="0"/>
-                <a:cs typeface="Linux Libertine" panose="02000503000000000000" pitchFamily="2" charset="0"/>
-              </a:rPr>
-              <a:t> → )</a:t>
-            </a:r>
-            <a:br>
-              <a:rPr lang="en-US" sz="2000" dirty="0">
-                <a:effectLst/>
-                <a:latin typeface="Linux Libertine" panose="02000503000000000000" pitchFamily="2" charset="0"/>
-                <a:ea typeface="Linux Libertine" panose="02000503000000000000" pitchFamily="2" charset="0"/>
-                <a:cs typeface="Linux Libertine" panose="02000503000000000000" pitchFamily="2" charset="0"/>
-              </a:rPr>
-            </a:br>
-            <a:r>
-              <a:rPr lang="en-US" sz="2000" dirty="0">
-                <a:effectLst/>
-                <a:latin typeface="Linux Libertine" panose="02000503000000000000" pitchFamily="2" charset="0"/>
-                <a:ea typeface="Linux Libertine" panose="02000503000000000000" pitchFamily="2" charset="0"/>
-                <a:cs typeface="Linux Libertine" panose="02000503000000000000" pitchFamily="2" charset="0"/>
-              </a:rPr>
-              <a:t>q</a:t>
-            </a:r>
-            <a:r>
-              <a:rPr lang="en-US" sz="2000" baseline="-25000" dirty="0">
-                <a:effectLst/>
-                <a:latin typeface="Linux Libertine" panose="02000503000000000000" pitchFamily="2" charset="0"/>
-                <a:ea typeface="Linux Libertine" panose="02000503000000000000" pitchFamily="2" charset="0"/>
-                <a:cs typeface="Linux Libertine" panose="02000503000000000000" pitchFamily="2" charset="0"/>
-              </a:rPr>
-              <a:t>10</a:t>
-            </a:r>
-            <a:r>
-              <a:rPr lang="en-US" sz="2000" dirty="0">
-                <a:effectLst/>
-                <a:latin typeface="Linux Libertine" panose="02000503000000000000" pitchFamily="2" charset="0"/>
-                <a:ea typeface="Linux Libertine" panose="02000503000000000000" pitchFamily="2" charset="0"/>
-                <a:cs typeface="Linux Libertine" panose="02000503000000000000" pitchFamily="2" charset="0"/>
-              </a:rPr>
-              <a:t>Rq</a:t>
-            </a:r>
-            <a:r>
-              <a:rPr lang="en-US" sz="2000" baseline="-25000" dirty="0">
-                <a:effectLst/>
-                <a:latin typeface="Linux Libertine" panose="02000503000000000000" pitchFamily="2" charset="0"/>
-                <a:ea typeface="Linux Libertine" panose="02000503000000000000" pitchFamily="2" charset="0"/>
-                <a:cs typeface="Linux Libertine" panose="02000503000000000000" pitchFamily="2" charset="0"/>
-              </a:rPr>
-              <a:t>31</a:t>
-            </a:r>
-            <a:r>
-              <a:rPr lang="en-US" sz="2000" dirty="0">
-                <a:effectLst/>
-                <a:latin typeface="Linux Libertine" panose="02000503000000000000" pitchFamily="2" charset="0"/>
-                <a:ea typeface="Linux Libertine" panose="02000503000000000000" pitchFamily="2" charset="0"/>
-                <a:cs typeface="Linux Libertine" panose="02000503000000000000" pitchFamily="2" charset="0"/>
-              </a:rPr>
-              <a:t> → )</a:t>
-            </a:r>
-            <a:br>
-              <a:rPr lang="en-US" sz="2000" dirty="0">
-                <a:effectLst/>
-                <a:latin typeface="Linux Libertine" panose="02000503000000000000" pitchFamily="2" charset="0"/>
-                <a:ea typeface="Linux Libertine" panose="02000503000000000000" pitchFamily="2" charset="0"/>
-                <a:cs typeface="Linux Libertine" panose="02000503000000000000" pitchFamily="2" charset="0"/>
-              </a:rPr>
-            </a:br>
-            <a:r>
-              <a:rPr lang="en-US" sz="2000" dirty="0">
-                <a:effectLst/>
-                <a:latin typeface="Linux Libertine" panose="02000503000000000000" pitchFamily="2" charset="0"/>
-                <a:ea typeface="Linux Libertine" panose="02000503000000000000" pitchFamily="2" charset="0"/>
-                <a:cs typeface="Linux Libertine" panose="02000503000000000000" pitchFamily="2" charset="0"/>
-              </a:rPr>
-              <a:t>q</a:t>
-            </a:r>
-            <a:r>
-              <a:rPr lang="en-US" sz="2000" baseline="-25000" dirty="0">
-                <a:effectLst/>
-                <a:latin typeface="Linux Libertine" panose="02000503000000000000" pitchFamily="2" charset="0"/>
-                <a:ea typeface="Linux Libertine" panose="02000503000000000000" pitchFamily="2" charset="0"/>
-                <a:cs typeface="Linux Libertine" panose="02000503000000000000" pitchFamily="2" charset="0"/>
-              </a:rPr>
-              <a:t>11</a:t>
-            </a:r>
-            <a:r>
-              <a:rPr lang="en-US" sz="2000" dirty="0">
-                <a:effectLst/>
-                <a:latin typeface="Linux Libertine" panose="02000503000000000000" pitchFamily="2" charset="0"/>
-                <a:ea typeface="Linux Libertine" panose="02000503000000000000" pitchFamily="2" charset="0"/>
-                <a:cs typeface="Linux Libertine" panose="02000503000000000000" pitchFamily="2" charset="0"/>
-              </a:rPr>
-              <a:t>Rq</a:t>
-            </a:r>
-            <a:r>
-              <a:rPr lang="en-US" sz="2000" baseline="-25000" dirty="0">
-                <a:effectLst/>
-                <a:latin typeface="Linux Libertine" panose="02000503000000000000" pitchFamily="2" charset="0"/>
-                <a:ea typeface="Linux Libertine" panose="02000503000000000000" pitchFamily="2" charset="0"/>
-                <a:cs typeface="Linux Libertine" panose="02000503000000000000" pitchFamily="2" charset="0"/>
-              </a:rPr>
-              <a:t>21</a:t>
-            </a:r>
-            <a:r>
-              <a:rPr lang="en-US" sz="2000" dirty="0">
-                <a:effectLst/>
-                <a:latin typeface="Linux Libertine" panose="02000503000000000000" pitchFamily="2" charset="0"/>
-                <a:ea typeface="Linux Libertine" panose="02000503000000000000" pitchFamily="2" charset="0"/>
-                <a:cs typeface="Linux Libertine" panose="02000503000000000000" pitchFamily="2" charset="0"/>
-              </a:rPr>
-              <a:t> → )</a:t>
-            </a:r>
-            <a:br>
-              <a:rPr lang="en-US" sz="2000" dirty="0">
-                <a:effectLst/>
-                <a:latin typeface="Linux Libertine" panose="02000503000000000000" pitchFamily="2" charset="0"/>
-                <a:ea typeface="Linux Libertine" panose="02000503000000000000" pitchFamily="2" charset="0"/>
-                <a:cs typeface="Linux Libertine" panose="02000503000000000000" pitchFamily="2" charset="0"/>
-              </a:rPr>
-            </a:br>
-            <a:r>
-              <a:rPr lang="en-US" sz="2000" dirty="0">
-                <a:effectLst/>
-                <a:latin typeface="Linux Libertine" panose="02000503000000000000" pitchFamily="2" charset="0"/>
-                <a:ea typeface="Linux Libertine" panose="02000503000000000000" pitchFamily="2" charset="0"/>
-                <a:cs typeface="Linux Libertine" panose="02000503000000000000" pitchFamily="2" charset="0"/>
-              </a:rPr>
-              <a:t>q</a:t>
-            </a:r>
-            <a:r>
-              <a:rPr lang="en-US" sz="2000" baseline="-25000" dirty="0">
-                <a:effectLst/>
-                <a:latin typeface="Linux Libertine" panose="02000503000000000000" pitchFamily="2" charset="0"/>
-                <a:ea typeface="Linux Libertine" panose="02000503000000000000" pitchFamily="2" charset="0"/>
-                <a:cs typeface="Linux Libertine" panose="02000503000000000000" pitchFamily="2" charset="0"/>
-              </a:rPr>
-              <a:t>20</a:t>
-            </a:r>
-            <a:r>
-              <a:rPr lang="en-US" sz="2000" dirty="0">
-                <a:effectLst/>
-                <a:latin typeface="Linux Libertine" panose="02000503000000000000" pitchFamily="2" charset="0"/>
-                <a:ea typeface="Linux Libertine" panose="02000503000000000000" pitchFamily="2" charset="0"/>
-                <a:cs typeface="Linux Libertine" panose="02000503000000000000" pitchFamily="2" charset="0"/>
-              </a:rPr>
-              <a:t>Lq</a:t>
-            </a:r>
-            <a:r>
-              <a:rPr lang="en-US" sz="2000" baseline="-25000" dirty="0">
-                <a:effectLst/>
-                <a:latin typeface="Linux Libertine" panose="02000503000000000000" pitchFamily="2" charset="0"/>
-                <a:ea typeface="Linux Libertine" panose="02000503000000000000" pitchFamily="2" charset="0"/>
-                <a:cs typeface="Linux Libertine" panose="02000503000000000000" pitchFamily="2" charset="0"/>
-              </a:rPr>
-              <a:t>21</a:t>
-            </a:r>
-            <a:r>
-              <a:rPr lang="en-US" sz="2000" dirty="0">
-                <a:effectLst/>
-                <a:latin typeface="Linux Libertine" panose="02000503000000000000" pitchFamily="2" charset="0"/>
-                <a:ea typeface="Linux Libertine" panose="02000503000000000000" pitchFamily="2" charset="0"/>
-                <a:cs typeface="Linux Libertine" panose="02000503000000000000" pitchFamily="2" charset="0"/>
-              </a:rPr>
-              <a:t> → (</a:t>
-            </a:r>
-            <a:br>
-              <a:rPr lang="en-US" sz="2000" dirty="0">
-                <a:effectLst/>
-                <a:latin typeface="Linux Libertine" panose="02000503000000000000" pitchFamily="2" charset="0"/>
-                <a:ea typeface="Linux Libertine" panose="02000503000000000000" pitchFamily="2" charset="0"/>
-                <a:cs typeface="Linux Libertine" panose="02000503000000000000" pitchFamily="2" charset="0"/>
-              </a:rPr>
-            </a:br>
-            <a:r>
-              <a:rPr lang="en-US" sz="2000" dirty="0">
-                <a:effectLst/>
-                <a:latin typeface="Linux Libertine" panose="02000503000000000000" pitchFamily="2" charset="0"/>
-                <a:ea typeface="Linux Libertine" panose="02000503000000000000" pitchFamily="2" charset="0"/>
-                <a:cs typeface="Linux Libertine" panose="02000503000000000000" pitchFamily="2" charset="0"/>
-              </a:rPr>
-              <a:t>q</a:t>
-            </a:r>
-            <a:r>
-              <a:rPr lang="en-US" sz="2000" baseline="-25000" dirty="0">
-                <a:effectLst/>
-                <a:latin typeface="Linux Libertine" panose="02000503000000000000" pitchFamily="2" charset="0"/>
-                <a:ea typeface="Linux Libertine" panose="02000503000000000000" pitchFamily="2" charset="0"/>
-                <a:cs typeface="Linux Libertine" panose="02000503000000000000" pitchFamily="2" charset="0"/>
-              </a:rPr>
-              <a:t>20</a:t>
-            </a:r>
-            <a:r>
-              <a:rPr lang="en-US" sz="2000" dirty="0">
-                <a:effectLst/>
-                <a:latin typeface="Linux Libertine" panose="02000503000000000000" pitchFamily="2" charset="0"/>
-                <a:ea typeface="Linux Libertine" panose="02000503000000000000" pitchFamily="2" charset="0"/>
-                <a:cs typeface="Linux Libertine" panose="02000503000000000000" pitchFamily="2" charset="0"/>
-              </a:rPr>
-              <a:t>Lq</a:t>
-            </a:r>
-            <a:r>
-              <a:rPr lang="en-US" sz="2000" baseline="-25000" dirty="0">
-                <a:effectLst/>
-                <a:latin typeface="Linux Libertine" panose="02000503000000000000" pitchFamily="2" charset="0"/>
-                <a:ea typeface="Linux Libertine" panose="02000503000000000000" pitchFamily="2" charset="0"/>
-                <a:cs typeface="Linux Libertine" panose="02000503000000000000" pitchFamily="2" charset="0"/>
-              </a:rPr>
-              <a:t>30</a:t>
-            </a:r>
-            <a:r>
-              <a:rPr lang="en-US" sz="2000" dirty="0">
-                <a:effectLst/>
-                <a:latin typeface="Linux Libertine" panose="02000503000000000000" pitchFamily="2" charset="0"/>
-                <a:ea typeface="Linux Libertine" panose="02000503000000000000" pitchFamily="2" charset="0"/>
-                <a:cs typeface="Linux Libertine" panose="02000503000000000000" pitchFamily="2" charset="0"/>
-              </a:rPr>
-              <a:t> → (</a:t>
-            </a:r>
-            <a:br>
-              <a:rPr lang="en-US" sz="2000" dirty="0">
-                <a:effectLst/>
-                <a:latin typeface="Linux Libertine" panose="02000503000000000000" pitchFamily="2" charset="0"/>
-                <a:ea typeface="Linux Libertine" panose="02000503000000000000" pitchFamily="2" charset="0"/>
-                <a:cs typeface="Linux Libertine" panose="02000503000000000000" pitchFamily="2" charset="0"/>
-              </a:rPr>
-            </a:br>
-            <a:r>
-              <a:rPr lang="en-US" sz="2000" dirty="0">
-                <a:effectLst/>
-                <a:latin typeface="Linux Libertine" panose="02000503000000000000" pitchFamily="2" charset="0"/>
-                <a:ea typeface="Linux Libertine" panose="02000503000000000000" pitchFamily="2" charset="0"/>
-                <a:cs typeface="Linux Libertine" panose="02000503000000000000" pitchFamily="2" charset="0"/>
-              </a:rPr>
-              <a:t>q</a:t>
-            </a:r>
-            <a:r>
-              <a:rPr lang="en-US" sz="2000" baseline="-25000" dirty="0">
-                <a:effectLst/>
-                <a:latin typeface="Linux Libertine" panose="02000503000000000000" pitchFamily="2" charset="0"/>
-                <a:ea typeface="Linux Libertine" panose="02000503000000000000" pitchFamily="2" charset="0"/>
-                <a:cs typeface="Linux Libertine" panose="02000503000000000000" pitchFamily="2" charset="0"/>
-              </a:rPr>
-              <a:t>21</a:t>
-            </a:r>
-            <a:r>
-              <a:rPr lang="en-US" sz="2000" dirty="0">
-                <a:effectLst/>
-                <a:latin typeface="Linux Libertine" panose="02000503000000000000" pitchFamily="2" charset="0"/>
-                <a:ea typeface="Linux Libertine" panose="02000503000000000000" pitchFamily="2" charset="0"/>
-                <a:cs typeface="Linux Libertine" panose="02000503000000000000" pitchFamily="2" charset="0"/>
-              </a:rPr>
-              <a:t>Rq</a:t>
-            </a:r>
-            <a:r>
-              <a:rPr lang="en-US" sz="2000" baseline="-25000" dirty="0">
-                <a:effectLst/>
-                <a:latin typeface="Linux Libertine" panose="02000503000000000000" pitchFamily="2" charset="0"/>
-                <a:ea typeface="Linux Libertine" panose="02000503000000000000" pitchFamily="2" charset="0"/>
-                <a:cs typeface="Linux Libertine" panose="02000503000000000000" pitchFamily="2" charset="0"/>
-              </a:rPr>
-              <a:t>31</a:t>
-            </a:r>
-            <a:r>
-              <a:rPr lang="en-US" sz="2000" dirty="0">
-                <a:effectLst/>
-                <a:latin typeface="Linux Libertine" panose="02000503000000000000" pitchFamily="2" charset="0"/>
-                <a:ea typeface="Linux Libertine" panose="02000503000000000000" pitchFamily="2" charset="0"/>
-                <a:cs typeface="Linux Libertine" panose="02000503000000000000" pitchFamily="2" charset="0"/>
-              </a:rPr>
-              <a:t> → )</a:t>
-            </a:r>
-            <a:br>
-              <a:rPr lang="en-US" sz="2000" dirty="0">
-                <a:effectLst/>
-                <a:latin typeface="Linux Libertine" panose="02000503000000000000" pitchFamily="2" charset="0"/>
-                <a:ea typeface="Linux Libertine" panose="02000503000000000000" pitchFamily="2" charset="0"/>
-                <a:cs typeface="Linux Libertine" panose="02000503000000000000" pitchFamily="2" charset="0"/>
-              </a:rPr>
-            </a:br>
-            <a:r>
-              <a:rPr lang="en-US" sz="2000" dirty="0">
-                <a:effectLst/>
-                <a:latin typeface="Linux Libertine" panose="02000503000000000000" pitchFamily="2" charset="0"/>
-                <a:ea typeface="Linux Libertine" panose="02000503000000000000" pitchFamily="2" charset="0"/>
-                <a:cs typeface="Linux Libertine" panose="02000503000000000000" pitchFamily="2" charset="0"/>
-              </a:rPr>
-              <a:t>q</a:t>
-            </a:r>
-            <a:r>
-              <a:rPr lang="en-US" sz="2000" baseline="-25000" dirty="0">
-                <a:effectLst/>
-                <a:latin typeface="Linux Libertine" panose="02000503000000000000" pitchFamily="2" charset="0"/>
-                <a:ea typeface="Linux Libertine" panose="02000503000000000000" pitchFamily="2" charset="0"/>
-                <a:cs typeface="Linux Libertine" panose="02000503000000000000" pitchFamily="2" charset="0"/>
-              </a:rPr>
-              <a:t>30</a:t>
-            </a:r>
-            <a:r>
-              <a:rPr lang="en-US" sz="2000" dirty="0">
-                <a:effectLst/>
-                <a:latin typeface="Linux Libertine" panose="02000503000000000000" pitchFamily="2" charset="0"/>
-                <a:ea typeface="Linux Libertine" panose="02000503000000000000" pitchFamily="2" charset="0"/>
-                <a:cs typeface="Linux Libertine" panose="02000503000000000000" pitchFamily="2" charset="0"/>
-              </a:rPr>
-              <a:t>Rq</a:t>
-            </a:r>
-            <a:r>
-              <a:rPr lang="en-US" sz="2000" baseline="-25000" dirty="0">
-                <a:effectLst/>
-                <a:latin typeface="Linux Libertine" panose="02000503000000000000" pitchFamily="2" charset="0"/>
-                <a:ea typeface="Linux Libertine" panose="02000503000000000000" pitchFamily="2" charset="0"/>
-                <a:cs typeface="Linux Libertine" panose="02000503000000000000" pitchFamily="2" charset="0"/>
-              </a:rPr>
-              <a:t>31</a:t>
-            </a:r>
-            <a:r>
-              <a:rPr lang="en-US" sz="2000" dirty="0">
-                <a:effectLst/>
-                <a:latin typeface="Linux Libertine" panose="02000503000000000000" pitchFamily="2" charset="0"/>
-                <a:ea typeface="Linux Libertine" panose="02000503000000000000" pitchFamily="2" charset="0"/>
-                <a:cs typeface="Linux Libertine" panose="02000503000000000000" pitchFamily="2" charset="0"/>
-              </a:rPr>
-              <a:t> → )</a:t>
-            </a:r>
           </a:p>
         </p:txBody>
       </p:sp>
@@ -6971,13 +4531,14 @@
           <a:lstStyle/>
           <a:p>
             <a:r>
-              <a:rPr lang="en-US" sz="5400" b="1" dirty="0">
-                <a:latin typeface="Linux Libertine" panose="02000503000000000000" pitchFamily="2" charset="0"/>
-                <a:ea typeface="Linux Libertine" panose="02000503000000000000" pitchFamily="2" charset="0"/>
-                <a:cs typeface="Linux Libertine" panose="02000503000000000000" pitchFamily="2" charset="0"/>
-              </a:rPr>
+              <a:rPr lang="en-US" sz="5400" dirty="0"/>
               <a:t>⟶</a:t>
             </a:r>
+            <a:endParaRPr lang="en-US" sz="5400" b="1" dirty="0">
+              <a:latin typeface="Linux Libertine" panose="02000503000000000000" pitchFamily="2" charset="0"/>
+              <a:ea typeface="Linux Libertine" panose="02000503000000000000" pitchFamily="2" charset="0"/>
+              <a:cs typeface="Linux Libertine" panose="02000503000000000000" pitchFamily="2" charset="0"/>
+            </a:endParaRPr>
           </a:p>
         </p:txBody>
       </p:sp>
@@ -6997,8 +4558,8 @@
         </p:nvSpPr>
         <p:spPr>
           <a:xfrm>
-            <a:off x="24251815" y="568227"/>
-            <a:ext cx="1521354" cy="753940"/>
+            <a:off x="21518239" y="1162370"/>
+            <a:ext cx="4986208" cy="753940"/>
           </a:xfrm>
           <a:prstGeom prst="rect">
             <a:avLst/>
@@ -7035,250 +4596,13 @@
                 <a:ea typeface="Linux Libertine" panose="02000503000000000000" pitchFamily="2" charset="0"/>
                 <a:cs typeface="Linux Libertine" panose="02000503000000000000" pitchFamily="2" charset="0"/>
               </a:rPr>
-              <a:t>DFA</a:t>
-            </a:r>
-            <a:r>
-              <a:rPr lang="en-US" sz="4500" dirty="0">
-                <a:latin typeface="Linux Libertine" panose="02000503000000000000" pitchFamily="2" charset="0"/>
-                <a:ea typeface="Linux Libertine" panose="02000503000000000000" pitchFamily="2" charset="0"/>
-                <a:cs typeface="Linux Libertine" panose="02000503000000000000" pitchFamily="2" charset="0"/>
-              </a:rPr>
-              <a:t>*</a:t>
-            </a:r>
-          </a:p>
-        </p:txBody>
-      </p:sp>
-      <p:sp>
-        <p:nvSpPr>
-          <p:cNvPr id="68" name="TextBox 67">
-            <a:extLst>
-              <a:ext uri="{FF2B5EF4-FFF2-40B4-BE49-F238E27FC236}">
-                <a16:creationId xmlns:a16="http://schemas.microsoft.com/office/drawing/2014/main" id="{7631DEF7-DFD5-6C51-7C41-409324F64913}"/>
-              </a:ext>
-            </a:extLst>
-          </p:cNvPr>
-          <p:cNvSpPr txBox="1"/>
-          <p:nvPr/>
-        </p:nvSpPr>
-        <p:spPr>
-          <a:xfrm>
-            <a:off x="24426766" y="2661819"/>
-            <a:ext cx="322524" cy="369332"/>
-          </a:xfrm>
-          <a:prstGeom prst="rect">
-            <a:avLst/>
-          </a:prstGeom>
-          <a:noFill/>
-        </p:spPr>
-        <p:txBody>
-          <a:bodyPr wrap="none" rtlCol="0">
-            <a:spAutoFit/>
-          </a:bodyPr>
-          <a:lstStyle/>
-          <a:p>
-            <a:r>
-              <a:rPr lang="en-US" dirty="0">
-                <a:latin typeface="JetBrains Mono" panose="02000009000000000000" pitchFamily="49" charset="0"/>
-                <a:ea typeface="JetBrains Mono" panose="02000009000000000000" pitchFamily="49" charset="0"/>
-                <a:cs typeface="JetBrains Mono" panose="02000009000000000000" pitchFamily="49" charset="0"/>
-              </a:rPr>
-              <a:t>(</a:t>
-            </a:r>
-          </a:p>
-        </p:txBody>
-      </p:sp>
-      <p:sp>
-        <p:nvSpPr>
-          <p:cNvPr id="69" name="TextBox 68">
-            <a:extLst>
-              <a:ext uri="{FF2B5EF4-FFF2-40B4-BE49-F238E27FC236}">
-                <a16:creationId xmlns:a16="http://schemas.microsoft.com/office/drawing/2014/main" id="{5FA4DDAB-4015-D194-7129-1FD32D01E3AF}"/>
-              </a:ext>
-            </a:extLst>
-          </p:cNvPr>
-          <p:cNvSpPr txBox="1"/>
-          <p:nvPr/>
-        </p:nvSpPr>
-        <p:spPr>
-          <a:xfrm>
-            <a:off x="24209994" y="3281641"/>
-            <a:ext cx="322524" cy="369332"/>
-          </a:xfrm>
-          <a:prstGeom prst="rect">
-            <a:avLst/>
-          </a:prstGeom>
-          <a:noFill/>
-        </p:spPr>
-        <p:txBody>
-          <a:bodyPr wrap="none" rtlCol="0">
-            <a:spAutoFit/>
-          </a:bodyPr>
-          <a:lstStyle/>
-          <a:p>
-            <a:r>
-              <a:rPr lang="en-US" dirty="0">
-                <a:latin typeface="JetBrains Mono" panose="02000009000000000000" pitchFamily="49" charset="0"/>
-                <a:ea typeface="JetBrains Mono" panose="02000009000000000000" pitchFamily="49" charset="0"/>
-                <a:cs typeface="JetBrains Mono" panose="02000009000000000000" pitchFamily="49" charset="0"/>
-              </a:rPr>
-              <a:t>)</a:t>
-            </a:r>
-          </a:p>
-        </p:txBody>
-      </p:sp>
-      <p:sp>
-        <p:nvSpPr>
-          <p:cNvPr id="70" name="TextBox 69">
-            <a:extLst>
-              <a:ext uri="{FF2B5EF4-FFF2-40B4-BE49-F238E27FC236}">
-                <a16:creationId xmlns:a16="http://schemas.microsoft.com/office/drawing/2014/main" id="{27F154FA-C8D9-8D0F-75DC-C39023AAF9BF}"/>
-              </a:ext>
-            </a:extLst>
-          </p:cNvPr>
-          <p:cNvSpPr txBox="1"/>
-          <p:nvPr/>
-        </p:nvSpPr>
-        <p:spPr>
-          <a:xfrm>
-            <a:off x="25118096" y="3266675"/>
-            <a:ext cx="322524" cy="369332"/>
-          </a:xfrm>
-          <a:prstGeom prst="rect">
-            <a:avLst/>
-          </a:prstGeom>
-          <a:noFill/>
-        </p:spPr>
-        <p:txBody>
-          <a:bodyPr wrap="none" rtlCol="0">
-            <a:spAutoFit/>
-          </a:bodyPr>
-          <a:lstStyle/>
-          <a:p>
-            <a:r>
-              <a:rPr lang="en-US" dirty="0">
-                <a:latin typeface="JetBrains Mono" panose="02000009000000000000" pitchFamily="49" charset="0"/>
-                <a:ea typeface="JetBrains Mono" panose="02000009000000000000" pitchFamily="49" charset="0"/>
-                <a:cs typeface="JetBrains Mono" panose="02000009000000000000" pitchFamily="49" charset="0"/>
-              </a:rPr>
-              <a:t>(</a:t>
-            </a:r>
-          </a:p>
-        </p:txBody>
-      </p:sp>
-      <p:sp>
-        <p:nvSpPr>
-          <p:cNvPr id="71" name="TextBox 70">
-            <a:extLst>
-              <a:ext uri="{FF2B5EF4-FFF2-40B4-BE49-F238E27FC236}">
-                <a16:creationId xmlns:a16="http://schemas.microsoft.com/office/drawing/2014/main" id="{0DD3F10C-8130-7BE1-8411-7028B4545A61}"/>
-              </a:ext>
-            </a:extLst>
-          </p:cNvPr>
-          <p:cNvSpPr txBox="1"/>
-          <p:nvPr/>
-        </p:nvSpPr>
-        <p:spPr>
-          <a:xfrm>
-            <a:off x="25193666" y="4401170"/>
-            <a:ext cx="322524" cy="369332"/>
-          </a:xfrm>
-          <a:prstGeom prst="rect">
-            <a:avLst/>
-          </a:prstGeom>
-          <a:noFill/>
-        </p:spPr>
-        <p:txBody>
-          <a:bodyPr wrap="none" rtlCol="0">
-            <a:spAutoFit/>
-          </a:bodyPr>
-          <a:lstStyle/>
-          <a:p>
-            <a:r>
-              <a:rPr lang="en-US" dirty="0">
-                <a:latin typeface="JetBrains Mono" panose="02000009000000000000" pitchFamily="49" charset="0"/>
-                <a:ea typeface="JetBrains Mono" panose="02000009000000000000" pitchFamily="49" charset="0"/>
-                <a:cs typeface="JetBrains Mono" panose="02000009000000000000" pitchFamily="49" charset="0"/>
-              </a:rPr>
-              <a:t>)</a:t>
-            </a:r>
-          </a:p>
-        </p:txBody>
-      </p:sp>
-      <p:sp>
-        <p:nvSpPr>
-          <p:cNvPr id="72" name="TextBox 71">
-            <a:extLst>
-              <a:ext uri="{FF2B5EF4-FFF2-40B4-BE49-F238E27FC236}">
-                <a16:creationId xmlns:a16="http://schemas.microsoft.com/office/drawing/2014/main" id="{2492229E-9E47-626E-FFF3-4AC5D4E47E7D}"/>
-              </a:ext>
-            </a:extLst>
-          </p:cNvPr>
-          <p:cNvSpPr txBox="1"/>
-          <p:nvPr/>
-        </p:nvSpPr>
-        <p:spPr>
-          <a:xfrm>
-            <a:off x="24143585" y="4401170"/>
-            <a:ext cx="322524" cy="369332"/>
-          </a:xfrm>
-          <a:prstGeom prst="rect">
-            <a:avLst/>
-          </a:prstGeom>
-          <a:noFill/>
-        </p:spPr>
-        <p:txBody>
-          <a:bodyPr wrap="none" rtlCol="0">
-            <a:spAutoFit/>
-          </a:bodyPr>
-          <a:lstStyle/>
-          <a:p>
-            <a:r>
-              <a:rPr lang="en-US" dirty="0">
-                <a:latin typeface="JetBrains Mono" panose="02000009000000000000" pitchFamily="49" charset="0"/>
-                <a:ea typeface="JetBrains Mono" panose="02000009000000000000" pitchFamily="49" charset="0"/>
-                <a:cs typeface="JetBrains Mono" panose="02000009000000000000" pitchFamily="49" charset="0"/>
-              </a:rPr>
-              <a:t>(</a:t>
-            </a:r>
-          </a:p>
-        </p:txBody>
-      </p:sp>
-      <p:sp>
-        <p:nvSpPr>
-          <p:cNvPr id="73" name="TextBox 72">
-            <a:extLst>
-              <a:ext uri="{FF2B5EF4-FFF2-40B4-BE49-F238E27FC236}">
-                <a16:creationId xmlns:a16="http://schemas.microsoft.com/office/drawing/2014/main" id="{0ECB51FC-757B-F1C7-46FC-5C0BD337B7B2}"/>
-              </a:ext>
-            </a:extLst>
-          </p:cNvPr>
-          <p:cNvSpPr txBox="1"/>
-          <p:nvPr/>
-        </p:nvSpPr>
-        <p:spPr>
-          <a:xfrm>
-            <a:off x="24876403" y="5034417"/>
-            <a:ext cx="322524" cy="369332"/>
-          </a:xfrm>
-          <a:prstGeom prst="rect">
-            <a:avLst/>
-          </a:prstGeom>
-          <a:noFill/>
-        </p:spPr>
-        <p:txBody>
-          <a:bodyPr wrap="none" rtlCol="0">
-            <a:spAutoFit/>
-          </a:bodyPr>
-          <a:lstStyle/>
-          <a:p>
-            <a:r>
-              <a:rPr lang="en-US" dirty="0">
-                <a:latin typeface="JetBrains Mono" panose="02000009000000000000" pitchFamily="49" charset="0"/>
-                <a:ea typeface="JetBrains Mono" panose="02000009000000000000" pitchFamily="49" charset="0"/>
-                <a:cs typeface="JetBrains Mono" panose="02000009000000000000" pitchFamily="49" charset="0"/>
-              </a:rPr>
-              <a:t>)</a:t>
-            </a:r>
+              <a:t>Regular expression</a:t>
+            </a:r>
+            <a:endParaRPr lang="en-US" sz="4500" dirty="0">
+              <a:latin typeface="Linux Libertine" panose="02000503000000000000" pitchFamily="2" charset="0"/>
+              <a:ea typeface="Linux Libertine" panose="02000503000000000000" pitchFamily="2" charset="0"/>
+              <a:cs typeface="Linux Libertine" panose="02000503000000000000" pitchFamily="2" charset="0"/>
+            </a:endParaRPr>
           </a:p>
         </p:txBody>
       </p:sp>
@@ -7311,72 +4635,14 @@
           <a:lstStyle/>
           <a:p>
             <a:r>
-              <a:rPr lang="en-US" sz="5400" b="1" dirty="0">
-                <a:latin typeface="Linux Libertine" panose="02000503000000000000" pitchFamily="2" charset="0"/>
-                <a:ea typeface="Linux Libertine" panose="02000503000000000000" pitchFamily="2" charset="0"/>
-                <a:cs typeface="Linux Libertine" panose="02000503000000000000" pitchFamily="2" charset="0"/>
-              </a:rPr>
+              <a:rPr lang="en-US" sz="5400" dirty="0"/>
               <a:t>⟶</a:t>
             </a:r>
-          </a:p>
-        </p:txBody>
-      </p:sp>
-      <p:sp>
-        <p:nvSpPr>
-          <p:cNvPr id="81" name="Title 1">
-            <a:extLst>
-              <a:ext uri="{FF2B5EF4-FFF2-40B4-BE49-F238E27FC236}">
-                <a16:creationId xmlns:a16="http://schemas.microsoft.com/office/drawing/2014/main" id="{8908461D-FECC-A7C0-39DA-16C2B73F74B9}"/>
-              </a:ext>
-            </a:extLst>
-          </p:cNvPr>
-          <p:cNvSpPr txBox="1">
-            <a:spLocks/>
-          </p:cNvSpPr>
-          <p:nvPr/>
-        </p:nvSpPr>
-        <p:spPr>
-          <a:xfrm>
-            <a:off x="20102054" y="570753"/>
-            <a:ext cx="1521354" cy="753940"/>
-          </a:xfrm>
-          <a:prstGeom prst="rect">
-            <a:avLst/>
-          </a:prstGeom>
-        </p:spPr>
-        <p:txBody>
-          <a:bodyPr vert="horz" lIns="91440" tIns="45720" rIns="91440" bIns="45720" rtlCol="0" anchor="b">
-            <a:normAutofit/>
-          </a:bodyPr>
-          <a:lstStyle>
-            <a:lvl1pPr algn="ctr" defTabSz="914400" rtl="0" eaLnBrk="1" latinLnBrk="0" hangingPunct="1">
-              <a:lnSpc>
-                <a:spcPct val="90000"/>
-              </a:lnSpc>
-              <a:spcBef>
-                <a:spcPct val="0"/>
-              </a:spcBef>
-              <a:buNone/>
-              <a:defRPr sz="6000" kern="1200">
-                <a:solidFill>
-                  <a:schemeClr val="tx1"/>
-                </a:solidFill>
-                <a:latin typeface="+mj-lt"/>
-                <a:ea typeface="+mj-ea"/>
-                <a:cs typeface="+mj-cs"/>
-              </a:defRPr>
-            </a:lvl1pPr>
-          </a:lstStyle>
-          <a:p>
-            <a:pPr algn="just"/>
-            <a:r>
-              <a:rPr lang="en-US" sz="4500" u="sng" dirty="0">
-                <a:latin typeface="Linux Libertine" panose="02000503000000000000" pitchFamily="2" charset="0"/>
-                <a:ea typeface="Linux Libertine" panose="02000503000000000000" pitchFamily="2" charset="0"/>
-                <a:cs typeface="Linux Libertine" panose="02000503000000000000" pitchFamily="2" charset="0"/>
-              </a:rPr>
-              <a:t>NFA</a:t>
-            </a:r>
+            <a:endParaRPr lang="en-US" sz="5400" b="1" dirty="0">
+              <a:latin typeface="Linux Libertine" panose="02000503000000000000" pitchFamily="2" charset="0"/>
+              <a:ea typeface="Linux Libertine" panose="02000503000000000000" pitchFamily="2" charset="0"/>
+              <a:cs typeface="Linux Libertine" panose="02000503000000000000" pitchFamily="2" charset="0"/>
+            </a:endParaRPr>
           </a:p>
         </p:txBody>
       </p:sp>
@@ -7394,7 +4660,7 @@
         </p:nvSpPr>
         <p:spPr>
           <a:xfrm>
-            <a:off x="22252076" y="3117040"/>
+            <a:off x="20629721" y="3245351"/>
             <a:ext cx="1024760" cy="923330"/>
           </a:xfrm>
           <a:prstGeom prst="rect">
@@ -7409,13 +4675,14 @@
           <a:lstStyle/>
           <a:p>
             <a:r>
-              <a:rPr lang="en-US" sz="5400" b="1" dirty="0">
-                <a:latin typeface="Linux Libertine" panose="02000503000000000000" pitchFamily="2" charset="0"/>
-                <a:ea typeface="Linux Libertine" panose="02000503000000000000" pitchFamily="2" charset="0"/>
-                <a:cs typeface="Linux Libertine" panose="02000503000000000000" pitchFamily="2" charset="0"/>
-              </a:rPr>
+              <a:rPr lang="en-US" sz="5400" dirty="0"/>
               <a:t>⟶</a:t>
             </a:r>
+            <a:endParaRPr lang="en-US" sz="5400" b="1" dirty="0">
+              <a:latin typeface="Linux Libertine" panose="02000503000000000000" pitchFamily="2" charset="0"/>
+              <a:ea typeface="Linux Libertine" panose="02000503000000000000" pitchFamily="2" charset="0"/>
+              <a:cs typeface="Linux Libertine" panose="02000503000000000000" pitchFamily="2" charset="0"/>
+            </a:endParaRPr>
           </a:p>
         </p:txBody>
       </p:sp>
@@ -7718,7 +4985,7 @@
           <p:nvPr/>
         </p:nvPicPr>
         <p:blipFill>
-          <a:blip r:embed="rId7"/>
+          <a:blip r:embed="rId3"/>
           <a:stretch>
             <a:fillRect/>
           </a:stretch>
@@ -7984,10 +5251,10 @@
           <p:nvPr/>
         </p:nvPicPr>
         <p:blipFill>
-          <a:blip r:embed="rId5">
+          <a:blip r:embed="rId4">
             <a:extLst>
               <a:ext uri="{96DAC541-7B7A-43D3-8B79-37D633B846F1}">
-                <asvg:svgBlip xmlns:asvg="http://schemas.microsoft.com/office/drawing/2016/SVG/main" r:embed="rId6"/>
+                <asvg:svgBlip xmlns:asvg="http://schemas.microsoft.com/office/drawing/2016/SVG/main" r:embed="rId5"/>
               </a:ext>
             </a:extLst>
           </a:blip>
@@ -8268,13 +5535,14 @@
           <a:lstStyle/>
           <a:p>
             <a:r>
-              <a:rPr lang="en-US" sz="5400" b="1" dirty="0">
-                <a:latin typeface="Linux Libertine" panose="02000503000000000000" pitchFamily="2" charset="0"/>
-                <a:ea typeface="Linux Libertine" panose="02000503000000000000" pitchFamily="2" charset="0"/>
-                <a:cs typeface="Linux Libertine" panose="02000503000000000000" pitchFamily="2" charset="0"/>
-              </a:rPr>
+              <a:rPr lang="en-US" sz="5400" dirty="0"/>
               <a:t>⟶</a:t>
             </a:r>
+            <a:endParaRPr lang="en-US" sz="5400" b="1" dirty="0">
+              <a:latin typeface="Linux Libertine" panose="02000503000000000000" pitchFamily="2" charset="0"/>
+              <a:ea typeface="Linux Libertine" panose="02000503000000000000" pitchFamily="2" charset="0"/>
+              <a:cs typeface="Linux Libertine" panose="02000503000000000000" pitchFamily="2" charset="0"/>
+            </a:endParaRPr>
           </a:p>
         </p:txBody>
       </p:sp>
@@ -8303,7 +5571,7 @@
         </p:spPr>
         <p:txBody>
           <a:bodyPr vert="horz" lIns="91440" tIns="45720" rIns="91440" bIns="45720" rtlCol="0" anchor="b">
-            <a:normAutofit/>
+            <a:normAutofit fontScale="92500"/>
           </a:bodyPr>
           <a:lstStyle>
             <a:lvl1pPr algn="ctr" defTabSz="914400" rtl="0" eaLnBrk="1" latinLnBrk="0" hangingPunct="1">
@@ -8654,6 +5922,100 @@
           <a:p>
             <a:pPr algn="ctr"/>
             <a:endParaRPr lang="en-US"/>
+          </a:p>
+        </p:txBody>
+      </p:sp>
+      <p:pic>
+        <p:nvPicPr>
+          <p:cNvPr id="11" name="Picture 10" descr="A diagram of a test&#10;&#10;AI-generated content may be incorrect.">
+            <a:extLst>
+              <a:ext uri="{FF2B5EF4-FFF2-40B4-BE49-F238E27FC236}">
+                <a16:creationId xmlns:a16="http://schemas.microsoft.com/office/drawing/2014/main" id="{C21EF915-C85E-E436-FB5A-26F22E4F2919}"/>
+              </a:ext>
+            </a:extLst>
+          </p:cNvPr>
+          <p:cNvPicPr>
+            <a:picLocks noChangeAspect="1"/>
+          </p:cNvPicPr>
+          <p:nvPr/>
+        </p:nvPicPr>
+        <p:blipFill>
+          <a:blip r:embed="rId6"/>
+          <a:stretch>
+            <a:fillRect/>
+          </a:stretch>
+        </p:blipFill>
+        <p:spPr>
+          <a:xfrm>
+            <a:off x="13075923" y="1984815"/>
+            <a:ext cx="7332519" cy="3685992"/>
+          </a:xfrm>
+          <a:prstGeom prst="rect">
+            <a:avLst/>
+          </a:prstGeom>
+        </p:spPr>
+      </p:pic>
+      <p:sp>
+        <p:nvSpPr>
+          <p:cNvPr id="13" name="Title 1">
+            <a:extLst>
+              <a:ext uri="{FF2B5EF4-FFF2-40B4-BE49-F238E27FC236}">
+                <a16:creationId xmlns:a16="http://schemas.microsoft.com/office/drawing/2014/main" id="{8D3A23BA-E582-3669-AF69-0166A7AA1EFC}"/>
+              </a:ext>
+            </a:extLst>
+          </p:cNvPr>
+          <p:cNvSpPr txBox="1">
+            <a:spLocks/>
+          </p:cNvSpPr>
+          <p:nvPr/>
+        </p:nvSpPr>
+        <p:spPr>
+          <a:xfrm>
+            <a:off x="13468981" y="1158377"/>
+            <a:ext cx="6937631" cy="753940"/>
+          </a:xfrm>
+          <a:prstGeom prst="rect">
+            <a:avLst/>
+          </a:prstGeom>
+        </p:spPr>
+        <p:txBody>
+          <a:bodyPr vert="horz" lIns="91440" tIns="45720" rIns="91440" bIns="45720" rtlCol="0" anchor="b">
+            <a:normAutofit/>
+          </a:bodyPr>
+          <a:lstStyle>
+            <a:lvl1pPr algn="ctr" defTabSz="914400" rtl="0" eaLnBrk="1" latinLnBrk="0" hangingPunct="1">
+              <a:lnSpc>
+                <a:spcPct val="90000"/>
+              </a:lnSpc>
+              <a:spcBef>
+                <a:spcPct val="0"/>
+              </a:spcBef>
+              <a:buNone/>
+              <a:defRPr sz="6000" kern="1200">
+                <a:solidFill>
+                  <a:schemeClr val="tx1"/>
+                </a:solidFill>
+                <a:latin typeface="+mj-lt"/>
+                <a:ea typeface="+mj-ea"/>
+                <a:cs typeface="+mj-cs"/>
+              </a:defRPr>
+            </a:lvl1pPr>
+          </a:lstStyle>
+          <a:p>
+            <a:pPr algn="just"/>
+            <a:r>
+              <a:rPr lang="en-US" sz="4500" u="sng" dirty="0">
+                <a:latin typeface="Linux Libertine" panose="02000503000000000000" pitchFamily="2" charset="0"/>
+                <a:ea typeface="Linux Libertine" panose="02000503000000000000" pitchFamily="2" charset="0"/>
+                <a:cs typeface="Linux Libertine" panose="02000503000000000000" pitchFamily="2" charset="0"/>
+              </a:rPr>
+              <a:t>Completed Parse Matrix</a:t>
+            </a:r>
+            <a:endParaRPr lang="en-US" sz="4500" dirty="0">
+              <a:latin typeface="Linux Libertine" panose="02000503000000000000" pitchFamily="2" charset="0"/>
+              <a:ea typeface="Linux Libertine" panose="02000503000000000000" pitchFamily="2" charset="0"/>
+              <a:cs typeface="Linux Libertine" panose="02000503000000000000" pitchFamily="2" charset="0"/>
+            </a:endParaRPr>
           </a:p>
         </p:txBody>
       </p:sp>

--- a/latex/popl2026/flow.pptx
+++ b/latex/popl2026/flow.pptx
@@ -197,7 +197,7 @@
           <a:p>
             <a:fld id="{0709DEA7-5E0E-B342-9CE4-FCF21B1958E0}" type="datetimeFigureOut">
               <a:rPr lang="en-US" smtClean="0"/>
-              <a:t>5/26/25</a:t>
+              <a:t>5/27/25</a:t>
             </a:fld>
             <a:endParaRPr lang="en-US"/>
           </a:p>
@@ -684,7 +684,7 @@
           <a:p>
             <a:fld id="{FAC548D3-0433-7442-8CA6-6A33DD5FB3B5}" type="datetimeFigureOut">
               <a:rPr lang="en-US" smtClean="0"/>
-              <a:t>5/26/25</a:t>
+              <a:t>5/27/25</a:t>
             </a:fld>
             <a:endParaRPr lang="en-US"/>
           </a:p>
@@ -854,7 +854,7 @@
           <a:p>
             <a:fld id="{FAC548D3-0433-7442-8CA6-6A33DD5FB3B5}" type="datetimeFigureOut">
               <a:rPr lang="en-US" smtClean="0"/>
-              <a:t>5/26/25</a:t>
+              <a:t>5/27/25</a:t>
             </a:fld>
             <a:endParaRPr lang="en-US"/>
           </a:p>
@@ -1034,7 +1034,7 @@
           <a:p>
             <a:fld id="{FAC548D3-0433-7442-8CA6-6A33DD5FB3B5}" type="datetimeFigureOut">
               <a:rPr lang="en-US" smtClean="0"/>
-              <a:t>5/26/25</a:t>
+              <a:t>5/27/25</a:t>
             </a:fld>
             <a:endParaRPr lang="en-US"/>
           </a:p>
@@ -1204,7 +1204,7 @@
           <a:p>
             <a:fld id="{FAC548D3-0433-7442-8CA6-6A33DD5FB3B5}" type="datetimeFigureOut">
               <a:rPr lang="en-US" smtClean="0"/>
-              <a:t>5/26/25</a:t>
+              <a:t>5/27/25</a:t>
             </a:fld>
             <a:endParaRPr lang="en-US"/>
           </a:p>
@@ -1450,7 +1450,7 @@
           <a:p>
             <a:fld id="{FAC548D3-0433-7442-8CA6-6A33DD5FB3B5}" type="datetimeFigureOut">
               <a:rPr lang="en-US" smtClean="0"/>
-              <a:t>5/26/25</a:t>
+              <a:t>5/27/25</a:t>
             </a:fld>
             <a:endParaRPr lang="en-US"/>
           </a:p>
@@ -1682,7 +1682,7 @@
           <a:p>
             <a:fld id="{FAC548D3-0433-7442-8CA6-6A33DD5FB3B5}" type="datetimeFigureOut">
               <a:rPr lang="en-US" smtClean="0"/>
-              <a:t>5/26/25</a:t>
+              <a:t>5/27/25</a:t>
             </a:fld>
             <a:endParaRPr lang="en-US"/>
           </a:p>
@@ -2049,7 +2049,7 @@
           <a:p>
             <a:fld id="{FAC548D3-0433-7442-8CA6-6A33DD5FB3B5}" type="datetimeFigureOut">
               <a:rPr lang="en-US" smtClean="0"/>
-              <a:t>5/26/25</a:t>
+              <a:t>5/27/25</a:t>
             </a:fld>
             <a:endParaRPr lang="en-US"/>
           </a:p>
@@ -2167,7 +2167,7 @@
           <a:p>
             <a:fld id="{FAC548D3-0433-7442-8CA6-6A33DD5FB3B5}" type="datetimeFigureOut">
               <a:rPr lang="en-US" smtClean="0"/>
-              <a:t>5/26/25</a:t>
+              <a:t>5/27/25</a:t>
             </a:fld>
             <a:endParaRPr lang="en-US"/>
           </a:p>
@@ -2262,7 +2262,7 @@
           <a:p>
             <a:fld id="{FAC548D3-0433-7442-8CA6-6A33DD5FB3B5}" type="datetimeFigureOut">
               <a:rPr lang="en-US" smtClean="0"/>
-              <a:t>5/26/25</a:t>
+              <a:t>5/27/25</a:t>
             </a:fld>
             <a:endParaRPr lang="en-US"/>
           </a:p>
@@ -2539,7 +2539,7 @@
           <a:p>
             <a:fld id="{FAC548D3-0433-7442-8CA6-6A33DD5FB3B5}" type="datetimeFigureOut">
               <a:rPr lang="en-US" smtClean="0"/>
-              <a:t>5/26/25</a:t>
+              <a:t>5/27/25</a:t>
             </a:fld>
             <a:endParaRPr lang="en-US"/>
           </a:p>
@@ -2803,7 +2803,7 @@
           <a:p>
             <a:fld id="{FAC548D3-0433-7442-8CA6-6A33DD5FB3B5}" type="datetimeFigureOut">
               <a:rPr lang="en-US" smtClean="0"/>
-              <a:t>5/26/25</a:t>
+              <a:t>5/27/25</a:t>
             </a:fld>
             <a:endParaRPr lang="en-US"/>
           </a:p>
@@ -3019,7 +3019,7 @@
           <a:p>
             <a:fld id="{FAC548D3-0433-7442-8CA6-6A33DD5FB3B5}" type="datetimeFigureOut">
               <a:rPr lang="en-US" smtClean="0"/>
-              <a:t>5/26/25</a:t>
+              <a:t>5/27/25</a:t>
             </a:fld>
             <a:endParaRPr lang="en-US"/>
           </a:p>
@@ -6019,6 +6019,36 @@
           </a:p>
         </p:txBody>
       </p:sp>
+      <p:pic>
+        <p:nvPicPr>
+          <p:cNvPr id="8" name="Picture 7">
+            <a:extLst>
+              <a:ext uri="{FF2B5EF4-FFF2-40B4-BE49-F238E27FC236}">
+                <a16:creationId xmlns:a16="http://schemas.microsoft.com/office/drawing/2014/main" id="{571BA966-49AC-D9C6-4ED4-66E1328D5E54}"/>
+              </a:ext>
+            </a:extLst>
+          </p:cNvPr>
+          <p:cNvPicPr>
+            <a:picLocks noChangeAspect="1"/>
+          </p:cNvPicPr>
+          <p:nvPr/>
+        </p:nvPicPr>
+        <p:blipFill>
+          <a:blip r:embed="rId7"/>
+          <a:stretch>
+            <a:fillRect/>
+          </a:stretch>
+        </p:blipFill>
+        <p:spPr>
+          <a:xfrm>
+            <a:off x="21379383" y="2118370"/>
+            <a:ext cx="4980232" cy="3685992"/>
+          </a:xfrm>
+          <a:prstGeom prst="rect">
+            <a:avLst/>
+          </a:prstGeom>
+        </p:spPr>
+      </p:pic>
     </p:spTree>
     <p:extLst>
       <p:ext uri="{BB962C8B-B14F-4D97-AF65-F5344CB8AC3E}">

--- a/latex/popl2026/flow.pptx
+++ b/latex/popl2026/flow.pptx
@@ -2,7 +2,7 @@
 <file path=ppt/presentation.xml><?xml version="1.0" encoding="utf-8"?>
 <p:presentation xmlns:a="http://schemas.openxmlformats.org/drawingml/2006/main" xmlns:r="http://schemas.openxmlformats.org/officeDocument/2006/relationships" xmlns:p="http://schemas.openxmlformats.org/presentationml/2006/main" saveSubsetFonts="1" autoCompressPictures="0">
   <p:sldMasterIdLst>
-    <p:sldMasterId id="2147483672" r:id="rId1"/>
+    <p:sldMasterId id="2147483684" r:id="rId1"/>
   </p:sldMasterIdLst>
   <p:notesMasterIdLst>
     <p:notesMasterId r:id="rId3"/>
@@ -10,7 +10,7 @@
   <p:sldIdLst>
     <p:sldId id="256" r:id="rId2"/>
   </p:sldIdLst>
-  <p:sldSz cx="36576000" cy="6858000"/>
+  <p:sldSz cx="45720000" cy="6858000"/>
   <p:notesSz cx="6858000" cy="9144000"/>
   <p:defaultTextStyle>
     <a:defPPr>
@@ -197,7 +197,7 @@
           <a:p>
             <a:fld id="{0709DEA7-5E0E-B342-9CE4-FCF21B1958E0}" type="datetimeFigureOut">
               <a:rPr lang="en-US" smtClean="0"/>
-              <a:t>5/27/25</a:t>
+              <a:t>6/15/25</a:t>
             </a:fld>
             <a:endParaRPr lang="en-US"/>
           </a:p>
@@ -215,8 +215,8 @@
         </p:nvSpPr>
         <p:spPr>
           <a:xfrm>
-            <a:off x="-4800600" y="1143000"/>
-            <a:ext cx="16459200" cy="3086100"/>
+            <a:off x="-6858000" y="1143000"/>
+            <a:ext cx="20574000" cy="3086100"/>
           </a:xfrm>
           <a:prstGeom prst="rect">
             <a:avLst/>
@@ -493,8 +493,8 @@
         </p:nvSpPr>
         <p:spPr>
           <a:xfrm>
-            <a:off x="-4800600" y="1143000"/>
-            <a:ext cx="16459200" cy="3086100"/>
+            <a:off x="-6858000" y="1143000"/>
+            <a:ext cx="20574000" cy="3086100"/>
           </a:xfrm>
         </p:spPr>
       </p:sp>
@@ -582,8 +582,8 @@
         </p:nvSpPr>
         <p:spPr>
           <a:xfrm>
-            <a:off x="4572000" y="1122363"/>
-            <a:ext cx="27432000" cy="2387600"/>
+            <a:off x="5715000" y="1122363"/>
+            <a:ext cx="34290000" cy="2387600"/>
           </a:xfrm>
         </p:spPr>
         <p:txBody>
@@ -614,8 +614,8 @@
         </p:nvSpPr>
         <p:spPr>
           <a:xfrm>
-            <a:off x="4572000" y="3602038"/>
-            <a:ext cx="27432000" cy="1655762"/>
+            <a:off x="5715000" y="3602038"/>
+            <a:ext cx="34290000" cy="1655762"/>
           </a:xfrm>
         </p:spPr>
         <p:txBody>
@@ -684,7 +684,7 @@
           <a:p>
             <a:fld id="{FAC548D3-0433-7442-8CA6-6A33DD5FB3B5}" type="datetimeFigureOut">
               <a:rPr lang="en-US" smtClean="0"/>
-              <a:t>5/27/25</a:t>
+              <a:t>6/15/25</a:t>
             </a:fld>
             <a:endParaRPr lang="en-US"/>
           </a:p>
@@ -735,7 +735,7 @@
     </p:spTree>
     <p:extLst>
       <p:ext uri="{BB962C8B-B14F-4D97-AF65-F5344CB8AC3E}">
-        <p14:creationId xmlns:p14="http://schemas.microsoft.com/office/powerpoint/2010/main" val="918228643"/>
+        <p14:creationId xmlns:p14="http://schemas.microsoft.com/office/powerpoint/2010/main" val="450209245"/>
       </p:ext>
     </p:extLst>
   </p:cSld>
@@ -854,7 +854,7 @@
           <a:p>
             <a:fld id="{FAC548D3-0433-7442-8CA6-6A33DD5FB3B5}" type="datetimeFigureOut">
               <a:rPr lang="en-US" smtClean="0"/>
-              <a:t>5/27/25</a:t>
+              <a:t>6/15/25</a:t>
             </a:fld>
             <a:endParaRPr lang="en-US"/>
           </a:p>
@@ -905,7 +905,7 @@
     </p:spTree>
     <p:extLst>
       <p:ext uri="{BB962C8B-B14F-4D97-AF65-F5344CB8AC3E}">
-        <p14:creationId xmlns:p14="http://schemas.microsoft.com/office/powerpoint/2010/main" val="3674965769"/>
+        <p14:creationId xmlns:p14="http://schemas.microsoft.com/office/powerpoint/2010/main" val="3193141836"/>
       </p:ext>
     </p:extLst>
   </p:cSld>
@@ -944,8 +944,8 @@
         </p:nvSpPr>
         <p:spPr>
           <a:xfrm>
-            <a:off x="26174700" y="365125"/>
-            <a:ext cx="7886700" cy="5811838"/>
+            <a:off x="32718375" y="365125"/>
+            <a:ext cx="9858375" cy="5811838"/>
           </a:xfrm>
         </p:spPr>
         <p:txBody>
@@ -972,8 +972,8 @@
         </p:nvSpPr>
         <p:spPr>
           <a:xfrm>
-            <a:off x="2514600" y="365125"/>
-            <a:ext cx="23202900" cy="5811838"/>
+            <a:off x="3143250" y="365125"/>
+            <a:ext cx="29003625" cy="5811838"/>
           </a:xfrm>
         </p:spPr>
         <p:txBody>
@@ -1034,7 +1034,7 @@
           <a:p>
             <a:fld id="{FAC548D3-0433-7442-8CA6-6A33DD5FB3B5}" type="datetimeFigureOut">
               <a:rPr lang="en-US" smtClean="0"/>
-              <a:t>5/27/25</a:t>
+              <a:t>6/15/25</a:t>
             </a:fld>
             <a:endParaRPr lang="en-US"/>
           </a:p>
@@ -1085,7 +1085,7 @@
     </p:spTree>
     <p:extLst>
       <p:ext uri="{BB962C8B-B14F-4D97-AF65-F5344CB8AC3E}">
-        <p14:creationId xmlns:p14="http://schemas.microsoft.com/office/powerpoint/2010/main" val="3007477455"/>
+        <p14:creationId xmlns:p14="http://schemas.microsoft.com/office/powerpoint/2010/main" val="2021972261"/>
       </p:ext>
     </p:extLst>
   </p:cSld>
@@ -1204,7 +1204,7 @@
           <a:p>
             <a:fld id="{FAC548D3-0433-7442-8CA6-6A33DD5FB3B5}" type="datetimeFigureOut">
               <a:rPr lang="en-US" smtClean="0"/>
-              <a:t>5/27/25</a:t>
+              <a:t>6/15/25</a:t>
             </a:fld>
             <a:endParaRPr lang="en-US"/>
           </a:p>
@@ -1255,7 +1255,7 @@
     </p:spTree>
     <p:extLst>
       <p:ext uri="{BB962C8B-B14F-4D97-AF65-F5344CB8AC3E}">
-        <p14:creationId xmlns:p14="http://schemas.microsoft.com/office/powerpoint/2010/main" val="1783569929"/>
+        <p14:creationId xmlns:p14="http://schemas.microsoft.com/office/powerpoint/2010/main" val="2962102763"/>
       </p:ext>
     </p:extLst>
   </p:cSld>
@@ -1294,8 +1294,8 @@
         </p:nvSpPr>
         <p:spPr>
           <a:xfrm>
-            <a:off x="2495550" y="1709738"/>
-            <a:ext cx="31546800" cy="2852737"/>
+            <a:off x="3119437" y="1709738"/>
+            <a:ext cx="39433500" cy="2852737"/>
           </a:xfrm>
         </p:spPr>
         <p:txBody>
@@ -1326,8 +1326,8 @@
         </p:nvSpPr>
         <p:spPr>
           <a:xfrm>
-            <a:off x="2495550" y="4589464"/>
-            <a:ext cx="31546800" cy="1500187"/>
+            <a:off x="3119437" y="4589464"/>
+            <a:ext cx="39433500" cy="1500187"/>
           </a:xfrm>
         </p:spPr>
         <p:txBody>
@@ -1450,7 +1450,7 @@
           <a:p>
             <a:fld id="{FAC548D3-0433-7442-8CA6-6A33DD5FB3B5}" type="datetimeFigureOut">
               <a:rPr lang="en-US" smtClean="0"/>
-              <a:t>5/27/25</a:t>
+              <a:t>6/15/25</a:t>
             </a:fld>
             <a:endParaRPr lang="en-US"/>
           </a:p>
@@ -1501,7 +1501,7 @@
     </p:spTree>
     <p:extLst>
       <p:ext uri="{BB962C8B-B14F-4D97-AF65-F5344CB8AC3E}">
-        <p14:creationId xmlns:p14="http://schemas.microsoft.com/office/powerpoint/2010/main" val="3185542192"/>
+        <p14:creationId xmlns:p14="http://schemas.microsoft.com/office/powerpoint/2010/main" val="1845591523"/>
       </p:ext>
     </p:extLst>
   </p:cSld>
@@ -1563,8 +1563,8 @@
         </p:nvSpPr>
         <p:spPr>
           <a:xfrm>
-            <a:off x="2514600" y="1825625"/>
-            <a:ext cx="15544800" cy="4351338"/>
+            <a:off x="3143250" y="1825625"/>
+            <a:ext cx="19431000" cy="4351338"/>
           </a:xfrm>
         </p:spPr>
         <p:txBody>
@@ -1620,8 +1620,8 @@
         </p:nvSpPr>
         <p:spPr>
           <a:xfrm>
-            <a:off x="18516600" y="1825625"/>
-            <a:ext cx="15544800" cy="4351338"/>
+            <a:off x="23145750" y="1825625"/>
+            <a:ext cx="19431000" cy="4351338"/>
           </a:xfrm>
         </p:spPr>
         <p:txBody>
@@ -1682,7 +1682,7 @@
           <a:p>
             <a:fld id="{FAC548D3-0433-7442-8CA6-6A33DD5FB3B5}" type="datetimeFigureOut">
               <a:rPr lang="en-US" smtClean="0"/>
-              <a:t>5/27/25</a:t>
+              <a:t>6/15/25</a:t>
             </a:fld>
             <a:endParaRPr lang="en-US"/>
           </a:p>
@@ -1733,7 +1733,7 @@
     </p:spTree>
     <p:extLst>
       <p:ext uri="{BB962C8B-B14F-4D97-AF65-F5344CB8AC3E}">
-        <p14:creationId xmlns:p14="http://schemas.microsoft.com/office/powerpoint/2010/main" val="2326888369"/>
+        <p14:creationId xmlns:p14="http://schemas.microsoft.com/office/powerpoint/2010/main" val="1136973111"/>
       </p:ext>
     </p:extLst>
   </p:cSld>
@@ -1772,8 +1772,8 @@
         </p:nvSpPr>
         <p:spPr>
           <a:xfrm>
-            <a:off x="2519364" y="365126"/>
-            <a:ext cx="31546800" cy="1325563"/>
+            <a:off x="3149205" y="365126"/>
+            <a:ext cx="39433500" cy="1325563"/>
           </a:xfrm>
         </p:spPr>
         <p:txBody>
@@ -1800,8 +1800,8 @@
         </p:nvSpPr>
         <p:spPr>
           <a:xfrm>
-            <a:off x="2519366" y="1681163"/>
-            <a:ext cx="15473361" cy="823912"/>
+            <a:off x="3149207" y="1681163"/>
+            <a:ext cx="19341701" cy="823912"/>
           </a:xfrm>
         </p:spPr>
         <p:txBody>
@@ -1865,8 +1865,8 @@
         </p:nvSpPr>
         <p:spPr>
           <a:xfrm>
-            <a:off x="2519366" y="2505075"/>
-            <a:ext cx="15473361" cy="3684588"/>
+            <a:off x="3149207" y="2505075"/>
+            <a:ext cx="19341701" cy="3684588"/>
           </a:xfrm>
         </p:spPr>
         <p:txBody>
@@ -1922,8 +1922,8 @@
         </p:nvSpPr>
         <p:spPr>
           <a:xfrm>
-            <a:off x="18516600" y="1681163"/>
-            <a:ext cx="15549564" cy="823912"/>
+            <a:off x="23145750" y="1681163"/>
+            <a:ext cx="19436955" cy="823912"/>
           </a:xfrm>
         </p:spPr>
         <p:txBody>
@@ -1987,8 +1987,8 @@
         </p:nvSpPr>
         <p:spPr>
           <a:xfrm>
-            <a:off x="18516600" y="2505075"/>
-            <a:ext cx="15549564" cy="3684588"/>
+            <a:off x="23145750" y="2505075"/>
+            <a:ext cx="19436955" cy="3684588"/>
           </a:xfrm>
         </p:spPr>
         <p:txBody>
@@ -2049,7 +2049,7 @@
           <a:p>
             <a:fld id="{FAC548D3-0433-7442-8CA6-6A33DD5FB3B5}" type="datetimeFigureOut">
               <a:rPr lang="en-US" smtClean="0"/>
-              <a:t>5/27/25</a:t>
+              <a:t>6/15/25</a:t>
             </a:fld>
             <a:endParaRPr lang="en-US"/>
           </a:p>
@@ -2100,7 +2100,7 @@
     </p:spTree>
     <p:extLst>
       <p:ext uri="{BB962C8B-B14F-4D97-AF65-F5344CB8AC3E}">
-        <p14:creationId xmlns:p14="http://schemas.microsoft.com/office/powerpoint/2010/main" val="1151860113"/>
+        <p14:creationId xmlns:p14="http://schemas.microsoft.com/office/powerpoint/2010/main" val="819887861"/>
       </p:ext>
     </p:extLst>
   </p:cSld>
@@ -2167,7 +2167,7 @@
           <a:p>
             <a:fld id="{FAC548D3-0433-7442-8CA6-6A33DD5FB3B5}" type="datetimeFigureOut">
               <a:rPr lang="en-US" smtClean="0"/>
-              <a:t>5/27/25</a:t>
+              <a:t>6/15/25</a:t>
             </a:fld>
             <a:endParaRPr lang="en-US"/>
           </a:p>
@@ -2218,7 +2218,7 @@
     </p:spTree>
     <p:extLst>
       <p:ext uri="{BB962C8B-B14F-4D97-AF65-F5344CB8AC3E}">
-        <p14:creationId xmlns:p14="http://schemas.microsoft.com/office/powerpoint/2010/main" val="3921706455"/>
+        <p14:creationId xmlns:p14="http://schemas.microsoft.com/office/powerpoint/2010/main" val="1132943852"/>
       </p:ext>
     </p:extLst>
   </p:cSld>
@@ -2262,7 +2262,7 @@
           <a:p>
             <a:fld id="{FAC548D3-0433-7442-8CA6-6A33DD5FB3B5}" type="datetimeFigureOut">
               <a:rPr lang="en-US" smtClean="0"/>
-              <a:t>5/27/25</a:t>
+              <a:t>6/15/25</a:t>
             </a:fld>
             <a:endParaRPr lang="en-US"/>
           </a:p>
@@ -2313,7 +2313,7 @@
     </p:spTree>
     <p:extLst>
       <p:ext uri="{BB962C8B-B14F-4D97-AF65-F5344CB8AC3E}">
-        <p14:creationId xmlns:p14="http://schemas.microsoft.com/office/powerpoint/2010/main" val="1950487123"/>
+        <p14:creationId xmlns:p14="http://schemas.microsoft.com/office/powerpoint/2010/main" val="4135384471"/>
       </p:ext>
     </p:extLst>
   </p:cSld>
@@ -2352,8 +2352,8 @@
         </p:nvSpPr>
         <p:spPr>
           <a:xfrm>
-            <a:off x="2519366" y="457200"/>
-            <a:ext cx="11796711" cy="1600200"/>
+            <a:off x="3149207" y="457200"/>
+            <a:ext cx="14745889" cy="1600200"/>
           </a:xfrm>
         </p:spPr>
         <p:txBody>
@@ -2384,8 +2384,8 @@
         </p:nvSpPr>
         <p:spPr>
           <a:xfrm>
-            <a:off x="15549564" y="987426"/>
-            <a:ext cx="18516600" cy="4873625"/>
+            <a:off x="19436955" y="987426"/>
+            <a:ext cx="23145750" cy="4873625"/>
           </a:xfrm>
         </p:spPr>
         <p:txBody>
@@ -2469,8 +2469,8 @@
         </p:nvSpPr>
         <p:spPr>
           <a:xfrm>
-            <a:off x="2519366" y="2057400"/>
-            <a:ext cx="11796711" cy="3811588"/>
+            <a:off x="3149207" y="2057400"/>
+            <a:ext cx="14745889" cy="3811588"/>
           </a:xfrm>
         </p:spPr>
         <p:txBody>
@@ -2539,7 +2539,7 @@
           <a:p>
             <a:fld id="{FAC548D3-0433-7442-8CA6-6A33DD5FB3B5}" type="datetimeFigureOut">
               <a:rPr lang="en-US" smtClean="0"/>
-              <a:t>5/27/25</a:t>
+              <a:t>6/15/25</a:t>
             </a:fld>
             <a:endParaRPr lang="en-US"/>
           </a:p>
@@ -2590,7 +2590,7 @@
     </p:spTree>
     <p:extLst>
       <p:ext uri="{BB962C8B-B14F-4D97-AF65-F5344CB8AC3E}">
-        <p14:creationId xmlns:p14="http://schemas.microsoft.com/office/powerpoint/2010/main" val="250635502"/>
+        <p14:creationId xmlns:p14="http://schemas.microsoft.com/office/powerpoint/2010/main" val="2426648438"/>
       </p:ext>
     </p:extLst>
   </p:cSld>
@@ -2629,8 +2629,8 @@
         </p:nvSpPr>
         <p:spPr>
           <a:xfrm>
-            <a:off x="2519366" y="457200"/>
-            <a:ext cx="11796711" cy="1600200"/>
+            <a:off x="3149207" y="457200"/>
+            <a:ext cx="14745889" cy="1600200"/>
           </a:xfrm>
         </p:spPr>
         <p:txBody>
@@ -2661,8 +2661,8 @@
         </p:nvSpPr>
         <p:spPr>
           <a:xfrm>
-            <a:off x="15549564" y="987426"/>
-            <a:ext cx="18516600" cy="4873625"/>
+            <a:off x="19436955" y="987426"/>
+            <a:ext cx="23145750" cy="4873625"/>
           </a:xfrm>
         </p:spPr>
         <p:txBody>
@@ -2707,17 +2707,10 @@
           </a:lstStyle>
           <a:p>
             <a:r>
-              <a:rPr lang="en-US" dirty="0"/>
-              <a:t>Flick icon </a:t>
-            </a:r>
-            <a:r>
-              <a:rPr lang="en-US"/>
-              <a:t>to add </a:t>
-            </a:r>
-            <a:r>
-              <a:rPr lang="en-US" dirty="0"/>
-              <a:t>picture</a:t>
-            </a:r>
+              <a:rPr lang="en-US"/>
+              <a:t>Click icon to add picture</a:t>
+            </a:r>
+            <a:endParaRPr lang="en-US" dirty="0"/>
           </a:p>
         </p:txBody>
       </p:sp>
@@ -2733,8 +2726,8 @@
         </p:nvSpPr>
         <p:spPr>
           <a:xfrm>
-            <a:off x="2519366" y="2057400"/>
-            <a:ext cx="11796711" cy="3811588"/>
+            <a:off x="3149207" y="2057400"/>
+            <a:ext cx="14745889" cy="3811588"/>
           </a:xfrm>
         </p:spPr>
         <p:txBody>
@@ -2803,7 +2796,7 @@
           <a:p>
             <a:fld id="{FAC548D3-0433-7442-8CA6-6A33DD5FB3B5}" type="datetimeFigureOut">
               <a:rPr lang="en-US" smtClean="0"/>
-              <a:t>5/27/25</a:t>
+              <a:t>6/15/25</a:t>
             </a:fld>
             <a:endParaRPr lang="en-US"/>
           </a:p>
@@ -2854,7 +2847,7 @@
     </p:spTree>
     <p:extLst>
       <p:ext uri="{BB962C8B-B14F-4D97-AF65-F5344CB8AC3E}">
-        <p14:creationId xmlns:p14="http://schemas.microsoft.com/office/powerpoint/2010/main" val="3397369333"/>
+        <p14:creationId xmlns:p14="http://schemas.microsoft.com/office/powerpoint/2010/main" val="340866333"/>
       </p:ext>
     </p:extLst>
   </p:cSld>
@@ -2868,12 +2861,9 @@
 <p:sldMaster xmlns:a="http://schemas.openxmlformats.org/drawingml/2006/main" xmlns:r="http://schemas.openxmlformats.org/officeDocument/2006/relationships" xmlns:p="http://schemas.openxmlformats.org/presentationml/2006/main">
   <p:cSld>
     <p:bg>
-      <p:bgPr>
-        <a:solidFill>
-          <a:schemeClr val="bg1"/>
-        </a:solidFill>
-        <a:effectLst/>
-      </p:bgPr>
+      <p:bgRef idx="1001">
+        <a:schemeClr val="bg1"/>
+      </p:bgRef>
     </p:bg>
     <p:spTree>
       <p:nvGrpSpPr>
@@ -2901,8 +2891,8 @@
         </p:nvSpPr>
         <p:spPr>
           <a:xfrm>
-            <a:off x="2514600" y="365126"/>
-            <a:ext cx="31546800" cy="1325563"/>
+            <a:off x="3143250" y="365126"/>
+            <a:ext cx="39433500" cy="1325563"/>
           </a:xfrm>
           <a:prstGeom prst="rect">
             <a:avLst/>
@@ -2934,8 +2924,8 @@
         </p:nvSpPr>
         <p:spPr>
           <a:xfrm>
-            <a:off x="2514600" y="1825625"/>
-            <a:ext cx="31546800" cy="4351338"/>
+            <a:off x="3143250" y="1825625"/>
+            <a:ext cx="39433500" cy="4351338"/>
           </a:xfrm>
           <a:prstGeom prst="rect">
             <a:avLst/>
@@ -2996,8 +2986,8 @@
         </p:nvSpPr>
         <p:spPr>
           <a:xfrm>
-            <a:off x="2514600" y="6356351"/>
-            <a:ext cx="8229600" cy="365125"/>
+            <a:off x="3143250" y="6356351"/>
+            <a:ext cx="10287000" cy="365125"/>
           </a:xfrm>
           <a:prstGeom prst="rect">
             <a:avLst/>
@@ -3019,7 +3009,7 @@
           <a:p>
             <a:fld id="{FAC548D3-0433-7442-8CA6-6A33DD5FB3B5}" type="datetimeFigureOut">
               <a:rPr lang="en-US" smtClean="0"/>
-              <a:t>5/27/25</a:t>
+              <a:t>6/15/25</a:t>
             </a:fld>
             <a:endParaRPr lang="en-US"/>
           </a:p>
@@ -3037,8 +3027,8 @@
         </p:nvSpPr>
         <p:spPr>
           <a:xfrm>
-            <a:off x="12115800" y="6356351"/>
-            <a:ext cx="12344400" cy="365125"/>
+            <a:off x="15144750" y="6356351"/>
+            <a:ext cx="15430500" cy="365125"/>
           </a:xfrm>
           <a:prstGeom prst="rect">
             <a:avLst/>
@@ -3074,8 +3064,8 @@
         </p:nvSpPr>
         <p:spPr>
           <a:xfrm>
-            <a:off x="25831800" y="6356351"/>
-            <a:ext cx="8229600" cy="365125"/>
+            <a:off x="32289750" y="6356351"/>
+            <a:ext cx="10287000" cy="365125"/>
           </a:xfrm>
           <a:prstGeom prst="rect">
             <a:avLst/>
@@ -3106,23 +3096,23 @@
     </p:spTree>
     <p:extLst>
       <p:ext uri="{BB962C8B-B14F-4D97-AF65-F5344CB8AC3E}">
-        <p14:creationId xmlns:p14="http://schemas.microsoft.com/office/powerpoint/2010/main" val="2836925456"/>
+        <p14:creationId xmlns:p14="http://schemas.microsoft.com/office/powerpoint/2010/main" val="2618655865"/>
       </p:ext>
     </p:extLst>
   </p:cSld>
   <p:clrMap bg1="lt1" tx1="dk1" bg2="lt2" tx2="dk2" accent1="accent1" accent2="accent2" accent3="accent3" accent4="accent4" accent5="accent5" accent6="accent6" hlink="hlink" folHlink="folHlink"/>
   <p:sldLayoutIdLst>
-    <p:sldLayoutId id="2147483673" r:id="rId1"/>
-    <p:sldLayoutId id="2147483674" r:id="rId2"/>
-    <p:sldLayoutId id="2147483675" r:id="rId3"/>
-    <p:sldLayoutId id="2147483676" r:id="rId4"/>
-    <p:sldLayoutId id="2147483677" r:id="rId5"/>
-    <p:sldLayoutId id="2147483678" r:id="rId6"/>
-    <p:sldLayoutId id="2147483679" r:id="rId7"/>
-    <p:sldLayoutId id="2147483680" r:id="rId8"/>
-    <p:sldLayoutId id="2147483681" r:id="rId9"/>
-    <p:sldLayoutId id="2147483682" r:id="rId10"/>
-    <p:sldLayoutId id="2147483683" r:id="rId11"/>
+    <p:sldLayoutId id="2147483685" r:id="rId1"/>
+    <p:sldLayoutId id="2147483686" r:id="rId2"/>
+    <p:sldLayoutId id="2147483687" r:id="rId3"/>
+    <p:sldLayoutId id="2147483688" r:id="rId4"/>
+    <p:sldLayoutId id="2147483689" r:id="rId5"/>
+    <p:sldLayoutId id="2147483690" r:id="rId6"/>
+    <p:sldLayoutId id="2147483691" r:id="rId7"/>
+    <p:sldLayoutId id="2147483692" r:id="rId8"/>
+    <p:sldLayoutId id="2147483693" r:id="rId9"/>
+    <p:sldLayoutId id="2147483694" r:id="rId10"/>
+    <p:sldLayoutId id="2147483695" r:id="rId11"/>
   </p:sldLayoutIdLst>
   <p:txStyles>
     <p:titleStyle>
@@ -3440,7 +3430,7 @@
         </p:nvSpPr>
         <p:spPr>
           <a:xfrm>
-            <a:off x="3451297" y="4442993"/>
+            <a:off x="10491553" y="4257667"/>
             <a:ext cx="988106" cy="848504"/>
           </a:xfrm>
           <a:prstGeom prst="rect">
@@ -3526,7 +3516,7 @@
         </p:nvSpPr>
         <p:spPr>
           <a:xfrm>
-            <a:off x="3464341" y="5500757"/>
+            <a:off x="10504597" y="5315431"/>
             <a:ext cx="988106" cy="848504"/>
           </a:xfrm>
           <a:prstGeom prst="rect">
@@ -3614,7 +3604,7 @@
         </p:nvSpPr>
         <p:spPr>
           <a:xfrm>
-            <a:off x="26267" y="603894"/>
+            <a:off x="291923" y="447139"/>
             <a:ext cx="12396520" cy="437152"/>
           </a:xfrm>
         </p:spPr>
@@ -3647,7 +3637,7 @@
                 <a:ea typeface="Linux Libertine" panose="02000503000000000000" pitchFamily="2" charset="0"/>
                 <a:cs typeface="Linux Libertine" panose="02000503000000000000" pitchFamily="2" charset="0"/>
               </a:rPr>
-              <a:t>CNF grammar       </a:t>
+              <a:t>CNF grammar        </a:t>
             </a:r>
           </a:p>
         </p:txBody>
@@ -3668,7 +3658,7 @@
         </p:nvSpPr>
         <p:spPr>
           <a:xfrm>
-            <a:off x="-149943" y="1068426"/>
+            <a:off x="115713" y="911671"/>
             <a:ext cx="5846756" cy="1166946"/>
           </a:xfrm>
           <a:prstGeom prst="rect">
@@ -3731,7 +3721,7 @@
         </p:nvSpPr>
         <p:spPr>
           <a:xfrm>
-            <a:off x="26267" y="3820432"/>
+            <a:off x="291924" y="3663677"/>
             <a:ext cx="11631049" cy="753940"/>
           </a:xfrm>
           <a:prstGeom prst="rect">
@@ -3769,7 +3759,7 @@
                 <a:ea typeface="Linux Libertine" panose="02000503000000000000" pitchFamily="2" charset="0"/>
                 <a:cs typeface="Linux Libertine" panose="02000503000000000000" pitchFamily="2" charset="0"/>
               </a:rPr>
-              <a:t>Code edits</a:t>
+              <a:t>Source</a:t>
             </a:r>
             <a:r>
               <a:rPr lang="en-US" sz="4500" dirty="0">
@@ -3777,7 +3767,7 @@
                 <a:ea typeface="Linux Libertine" panose="02000503000000000000" pitchFamily="2" charset="0"/>
                 <a:cs typeface="Linux Libertine" panose="02000503000000000000" pitchFamily="2" charset="0"/>
               </a:rPr>
-              <a:t>                                     </a:t>
+              <a:t>                    </a:t>
             </a:r>
             <a:r>
               <a:rPr lang="en-US" sz="4500" u="sng" dirty="0">
@@ -3806,7 +3796,7 @@
         </p:nvSpPr>
         <p:spPr>
           <a:xfrm>
-            <a:off x="348059" y="5141669"/>
+            <a:off x="613716" y="4984915"/>
             <a:ext cx="1913919" cy="753939"/>
           </a:xfrm>
           <a:prstGeom prst="rect">
@@ -3861,10 +3851,10 @@
       </p:sp>
       <p:sp>
         <p:nvSpPr>
-          <p:cNvPr id="7" name="Trapezoid 6">
+          <p:cNvPr id="18" name="Rectangle 17">
             <a:extLst>
               <a:ext uri="{FF2B5EF4-FFF2-40B4-BE49-F238E27FC236}">
-                <a16:creationId xmlns:a16="http://schemas.microsoft.com/office/drawing/2014/main" id="{7A30BC9A-3038-D244-5DC5-C0F0E997326A}"/>
+                <a16:creationId xmlns:a16="http://schemas.microsoft.com/office/drawing/2014/main" id="{A5772DEC-75A4-EDD8-40FF-3FD840827472}"/>
               </a:ext>
             </a:extLst>
           </p:cNvPr>
@@ -3872,42 +3862,18 @@
           <p:nvPr/>
         </p:nvSpPr>
         <p:spPr>
-          <a:xfrm rot="16200000">
-            <a:off x="2087307" y="5182710"/>
-            <a:ext cx="1806733" cy="710650"/>
-          </a:xfrm>
-          <a:prstGeom prst="trapezoid">
-            <a:avLst>
-              <a:gd name="adj" fmla="val 102326"/>
-            </a:avLst>
+          <a:xfrm>
+            <a:off x="11212251" y="4345020"/>
+            <a:ext cx="175925" cy="321296"/>
+          </a:xfrm>
+          <a:prstGeom prst="rect">
+            <a:avLst/>
           </a:prstGeom>
-          <a:gradFill flip="none" rotWithShape="1">
-            <a:gsLst>
-              <a:gs pos="0">
-                <a:schemeClr val="bg2">
-                  <a:lumMod val="90000"/>
-                  <a:shade val="30000"/>
-                  <a:satMod val="115000"/>
-                </a:schemeClr>
-              </a:gs>
-              <a:gs pos="50000">
-                <a:schemeClr val="bg2">
-                  <a:lumMod val="90000"/>
-                  <a:shade val="67500"/>
-                  <a:satMod val="115000"/>
-                </a:schemeClr>
-              </a:gs>
-              <a:gs pos="100000">
-                <a:schemeClr val="bg2">
-                  <a:lumMod val="90000"/>
-                  <a:shade val="100000"/>
-                  <a:satMod val="115000"/>
-                </a:schemeClr>
-              </a:gs>
-            </a:gsLst>
-            <a:lin ang="5400000" scaled="1"/>
-            <a:tileRect/>
-          </a:gradFill>
+          <a:solidFill>
+            <a:srgbClr val="00FF00">
+              <a:alpha val="29804"/>
+            </a:srgbClr>
+          </a:solidFill>
           <a:ln>
             <a:noFill/>
           </a:ln>
@@ -3939,10 +3905,10 @@
       </p:sp>
       <p:sp>
         <p:nvSpPr>
-          <p:cNvPr id="18" name="Rectangle 17">
+          <p:cNvPr id="19" name="Rectangle 18">
             <a:extLst>
               <a:ext uri="{FF2B5EF4-FFF2-40B4-BE49-F238E27FC236}">
-                <a16:creationId xmlns:a16="http://schemas.microsoft.com/office/drawing/2014/main" id="{A5772DEC-75A4-EDD8-40FF-3FD840827472}"/>
+                <a16:creationId xmlns:a16="http://schemas.microsoft.com/office/drawing/2014/main" id="{7C6FADF5-854D-FECE-1D89-94D01A69B6E4}"/>
               </a:ext>
             </a:extLst>
           </p:cNvPr>
@@ -3951,15 +3917,15 @@
         </p:nvSpPr>
         <p:spPr>
           <a:xfrm>
-            <a:off x="4171994" y="4530346"/>
+            <a:off x="11204179" y="5050017"/>
             <a:ext cx="175925" cy="321296"/>
           </a:xfrm>
           <a:prstGeom prst="rect">
             <a:avLst/>
           </a:prstGeom>
           <a:solidFill>
-            <a:srgbClr val="00FF00">
-              <a:alpha val="29804"/>
+            <a:srgbClr val="FF0000">
+              <a:alpha val="40000"/>
             </a:srgbClr>
           </a:solidFill>
           <a:ln>
@@ -3993,10 +3959,10 @@
       </p:sp>
       <p:sp>
         <p:nvSpPr>
-          <p:cNvPr id="19" name="Rectangle 18">
+          <p:cNvPr id="23" name="Rectangle 22">
             <a:extLst>
               <a:ext uri="{FF2B5EF4-FFF2-40B4-BE49-F238E27FC236}">
-                <a16:creationId xmlns:a16="http://schemas.microsoft.com/office/drawing/2014/main" id="{7C6FADF5-854D-FECE-1D89-94D01A69B6E4}"/>
+                <a16:creationId xmlns:a16="http://schemas.microsoft.com/office/drawing/2014/main" id="{9B455A07-3E49-D3DA-E143-E9BCA3A993EC}"/>
               </a:ext>
             </a:extLst>
           </p:cNvPr>
@@ -4005,15 +3971,15 @@
         </p:nvSpPr>
         <p:spPr>
           <a:xfrm>
-            <a:off x="4163922" y="5235343"/>
+            <a:off x="10655545" y="4685362"/>
             <a:ext cx="175925" cy="321296"/>
           </a:xfrm>
           <a:prstGeom prst="rect">
             <a:avLst/>
           </a:prstGeom>
           <a:solidFill>
-            <a:srgbClr val="FF0000">
-              <a:alpha val="40000"/>
+            <a:srgbClr val="FF9300">
+              <a:alpha val="29804"/>
             </a:srgbClr>
           </a:solidFill>
           <a:ln>
@@ -4047,10 +4013,10 @@
       </p:sp>
       <p:sp>
         <p:nvSpPr>
-          <p:cNvPr id="23" name="Rectangle 22">
+          <p:cNvPr id="26" name="Rectangle 25">
             <a:extLst>
               <a:ext uri="{FF2B5EF4-FFF2-40B4-BE49-F238E27FC236}">
-                <a16:creationId xmlns:a16="http://schemas.microsoft.com/office/drawing/2014/main" id="{9B455A07-3E49-D3DA-E143-E9BCA3A993EC}"/>
+                <a16:creationId xmlns:a16="http://schemas.microsoft.com/office/drawing/2014/main" id="{8482D034-F139-1AE8-7652-4572F378D418}"/>
               </a:ext>
             </a:extLst>
           </p:cNvPr>
@@ -4059,7 +4025,7 @@
         </p:nvSpPr>
         <p:spPr>
           <a:xfrm>
-            <a:off x="3615288" y="4870688"/>
+            <a:off x="10945582" y="5745415"/>
             <a:ext cx="175925" cy="321296"/>
           </a:xfrm>
           <a:prstGeom prst="rect">
@@ -4101,60 +4067,6 @@
       </p:sp>
       <p:sp>
         <p:nvSpPr>
-          <p:cNvPr id="26" name="Rectangle 25">
-            <a:extLst>
-              <a:ext uri="{FF2B5EF4-FFF2-40B4-BE49-F238E27FC236}">
-                <a16:creationId xmlns:a16="http://schemas.microsoft.com/office/drawing/2014/main" id="{8482D034-F139-1AE8-7652-4572F378D418}"/>
-              </a:ext>
-            </a:extLst>
-          </p:cNvPr>
-          <p:cNvSpPr/>
-          <p:nvPr/>
-        </p:nvSpPr>
-        <p:spPr>
-          <a:xfrm>
-            <a:off x="3905325" y="5930741"/>
-            <a:ext cx="175925" cy="321296"/>
-          </a:xfrm>
-          <a:prstGeom prst="rect">
-            <a:avLst/>
-          </a:prstGeom>
-          <a:solidFill>
-            <a:srgbClr val="FF9300">
-              <a:alpha val="29804"/>
-            </a:srgbClr>
-          </a:solidFill>
-          <a:ln>
-            <a:noFill/>
-          </a:ln>
-        </p:spPr>
-        <p:style>
-          <a:lnRef idx="2">
-            <a:schemeClr val="accent1">
-              <a:shade val="15000"/>
-            </a:schemeClr>
-          </a:lnRef>
-          <a:fillRef idx="1">
-            <a:schemeClr val="accent1"/>
-          </a:fillRef>
-          <a:effectRef idx="0">
-            <a:schemeClr val="accent1"/>
-          </a:effectRef>
-          <a:fontRef idx="minor">
-            <a:schemeClr val="lt1"/>
-          </a:fontRef>
-        </p:style>
-        <p:txBody>
-          <a:bodyPr rtlCol="0" anchor="ctr"/>
-          <a:lstStyle/>
-          <a:p>
-            <a:pPr algn="ctr"/>
-            <a:endParaRPr lang="en-US"/>
-          </a:p>
-        </p:txBody>
-      </p:sp>
-      <p:sp>
-        <p:nvSpPr>
           <p:cNvPr id="37" name="TextBox 36">
             <a:extLst>
               <a:ext uri="{FF2B5EF4-FFF2-40B4-BE49-F238E27FC236}">
@@ -4167,7 +4079,7 @@
         </p:nvSpPr>
         <p:spPr>
           <a:xfrm>
-            <a:off x="5947802" y="5021116"/>
+            <a:off x="3122026" y="4852279"/>
             <a:ext cx="1167178" cy="923330"/>
           </a:xfrm>
           <a:prstGeom prst="rect">
@@ -4207,7 +4119,7 @@
         </p:nvSpPr>
         <p:spPr>
           <a:xfrm>
-            <a:off x="5683533" y="1398708"/>
+            <a:off x="6071110" y="1241953"/>
             <a:ext cx="1001925" cy="923330"/>
           </a:xfrm>
           <a:prstGeom prst="rect">
@@ -4249,7 +4161,7 @@
         </p:nvSpPr>
         <p:spPr>
           <a:xfrm>
-            <a:off x="7517806" y="1078302"/>
+            <a:off x="7966342" y="921547"/>
             <a:ext cx="2406254" cy="1813026"/>
           </a:xfrm>
           <a:prstGeom prst="rect">
@@ -4352,7 +4264,7 @@
         </p:nvSpPr>
         <p:spPr>
           <a:xfrm>
-            <a:off x="9648517" y="958010"/>
+            <a:off x="10097053" y="801256"/>
             <a:ext cx="2497180" cy="1908615"/>
           </a:xfrm>
           <a:prstGeom prst="rect">
@@ -4441,7 +4353,7 @@
         </p:nvSpPr>
         <p:spPr>
           <a:xfrm rot="2404961">
-            <a:off x="11973301" y="2172990"/>
+            <a:off x="12447964" y="2016235"/>
             <a:ext cx="978291" cy="923330"/>
           </a:xfrm>
           <a:prstGeom prst="rect">
@@ -4476,7 +4388,7 @@
         </p:nvSpPr>
         <p:spPr>
           <a:xfrm rot="19374242">
-            <a:off x="11947572" y="4299255"/>
+            <a:off x="12422235" y="4403760"/>
             <a:ext cx="978291" cy="923330"/>
           </a:xfrm>
           <a:prstGeom prst="rect">
@@ -4516,7 +4428,7 @@
         </p:nvSpPr>
         <p:spPr>
           <a:xfrm>
-            <a:off x="18360154" y="3104460"/>
+            <a:off x="19386651" y="2947705"/>
             <a:ext cx="1024760" cy="923330"/>
           </a:xfrm>
           <a:prstGeom prst="rect">
@@ -4558,7 +4470,7 @@
         </p:nvSpPr>
         <p:spPr>
           <a:xfrm>
-            <a:off x="21518239" y="1162370"/>
+            <a:off x="23390088" y="1005615"/>
             <a:ext cx="4986208" cy="753940"/>
           </a:xfrm>
           <a:prstGeom prst="rect">
@@ -4598,11 +4510,6 @@
               </a:rPr>
               <a:t>Regular expression</a:t>
             </a:r>
-            <a:endParaRPr lang="en-US" sz="4500" dirty="0">
-              <a:latin typeface="Linux Libertine" panose="02000503000000000000" pitchFamily="2" charset="0"/>
-              <a:ea typeface="Linux Libertine" panose="02000503000000000000" pitchFamily="2" charset="0"/>
-              <a:cs typeface="Linux Libertine" panose="02000503000000000000" pitchFamily="2" charset="0"/>
-            </a:endParaRPr>
           </a:p>
         </p:txBody>
       </p:sp>
@@ -4620,7 +4527,7 @@
         </p:nvSpPr>
         <p:spPr>
           <a:xfrm>
-            <a:off x="31040303" y="3116017"/>
+            <a:off x="33153420" y="2959262"/>
             <a:ext cx="1024760" cy="923330"/>
           </a:xfrm>
           <a:prstGeom prst="rect">
@@ -4660,7 +4567,7 @@
         </p:nvSpPr>
         <p:spPr>
           <a:xfrm>
-            <a:off x="20629721" y="3245351"/>
+            <a:off x="21800599" y="3088596"/>
             <a:ext cx="1024760" cy="923330"/>
           </a:xfrm>
           <a:prstGeom prst="rect">
@@ -4702,8 +4609,8 @@
         </p:nvSpPr>
         <p:spPr>
           <a:xfrm>
-            <a:off x="32992360" y="2296906"/>
-            <a:ext cx="4198926" cy="3507456"/>
+            <a:off x="35103143" y="2140151"/>
+            <a:ext cx="4198926" cy="4332902"/>
           </a:xfrm>
           <a:prstGeom prst="rect">
             <a:avLst/>
@@ -4738,7 +4645,7 @@
                 <a:spcPts val="1200"/>
               </a:spcAft>
             </a:pPr>
-            <a:endParaRPr lang="en-US" sz="4500" u="sng" dirty="0">
+            <a:endParaRPr lang="en-US" sz="4800" u="sng" dirty="0">
               <a:latin typeface="Linux Libertine" panose="02000503000000000000" pitchFamily="2" charset="0"/>
               <a:ea typeface="Linux Libertine" panose="02000503000000000000" pitchFamily="2" charset="0"/>
               <a:cs typeface="Linux Libertine" panose="02000503000000000000" pitchFamily="2" charset="0"/>
@@ -4766,7 +4673,7 @@
                 <a:ea typeface="JetBrains Mono" panose="02000009000000000000" pitchFamily="49" charset="0"/>
                 <a:cs typeface="JetBrains Mono" panose="02000009000000000000" pitchFamily="49" charset="0"/>
               </a:rPr>
-              <a:t>( )</a:t>
+              <a:t>( ( ) )</a:t>
             </a:r>
           </a:p>
           <a:p>
@@ -4816,7 +4723,22 @@
                 <a:ea typeface="JetBrains Mono" panose="02000009000000000000" pitchFamily="49" charset="0"/>
                 <a:cs typeface="JetBrains Mono" panose="02000009000000000000" pitchFamily="49" charset="0"/>
               </a:rPr>
-              <a:t>( ( ) )</a:t>
+              <a:t>( )</a:t>
+            </a:r>
+          </a:p>
+          <a:p>
+            <a:pPr algn="l">
+              <a:spcAft>
+                <a:spcPts val="1200"/>
+              </a:spcAft>
+            </a:pPr>
+            <a:r>
+              <a:rPr lang="en-US" sz="4500" dirty="0">
+                <a:latin typeface="JetBrains Mono" panose="02000009000000000000" pitchFamily="49" charset="0"/>
+                <a:ea typeface="JetBrains Mono" panose="02000009000000000000" pitchFamily="49" charset="0"/>
+                <a:cs typeface="JetBrains Mono" panose="02000009000000000000" pitchFamily="49" charset="0"/>
+              </a:rPr>
+              <a:t>…</a:t>
             </a:r>
           </a:p>
           <a:p>
@@ -4845,7 +4767,7 @@
         </p:nvSpPr>
         <p:spPr>
           <a:xfrm>
-            <a:off x="32367891" y="1275137"/>
+            <a:off x="34785447" y="1095226"/>
             <a:ext cx="4511161" cy="1046901"/>
           </a:xfrm>
           <a:prstGeom prst="rect">
@@ -4887,86 +4809,8 @@
                 <a:ea typeface="Linux Libertine" panose="02000503000000000000" pitchFamily="2" charset="0"/>
                 <a:cs typeface="Linux Libertine" panose="02000503000000000000" pitchFamily="2" charset="0"/>
               </a:rPr>
-              <a:t>Ranked repairs</a:t>
-            </a:r>
-          </a:p>
-        </p:txBody>
-      </p:sp>
-      <p:sp>
-        <p:nvSpPr>
-          <p:cNvPr id="86" name="Trapezoid 85">
-            <a:extLst>
-              <a:ext uri="{FF2B5EF4-FFF2-40B4-BE49-F238E27FC236}">
-                <a16:creationId xmlns:a16="http://schemas.microsoft.com/office/drawing/2014/main" id="{E44F9779-1424-78C1-B5C0-5D5DC2DB8D75}"/>
-              </a:ext>
-            </a:extLst>
-          </p:cNvPr>
-          <p:cNvSpPr/>
-          <p:nvPr/>
-        </p:nvSpPr>
-        <p:spPr>
-          <a:xfrm rot="5400000">
-            <a:off x="4388066" y="5182710"/>
-            <a:ext cx="1806733" cy="710650"/>
-          </a:xfrm>
-          <a:prstGeom prst="trapezoid">
-            <a:avLst>
-              <a:gd name="adj" fmla="val 102326"/>
-            </a:avLst>
-          </a:prstGeom>
-          <a:gradFill flip="none" rotWithShape="1">
-            <a:gsLst>
-              <a:gs pos="0">
-                <a:schemeClr val="bg2">
-                  <a:lumMod val="90000"/>
-                  <a:shade val="30000"/>
-                  <a:satMod val="115000"/>
-                </a:schemeClr>
-              </a:gs>
-              <a:gs pos="50000">
-                <a:schemeClr val="bg2">
-                  <a:lumMod val="90000"/>
-                  <a:shade val="67500"/>
-                  <a:satMod val="115000"/>
-                </a:schemeClr>
-              </a:gs>
-              <a:gs pos="100000">
-                <a:schemeClr val="bg2">
-                  <a:lumMod val="90000"/>
-                  <a:shade val="100000"/>
-                  <a:satMod val="115000"/>
-                </a:schemeClr>
-              </a:gs>
-            </a:gsLst>
-            <a:lin ang="5400000" scaled="1"/>
-            <a:tileRect/>
-          </a:gradFill>
-          <a:ln>
-            <a:noFill/>
-          </a:ln>
-        </p:spPr>
-        <p:style>
-          <a:lnRef idx="2">
-            <a:schemeClr val="accent1">
-              <a:shade val="15000"/>
-            </a:schemeClr>
-          </a:lnRef>
-          <a:fillRef idx="1">
-            <a:schemeClr val="accent1"/>
-          </a:fillRef>
-          <a:effectRef idx="0">
-            <a:schemeClr val="accent1"/>
-          </a:effectRef>
-          <a:fontRef idx="minor">
-            <a:schemeClr val="lt1"/>
-          </a:fontRef>
-        </p:style>
-        <p:txBody>
-          <a:bodyPr rtlCol="0" anchor="ctr"/>
-          <a:lstStyle/>
-          <a:p>
-            <a:pPr algn="ctr"/>
-            <a:endParaRPr lang="en-US"/>
+              <a:t>Sampled repairs</a:t>
+            </a:r>
           </a:p>
         </p:txBody>
       </p:sp>
@@ -4992,7 +4836,7 @@
         </p:blipFill>
         <p:spPr>
           <a:xfrm>
-            <a:off x="7636274" y="4716909"/>
+            <a:off x="4588104" y="4528046"/>
             <a:ext cx="4395724" cy="1756603"/>
           </a:xfrm>
           <a:prstGeom prst="rect">
@@ -5014,7 +4858,7 @@
         </p:nvSpPr>
         <p:spPr>
           <a:xfrm>
-            <a:off x="3632183" y="6297902"/>
+            <a:off x="10672440" y="6112576"/>
             <a:ext cx="175925" cy="321296"/>
           </a:xfrm>
           <a:prstGeom prst="rect">
@@ -5068,7 +4912,7 @@
         </p:nvSpPr>
         <p:spPr>
           <a:xfrm>
-            <a:off x="3419576" y="4519331"/>
+            <a:off x="10459832" y="4334006"/>
             <a:ext cx="1906486" cy="2139047"/>
           </a:xfrm>
           <a:prstGeom prst="rect">
@@ -5236,276 +5080,6 @@
           </a:p>
         </p:txBody>
       </p:sp>
-      <p:pic>
-        <p:nvPicPr>
-          <p:cNvPr id="25" name="Graphic 24">
-            <a:extLst>
-              <a:ext uri="{FF2B5EF4-FFF2-40B4-BE49-F238E27FC236}">
-                <a16:creationId xmlns:a16="http://schemas.microsoft.com/office/drawing/2014/main" id="{5B2938E1-AEE5-B013-10B2-486FD7C6B1D3}"/>
-              </a:ext>
-            </a:extLst>
-          </p:cNvPr>
-          <p:cNvPicPr>
-            <a:picLocks noChangeAspect="1"/>
-          </p:cNvPicPr>
-          <p:nvPr/>
-        </p:nvPicPr>
-        <p:blipFill>
-          <a:blip r:embed="rId4">
-            <a:extLst>
-              <a:ext uri="{96DAC541-7B7A-43D3-8B79-37D633B846F1}">
-                <asvg:svgBlip xmlns:asvg="http://schemas.microsoft.com/office/drawing/2016/SVG/main" r:embed="rId5"/>
-              </a:ext>
-            </a:extLst>
-          </a:blip>
-          <a:stretch>
-            <a:fillRect/>
-          </a:stretch>
-        </p:blipFill>
-        <p:spPr>
-          <a:xfrm rot="5400000">
-            <a:off x="26554750" y="2488479"/>
-            <a:ext cx="4971364" cy="1915842"/>
-          </a:xfrm>
-          <a:prstGeom prst="rect">
-            <a:avLst/>
-          </a:prstGeom>
-        </p:spPr>
-      </p:pic>
-      <p:sp>
-        <p:nvSpPr>
-          <p:cNvPr id="27" name="TextBox 26">
-            <a:extLst>
-              <a:ext uri="{FF2B5EF4-FFF2-40B4-BE49-F238E27FC236}">
-                <a16:creationId xmlns:a16="http://schemas.microsoft.com/office/drawing/2014/main" id="{184DEDF2-107C-1F87-6F90-86A71DA99B3D}"/>
-              </a:ext>
-            </a:extLst>
-          </p:cNvPr>
-          <p:cNvSpPr txBox="1"/>
-          <p:nvPr/>
-        </p:nvSpPr>
-        <p:spPr>
-          <a:xfrm>
-            <a:off x="28636277" y="2665529"/>
-            <a:ext cx="322524" cy="369332"/>
-          </a:xfrm>
-          <a:prstGeom prst="rect">
-            <a:avLst/>
-          </a:prstGeom>
-          <a:noFill/>
-        </p:spPr>
-        <p:txBody>
-          <a:bodyPr wrap="none" rtlCol="0">
-            <a:spAutoFit/>
-          </a:bodyPr>
-          <a:lstStyle/>
-          <a:p>
-            <a:r>
-              <a:rPr lang="en-US" dirty="0">
-                <a:latin typeface="JetBrains Mono" panose="02000009000000000000" pitchFamily="49" charset="0"/>
-                <a:ea typeface="JetBrains Mono" panose="02000009000000000000" pitchFamily="49" charset="0"/>
-                <a:cs typeface="JetBrains Mono" panose="02000009000000000000" pitchFamily="49" charset="0"/>
-              </a:rPr>
-              <a:t>(</a:t>
-            </a:r>
-          </a:p>
-        </p:txBody>
-      </p:sp>
-      <p:sp>
-        <p:nvSpPr>
-          <p:cNvPr id="28" name="TextBox 27">
-            <a:extLst>
-              <a:ext uri="{FF2B5EF4-FFF2-40B4-BE49-F238E27FC236}">
-                <a16:creationId xmlns:a16="http://schemas.microsoft.com/office/drawing/2014/main" id="{99344865-F611-2574-907D-0E1B9E2652C6}"/>
-              </a:ext>
-            </a:extLst>
-          </p:cNvPr>
-          <p:cNvSpPr txBox="1"/>
-          <p:nvPr/>
-        </p:nvSpPr>
-        <p:spPr>
-          <a:xfrm>
-            <a:off x="28419505" y="3285351"/>
-            <a:ext cx="322524" cy="369332"/>
-          </a:xfrm>
-          <a:prstGeom prst="rect">
-            <a:avLst/>
-          </a:prstGeom>
-          <a:noFill/>
-        </p:spPr>
-        <p:txBody>
-          <a:bodyPr wrap="none" rtlCol="0">
-            <a:spAutoFit/>
-          </a:bodyPr>
-          <a:lstStyle/>
-          <a:p>
-            <a:r>
-              <a:rPr lang="en-US" dirty="0">
-                <a:latin typeface="JetBrains Mono" panose="02000009000000000000" pitchFamily="49" charset="0"/>
-                <a:ea typeface="JetBrains Mono" panose="02000009000000000000" pitchFamily="49" charset="0"/>
-                <a:cs typeface="JetBrains Mono" panose="02000009000000000000" pitchFamily="49" charset="0"/>
-              </a:rPr>
-              <a:t>)</a:t>
-            </a:r>
-          </a:p>
-        </p:txBody>
-      </p:sp>
-      <p:sp>
-        <p:nvSpPr>
-          <p:cNvPr id="29" name="TextBox 28">
-            <a:extLst>
-              <a:ext uri="{FF2B5EF4-FFF2-40B4-BE49-F238E27FC236}">
-                <a16:creationId xmlns:a16="http://schemas.microsoft.com/office/drawing/2014/main" id="{97D7C696-58A6-D896-FC68-244E5A2350A8}"/>
-              </a:ext>
-            </a:extLst>
-          </p:cNvPr>
-          <p:cNvSpPr txBox="1"/>
-          <p:nvPr/>
-        </p:nvSpPr>
-        <p:spPr>
-          <a:xfrm>
-            <a:off x="29327607" y="3270385"/>
-            <a:ext cx="322524" cy="369332"/>
-          </a:xfrm>
-          <a:prstGeom prst="rect">
-            <a:avLst/>
-          </a:prstGeom>
-          <a:noFill/>
-        </p:spPr>
-        <p:txBody>
-          <a:bodyPr wrap="none" rtlCol="0">
-            <a:spAutoFit/>
-          </a:bodyPr>
-          <a:lstStyle/>
-          <a:p>
-            <a:r>
-              <a:rPr lang="en-US" dirty="0">
-                <a:latin typeface="JetBrains Mono" panose="02000009000000000000" pitchFamily="49" charset="0"/>
-                <a:ea typeface="JetBrains Mono" panose="02000009000000000000" pitchFamily="49" charset="0"/>
-                <a:cs typeface="JetBrains Mono" panose="02000009000000000000" pitchFamily="49" charset="0"/>
-              </a:rPr>
-              <a:t>(</a:t>
-            </a:r>
-          </a:p>
-        </p:txBody>
-      </p:sp>
-      <p:sp>
-        <p:nvSpPr>
-          <p:cNvPr id="30" name="TextBox 29">
-            <a:extLst>
-              <a:ext uri="{FF2B5EF4-FFF2-40B4-BE49-F238E27FC236}">
-                <a16:creationId xmlns:a16="http://schemas.microsoft.com/office/drawing/2014/main" id="{5D4F92A0-DF43-2D3C-351E-FBBB86B6A456}"/>
-              </a:ext>
-            </a:extLst>
-          </p:cNvPr>
-          <p:cNvSpPr txBox="1"/>
-          <p:nvPr/>
-        </p:nvSpPr>
-        <p:spPr>
-          <a:xfrm>
-            <a:off x="29403177" y="4404880"/>
-            <a:ext cx="322524" cy="369332"/>
-          </a:xfrm>
-          <a:prstGeom prst="rect">
-            <a:avLst/>
-          </a:prstGeom>
-          <a:noFill/>
-        </p:spPr>
-        <p:txBody>
-          <a:bodyPr wrap="none" rtlCol="0">
-            <a:spAutoFit/>
-          </a:bodyPr>
-          <a:lstStyle/>
-          <a:p>
-            <a:r>
-              <a:rPr lang="en-US" dirty="0">
-                <a:latin typeface="JetBrains Mono" panose="02000009000000000000" pitchFamily="49" charset="0"/>
-                <a:ea typeface="JetBrains Mono" panose="02000009000000000000" pitchFamily="49" charset="0"/>
-                <a:cs typeface="JetBrains Mono" panose="02000009000000000000" pitchFamily="49" charset="0"/>
-              </a:rPr>
-              <a:t>)</a:t>
-            </a:r>
-          </a:p>
-        </p:txBody>
-      </p:sp>
-      <p:sp>
-        <p:nvSpPr>
-          <p:cNvPr id="31" name="TextBox 30">
-            <a:extLst>
-              <a:ext uri="{FF2B5EF4-FFF2-40B4-BE49-F238E27FC236}">
-                <a16:creationId xmlns:a16="http://schemas.microsoft.com/office/drawing/2014/main" id="{A0592A84-3A3D-F5E7-410E-608E00B72059}"/>
-              </a:ext>
-            </a:extLst>
-          </p:cNvPr>
-          <p:cNvSpPr txBox="1"/>
-          <p:nvPr/>
-        </p:nvSpPr>
-        <p:spPr>
-          <a:xfrm>
-            <a:off x="28353096" y="4404880"/>
-            <a:ext cx="322524" cy="369332"/>
-          </a:xfrm>
-          <a:prstGeom prst="rect">
-            <a:avLst/>
-          </a:prstGeom>
-          <a:noFill/>
-        </p:spPr>
-        <p:txBody>
-          <a:bodyPr wrap="none" rtlCol="0">
-            <a:spAutoFit/>
-          </a:bodyPr>
-          <a:lstStyle/>
-          <a:p>
-            <a:r>
-              <a:rPr lang="en-US" dirty="0">
-                <a:latin typeface="JetBrains Mono" panose="02000009000000000000" pitchFamily="49" charset="0"/>
-                <a:ea typeface="JetBrains Mono" panose="02000009000000000000" pitchFamily="49" charset="0"/>
-                <a:cs typeface="JetBrains Mono" panose="02000009000000000000" pitchFamily="49" charset="0"/>
-              </a:rPr>
-              <a:t>(</a:t>
-            </a:r>
-          </a:p>
-        </p:txBody>
-      </p:sp>
-      <p:sp>
-        <p:nvSpPr>
-          <p:cNvPr id="32" name="TextBox 31">
-            <a:extLst>
-              <a:ext uri="{FF2B5EF4-FFF2-40B4-BE49-F238E27FC236}">
-                <a16:creationId xmlns:a16="http://schemas.microsoft.com/office/drawing/2014/main" id="{40B9EF60-6640-7950-132B-B2961DDCFC72}"/>
-              </a:ext>
-            </a:extLst>
-          </p:cNvPr>
-          <p:cNvSpPr txBox="1"/>
-          <p:nvPr/>
-        </p:nvSpPr>
-        <p:spPr>
-          <a:xfrm>
-            <a:off x="29085914" y="5038127"/>
-            <a:ext cx="322524" cy="369332"/>
-          </a:xfrm>
-          <a:prstGeom prst="rect">
-            <a:avLst/>
-          </a:prstGeom>
-          <a:noFill/>
-        </p:spPr>
-        <p:txBody>
-          <a:bodyPr wrap="none" rtlCol="0">
-            <a:spAutoFit/>
-          </a:bodyPr>
-          <a:lstStyle/>
-          <a:p>
-            <a:r>
-              <a:rPr lang="en-US" dirty="0">
-                <a:latin typeface="JetBrains Mono" panose="02000009000000000000" pitchFamily="49" charset="0"/>
-                <a:ea typeface="JetBrains Mono" panose="02000009000000000000" pitchFamily="49" charset="0"/>
-                <a:cs typeface="JetBrains Mono" panose="02000009000000000000" pitchFamily="49" charset="0"/>
-              </a:rPr>
-              <a:t>)</a:t>
-            </a:r>
-          </a:p>
-        </p:txBody>
-      </p:sp>
       <p:sp>
         <p:nvSpPr>
           <p:cNvPr id="33" name="TextBox 32">
@@ -5520,7 +5094,7 @@
         </p:nvSpPr>
         <p:spPr>
           <a:xfrm>
-            <a:off x="26132641" y="3104460"/>
+            <a:off x="28501790" y="2947705"/>
             <a:ext cx="1024760" cy="923330"/>
           </a:xfrm>
           <a:prstGeom prst="rect">
@@ -5562,8 +5136,8 @@
         </p:nvSpPr>
         <p:spPr>
           <a:xfrm>
-            <a:off x="27967123" y="582625"/>
-            <a:ext cx="2195788" cy="753940"/>
+            <a:off x="28669413" y="425869"/>
+            <a:ext cx="5610527" cy="5858778"/>
           </a:xfrm>
           <a:prstGeom prst="rect">
             <a:avLst/>
@@ -5571,7 +5145,7 @@
         </p:spPr>
         <p:txBody>
           <a:bodyPr vert="horz" lIns="91440" tIns="45720" rIns="91440" bIns="45720" rtlCol="0" anchor="b">
-            <a:normAutofit fontScale="92500"/>
+            <a:normAutofit/>
           </a:bodyPr>
           <a:lstStyle>
             <a:lvl1pPr algn="ctr" defTabSz="914400" rtl="0" eaLnBrk="1" latinLnBrk="0" hangingPunct="1">
@@ -5601,327 +5175,140 @@
               </a:rPr>
               <a:t>Decoder</a:t>
             </a:r>
-            <a:endParaRPr lang="en-US" sz="4500" dirty="0">
+          </a:p>
+          <a:p>
+            <a:endParaRPr lang="en-US" sz="2400" u="sng" dirty="0">
               <a:latin typeface="Linux Libertine" panose="02000503000000000000" pitchFamily="2" charset="0"/>
               <a:ea typeface="Linux Libertine" panose="02000503000000000000" pitchFamily="2" charset="0"/>
               <a:cs typeface="Linux Libertine" panose="02000503000000000000" pitchFamily="2" charset="0"/>
             </a:endParaRPr>
           </a:p>
-        </p:txBody>
-      </p:sp>
-      <p:sp>
-        <p:nvSpPr>
-          <p:cNvPr id="55" name="Freeform 54">
-            <a:extLst>
-              <a:ext uri="{FF2B5EF4-FFF2-40B4-BE49-F238E27FC236}">
-                <a16:creationId xmlns:a16="http://schemas.microsoft.com/office/drawing/2014/main" id="{E5CD06CE-22DE-7085-F2F9-6668BAC8806D}"/>
-              </a:ext>
-            </a:extLst>
-          </p:cNvPr>
-          <p:cNvSpPr/>
-          <p:nvPr/>
-        </p:nvSpPr>
-        <p:spPr>
-          <a:xfrm>
-            <a:off x="27533407" y="1686662"/>
-            <a:ext cx="997627" cy="4128655"/>
-          </a:xfrm>
-          <a:custGeom>
-            <a:avLst/>
-            <a:gdLst>
-              <a:gd name="connsiteX0" fmla="*/ 720536 w 997627"/>
-              <a:gd name="connsiteY0" fmla="*/ 0 h 4128655"/>
-              <a:gd name="connsiteX1" fmla="*/ 748245 w 997627"/>
-              <a:gd name="connsiteY1" fmla="*/ 1468582 h 4128655"/>
-              <a:gd name="connsiteX2" fmla="*/ 99 w 997627"/>
-              <a:gd name="connsiteY2" fmla="*/ 2355273 h 4128655"/>
-              <a:gd name="connsiteX3" fmla="*/ 803663 w 997627"/>
-              <a:gd name="connsiteY3" fmla="*/ 3269673 h 4128655"/>
-              <a:gd name="connsiteX4" fmla="*/ 997627 w 997627"/>
-              <a:gd name="connsiteY4" fmla="*/ 4128655 h 4128655"/>
-            </a:gdLst>
-            <a:ahLst/>
-            <a:cxnLst>
-              <a:cxn ang="0">
-                <a:pos x="connsiteX0" y="connsiteY0"/>
-              </a:cxn>
-              <a:cxn ang="0">
-                <a:pos x="connsiteX1" y="connsiteY1"/>
-              </a:cxn>
-              <a:cxn ang="0">
-                <a:pos x="connsiteX2" y="connsiteY2"/>
-              </a:cxn>
-              <a:cxn ang="0">
-                <a:pos x="connsiteX3" y="connsiteY3"/>
-              </a:cxn>
-              <a:cxn ang="0">
-                <a:pos x="connsiteX4" y="connsiteY4"/>
-              </a:cxn>
-            </a:cxnLst>
-            <a:rect l="l" t="t" r="r" b="b"/>
-            <a:pathLst>
-              <a:path w="997627" h="4128655">
-                <a:moveTo>
-                  <a:pt x="720536" y="0"/>
-                </a:moveTo>
-                <a:cubicBezTo>
-                  <a:pt x="794427" y="538018"/>
-                  <a:pt x="868318" y="1076037"/>
-                  <a:pt x="748245" y="1468582"/>
-                </a:cubicBezTo>
-                <a:cubicBezTo>
-                  <a:pt x="628172" y="1861128"/>
-                  <a:pt x="-9137" y="2055091"/>
-                  <a:pt x="99" y="2355273"/>
-                </a:cubicBezTo>
-                <a:cubicBezTo>
-                  <a:pt x="9335" y="2655455"/>
-                  <a:pt x="637408" y="2974109"/>
-                  <a:pt x="803663" y="3269673"/>
-                </a:cubicBezTo>
-                <a:cubicBezTo>
-                  <a:pt x="969918" y="3565237"/>
-                  <a:pt x="993009" y="3874655"/>
-                  <a:pt x="997627" y="4128655"/>
-                </a:cubicBezTo>
-              </a:path>
-            </a:pathLst>
-          </a:custGeom>
-          <a:noFill/>
-          <a:ln w="34925">
-            <a:solidFill>
-              <a:srgbClr val="00B050"/>
-            </a:solidFill>
-            <a:prstDash val="dash"/>
-            <a:tailEnd type="triangle"/>
-          </a:ln>
-        </p:spPr>
-        <p:style>
-          <a:lnRef idx="2">
-            <a:schemeClr val="accent1">
-              <a:shade val="15000"/>
-            </a:schemeClr>
-          </a:lnRef>
-          <a:fillRef idx="1">
-            <a:schemeClr val="accent1"/>
-          </a:fillRef>
-          <a:effectRef idx="0">
-            <a:schemeClr val="accent1"/>
-          </a:effectRef>
-          <a:fontRef idx="minor">
-            <a:schemeClr val="lt1"/>
-          </a:fontRef>
-        </p:style>
-        <p:txBody>
-          <a:bodyPr rtlCol="0" anchor="ctr"/>
-          <a:lstStyle/>
-          <a:p>
-            <a:pPr algn="ctr"/>
-            <a:endParaRPr lang="en-US"/>
-          </a:p>
-        </p:txBody>
-      </p:sp>
-      <p:sp>
-        <p:nvSpPr>
-          <p:cNvPr id="57" name="Freeform 56">
-            <a:extLst>
-              <a:ext uri="{FF2B5EF4-FFF2-40B4-BE49-F238E27FC236}">
-                <a16:creationId xmlns:a16="http://schemas.microsoft.com/office/drawing/2014/main" id="{CE4D8F49-4621-9D22-CBBF-8CBDFCF6BF20}"/>
-              </a:ext>
-            </a:extLst>
-          </p:cNvPr>
-          <p:cNvSpPr/>
-          <p:nvPr/>
-        </p:nvSpPr>
-        <p:spPr>
-          <a:xfrm flipH="1">
-            <a:off x="29583750" y="1681460"/>
-            <a:ext cx="997627" cy="4128655"/>
-          </a:xfrm>
-          <a:custGeom>
-            <a:avLst/>
-            <a:gdLst>
-              <a:gd name="connsiteX0" fmla="*/ 720536 w 997627"/>
-              <a:gd name="connsiteY0" fmla="*/ 0 h 4128655"/>
-              <a:gd name="connsiteX1" fmla="*/ 748245 w 997627"/>
-              <a:gd name="connsiteY1" fmla="*/ 1468582 h 4128655"/>
-              <a:gd name="connsiteX2" fmla="*/ 99 w 997627"/>
-              <a:gd name="connsiteY2" fmla="*/ 2355273 h 4128655"/>
-              <a:gd name="connsiteX3" fmla="*/ 803663 w 997627"/>
-              <a:gd name="connsiteY3" fmla="*/ 3269673 h 4128655"/>
-              <a:gd name="connsiteX4" fmla="*/ 997627 w 997627"/>
-              <a:gd name="connsiteY4" fmla="*/ 4128655 h 4128655"/>
-            </a:gdLst>
-            <a:ahLst/>
-            <a:cxnLst>
-              <a:cxn ang="0">
-                <a:pos x="connsiteX0" y="connsiteY0"/>
-              </a:cxn>
-              <a:cxn ang="0">
-                <a:pos x="connsiteX1" y="connsiteY1"/>
-              </a:cxn>
-              <a:cxn ang="0">
-                <a:pos x="connsiteX2" y="connsiteY2"/>
-              </a:cxn>
-              <a:cxn ang="0">
-                <a:pos x="connsiteX3" y="connsiteY3"/>
-              </a:cxn>
-              <a:cxn ang="0">
-                <a:pos x="connsiteX4" y="connsiteY4"/>
-              </a:cxn>
-            </a:cxnLst>
-            <a:rect l="l" t="t" r="r" b="b"/>
-            <a:pathLst>
-              <a:path w="997627" h="4128655">
-                <a:moveTo>
-                  <a:pt x="720536" y="0"/>
-                </a:moveTo>
-                <a:cubicBezTo>
-                  <a:pt x="794427" y="538018"/>
-                  <a:pt x="868318" y="1076037"/>
-                  <a:pt x="748245" y="1468582"/>
-                </a:cubicBezTo>
-                <a:cubicBezTo>
-                  <a:pt x="628172" y="1861128"/>
-                  <a:pt x="-9137" y="2055091"/>
-                  <a:pt x="99" y="2355273"/>
-                </a:cubicBezTo>
-                <a:cubicBezTo>
-                  <a:pt x="9335" y="2655455"/>
-                  <a:pt x="637408" y="2974109"/>
-                  <a:pt x="803663" y="3269673"/>
-                </a:cubicBezTo>
-                <a:cubicBezTo>
-                  <a:pt x="969918" y="3565237"/>
-                  <a:pt x="993009" y="3874655"/>
-                  <a:pt x="997627" y="4128655"/>
-                </a:cubicBezTo>
-              </a:path>
-            </a:pathLst>
-          </a:custGeom>
-          <a:noFill/>
-          <a:ln w="34925">
-            <a:solidFill>
-              <a:srgbClr val="00B050"/>
-            </a:solidFill>
-            <a:prstDash val="dash"/>
-            <a:tailEnd type="triangle"/>
-          </a:ln>
-        </p:spPr>
-        <p:style>
-          <a:lnRef idx="2">
-            <a:schemeClr val="accent1">
-              <a:shade val="15000"/>
-            </a:schemeClr>
-          </a:lnRef>
-          <a:fillRef idx="1">
-            <a:schemeClr val="accent1"/>
-          </a:fillRef>
-          <a:effectRef idx="0">
-            <a:schemeClr val="accent1"/>
-          </a:effectRef>
-          <a:fontRef idx="minor">
-            <a:schemeClr val="lt1"/>
-          </a:fontRef>
-        </p:style>
-        <p:txBody>
-          <a:bodyPr rtlCol="0" anchor="ctr"/>
-          <a:lstStyle/>
-          <a:p>
-            <a:pPr algn="ctr"/>
-            <a:endParaRPr lang="en-US"/>
-          </a:p>
-        </p:txBody>
-      </p:sp>
-      <p:sp>
-        <p:nvSpPr>
-          <p:cNvPr id="75" name="Freeform 74">
-            <a:extLst>
-              <a:ext uri="{FF2B5EF4-FFF2-40B4-BE49-F238E27FC236}">
-                <a16:creationId xmlns:a16="http://schemas.microsoft.com/office/drawing/2014/main" id="{C91498FD-9CCA-FACF-2756-45C241BE9163}"/>
-              </a:ext>
-            </a:extLst>
-          </p:cNvPr>
-          <p:cNvSpPr/>
-          <p:nvPr/>
-        </p:nvSpPr>
-        <p:spPr>
-          <a:xfrm>
-            <a:off x="28835287" y="1629884"/>
-            <a:ext cx="545183" cy="2390115"/>
-          </a:xfrm>
-          <a:custGeom>
-            <a:avLst/>
-            <a:gdLst>
-              <a:gd name="connsiteX0" fmla="*/ 543208 w 545183"/>
-              <a:gd name="connsiteY0" fmla="*/ 0 h 2390115"/>
-              <a:gd name="connsiteX1" fmla="*/ 461727 w 545183"/>
-              <a:gd name="connsiteY1" fmla="*/ 1792586 h 2390115"/>
-              <a:gd name="connsiteX2" fmla="*/ 0 w 545183"/>
-              <a:gd name="connsiteY2" fmla="*/ 2390115 h 2390115"/>
-            </a:gdLst>
-            <a:ahLst/>
-            <a:cxnLst>
-              <a:cxn ang="0">
-                <a:pos x="connsiteX0" y="connsiteY0"/>
-              </a:cxn>
-              <a:cxn ang="0">
-                <a:pos x="connsiteX1" y="connsiteY1"/>
-              </a:cxn>
-              <a:cxn ang="0">
-                <a:pos x="connsiteX2" y="connsiteY2"/>
-              </a:cxn>
-            </a:cxnLst>
-            <a:rect l="l" t="t" r="r" b="b"/>
-            <a:pathLst>
-              <a:path w="545183" h="2390115">
-                <a:moveTo>
-                  <a:pt x="543208" y="0"/>
-                </a:moveTo>
-                <a:cubicBezTo>
-                  <a:pt x="547735" y="697117"/>
-                  <a:pt x="552262" y="1394234"/>
-                  <a:pt x="461727" y="1792586"/>
-                </a:cubicBezTo>
-                <a:cubicBezTo>
-                  <a:pt x="371192" y="2190939"/>
-                  <a:pt x="185596" y="2290527"/>
-                  <a:pt x="0" y="2390115"/>
-                </a:cubicBezTo>
-              </a:path>
-            </a:pathLst>
-          </a:custGeom>
-          <a:noFill/>
-          <a:ln w="34925">
-            <a:solidFill>
-              <a:srgbClr val="00B050"/>
-            </a:solidFill>
-            <a:prstDash val="dash"/>
-            <a:tailEnd type="triangle"/>
-          </a:ln>
-        </p:spPr>
-        <p:style>
-          <a:lnRef idx="2">
-            <a:schemeClr val="accent1">
-              <a:shade val="15000"/>
-            </a:schemeClr>
-          </a:lnRef>
-          <a:fillRef idx="1">
-            <a:schemeClr val="accent1"/>
-          </a:fillRef>
-          <a:effectRef idx="0">
-            <a:schemeClr val="accent1"/>
-          </a:effectRef>
-          <a:fontRef idx="minor">
-            <a:schemeClr val="lt1"/>
-          </a:fontRef>
-        </p:style>
-        <p:txBody>
-          <a:bodyPr rtlCol="0" anchor="ctr"/>
-          <a:lstStyle/>
-          <a:p>
-            <a:pPr algn="ctr"/>
-            <a:endParaRPr lang="en-US"/>
+          <a:p>
+            <a:r>
+              <a:rPr lang="en-US" sz="8000" dirty="0">
+                <a:latin typeface="Linux Libertine" panose="02000503000000000000" pitchFamily="2" charset="0"/>
+                <a:ea typeface="Linux Libertine" panose="02000503000000000000" pitchFamily="2" charset="0"/>
+                <a:cs typeface="Linux Libertine" panose="02000503000000000000" pitchFamily="2" charset="0"/>
+              </a:rPr>
+              <a:t>∂</a:t>
+            </a:r>
+            <a:r>
+              <a:rPr lang="en-US" sz="5400" baseline="-25000" dirty="0"/>
+              <a:t>□</a:t>
+            </a:r>
+            <a:r>
+              <a:rPr lang="en-US" sz="8800" dirty="0">
+                <a:latin typeface="Linux Libertine" panose="02000503000000000000" pitchFamily="2" charset="0"/>
+                <a:ea typeface="Linux Libertine" panose="02000503000000000000" pitchFamily="2" charset="0"/>
+                <a:cs typeface="Linux Libertine" panose="02000503000000000000" pitchFamily="2" charset="0"/>
+              </a:rPr>
+              <a:t>E</a:t>
+            </a:r>
+          </a:p>
+          <a:p>
+            <a:r>
+              <a:rPr lang="en-US" sz="8000" baseline="-25000" dirty="0">
+                <a:latin typeface="Linux Libertine" panose="02000503000000000000" pitchFamily="2" charset="0"/>
+                <a:ea typeface="Linux Libertine" panose="02000503000000000000" pitchFamily="2" charset="0"/>
+                <a:cs typeface="Linux Libertine" panose="02000503000000000000" pitchFamily="2" charset="0"/>
+              </a:rPr>
+              <a:t>+</a:t>
+            </a:r>
+          </a:p>
+          <a:p>
+            <a:endParaRPr lang="en-US" sz="4800" baseline="-25000" dirty="0">
+              <a:latin typeface="Linux Libertine" panose="02000503000000000000" pitchFamily="2" charset="0"/>
+              <a:ea typeface="Linux Libertine" panose="02000503000000000000" pitchFamily="2" charset="0"/>
+              <a:cs typeface="Linux Libertine" panose="02000503000000000000" pitchFamily="2" charset="0"/>
+            </a:endParaRPr>
+          </a:p>
+          <a:p>
+            <a:r>
+              <a:rPr lang="en-US" sz="4400" dirty="0">
+                <a:latin typeface="Linux Libertine" panose="02000503000000000000" pitchFamily="2" charset="0"/>
+                <a:ea typeface="Linux Libertine" panose="02000503000000000000" pitchFamily="2" charset="0"/>
+                <a:cs typeface="Linux Libertine" panose="02000503000000000000" pitchFamily="2" charset="0"/>
+              </a:rPr>
+              <a:t>P(x</a:t>
+            </a:r>
+            <a:r>
+              <a:rPr lang="en-US" sz="4400" baseline="-25000" dirty="0">
+                <a:latin typeface="Linux Libertine" panose="02000503000000000000" pitchFamily="2" charset="0"/>
+                <a:ea typeface="Linux Libertine" panose="02000503000000000000" pitchFamily="2" charset="0"/>
+                <a:cs typeface="Linux Libertine" panose="02000503000000000000" pitchFamily="2" charset="0"/>
+              </a:rPr>
+              <a:t>t </a:t>
+            </a:r>
+            <a:r>
+              <a:rPr lang="en-US" sz="4400" dirty="0">
+                <a:latin typeface="Linux Libertine" panose="02000503000000000000" pitchFamily="2" charset="0"/>
+                <a:ea typeface="Linux Libertine" panose="02000503000000000000" pitchFamily="2" charset="0"/>
+                <a:cs typeface="Linux Libertine" panose="02000503000000000000" pitchFamily="2" charset="0"/>
+              </a:rPr>
+              <a:t>| x</a:t>
+            </a:r>
+            <a:r>
+              <a:rPr lang="en-US" sz="4400" baseline="-25000" dirty="0">
+                <a:latin typeface="Linux Libertine" panose="02000503000000000000" pitchFamily="2" charset="0"/>
+                <a:ea typeface="Linux Libertine" panose="02000503000000000000" pitchFamily="2" charset="0"/>
+                <a:cs typeface="Linux Libertine" panose="02000503000000000000" pitchFamily="2" charset="0"/>
+              </a:rPr>
+              <a:t>t-1</a:t>
+            </a:r>
+            <a:r>
+              <a:rPr lang="en-US" sz="4400" dirty="0">
+                <a:latin typeface="Linux Libertine" panose="02000503000000000000" pitchFamily="2" charset="0"/>
+                <a:ea typeface="Linux Libertine" panose="02000503000000000000" pitchFamily="2" charset="0"/>
+                <a:cs typeface="Linux Libertine" panose="02000503000000000000" pitchFamily="2" charset="0"/>
+              </a:rPr>
+              <a:t>, … ,</a:t>
+            </a:r>
+            <a:r>
+              <a:rPr lang="en-US" sz="4400" baseline="-25000" dirty="0">
+                <a:latin typeface="Linux Libertine" panose="02000503000000000000" pitchFamily="2" charset="0"/>
+                <a:ea typeface="Linux Libertine" panose="02000503000000000000" pitchFamily="2" charset="0"/>
+                <a:cs typeface="Linux Libertine" panose="02000503000000000000" pitchFamily="2" charset="0"/>
+              </a:rPr>
+              <a:t> </a:t>
+            </a:r>
+            <a:r>
+              <a:rPr lang="en-US" sz="4400" dirty="0">
+                <a:latin typeface="Linux Libertine" panose="02000503000000000000" pitchFamily="2" charset="0"/>
+                <a:ea typeface="Linux Libertine" panose="02000503000000000000" pitchFamily="2" charset="0"/>
+                <a:cs typeface="Linux Libertine" panose="02000503000000000000" pitchFamily="2" charset="0"/>
+              </a:rPr>
+              <a:t>x</a:t>
+            </a:r>
+            <a:r>
+              <a:rPr lang="en-US" sz="4400" baseline="-25000" dirty="0">
+                <a:latin typeface="Linux Libertine" panose="02000503000000000000" pitchFamily="2" charset="0"/>
+                <a:ea typeface="Linux Libertine" panose="02000503000000000000" pitchFamily="2" charset="0"/>
+                <a:cs typeface="Linux Libertine" panose="02000503000000000000" pitchFamily="2" charset="0"/>
+              </a:rPr>
+              <a:t>t-c</a:t>
+            </a:r>
+            <a:r>
+              <a:rPr lang="en-US" sz="4400" dirty="0">
+                <a:latin typeface="Linux Libertine" panose="02000503000000000000" pitchFamily="2" charset="0"/>
+                <a:ea typeface="Linux Libertine" panose="02000503000000000000" pitchFamily="2" charset="0"/>
+                <a:cs typeface="Linux Libertine" panose="02000503000000000000" pitchFamily="2" charset="0"/>
+              </a:rPr>
+              <a:t>)</a:t>
+            </a:r>
+          </a:p>
+          <a:p>
+            <a:endParaRPr lang="en-US" sz="4400" dirty="0">
+              <a:latin typeface="Linux Libertine" panose="02000503000000000000" pitchFamily="2" charset="0"/>
+              <a:ea typeface="Linux Libertine" panose="02000503000000000000" pitchFamily="2" charset="0"/>
+              <a:cs typeface="Linux Libertine" panose="02000503000000000000" pitchFamily="2" charset="0"/>
+            </a:endParaRPr>
+          </a:p>
+          <a:p>
+            <a:endParaRPr lang="en-US" sz="4500" u="sng" dirty="0">
+              <a:latin typeface="Linux Libertine" panose="02000503000000000000" pitchFamily="2" charset="0"/>
+              <a:ea typeface="Linux Libertine" panose="02000503000000000000" pitchFamily="2" charset="0"/>
+              <a:cs typeface="Linux Libertine" panose="02000503000000000000" pitchFamily="2" charset="0"/>
+            </a:endParaRPr>
           </a:p>
         </p:txBody>
       </p:sp>
@@ -5940,14 +5327,14 @@
           <p:nvPr/>
         </p:nvPicPr>
         <p:blipFill>
-          <a:blip r:embed="rId6"/>
+          <a:blip r:embed="rId4"/>
           <a:stretch>
             <a:fillRect/>
           </a:stretch>
         </p:blipFill>
         <p:spPr>
           <a:xfrm>
-            <a:off x="13075923" y="1984815"/>
+            <a:off x="14102421" y="1828060"/>
             <a:ext cx="7332519" cy="3685992"/>
           </a:xfrm>
           <a:prstGeom prst="rect">
@@ -5971,7 +5358,7 @@
         </p:nvSpPr>
         <p:spPr>
           <a:xfrm>
-            <a:off x="13468981" y="1158377"/>
+            <a:off x="14495479" y="1001622"/>
             <a:ext cx="6937631" cy="753940"/>
           </a:xfrm>
           <a:prstGeom prst="rect">
@@ -6034,14 +5421,14 @@
           <p:nvPr/>
         </p:nvPicPr>
         <p:blipFill>
-          <a:blip r:embed="rId7"/>
+          <a:blip r:embed="rId5"/>
           <a:stretch>
             <a:fillRect/>
           </a:stretch>
         </p:blipFill>
         <p:spPr>
           <a:xfrm>
-            <a:off x="21379383" y="2118370"/>
+            <a:off x="23251232" y="1961615"/>
             <a:ext cx="4980232" cy="3685992"/>
           </a:xfrm>
           <a:prstGeom prst="rect">
@@ -6049,6 +5436,352 @@
           </a:prstGeom>
         </p:spPr>
       </p:pic>
+      <p:sp>
+        <p:nvSpPr>
+          <p:cNvPr id="16" name="TextBox 15">
+            <a:extLst>
+              <a:ext uri="{FF2B5EF4-FFF2-40B4-BE49-F238E27FC236}">
+                <a16:creationId xmlns:a16="http://schemas.microsoft.com/office/drawing/2014/main" id="{4B81E587-E519-7230-872E-4CB5719A50A5}"/>
+              </a:ext>
+            </a:extLst>
+          </p:cNvPr>
+          <p:cNvSpPr txBox="1"/>
+          <p:nvPr/>
+        </p:nvSpPr>
+        <p:spPr>
+          <a:xfrm>
+            <a:off x="39352304" y="2947705"/>
+            <a:ext cx="1024760" cy="923330"/>
+          </a:xfrm>
+          <a:prstGeom prst="rect">
+            <a:avLst/>
+          </a:prstGeom>
+          <a:noFill/>
+        </p:spPr>
+        <p:txBody>
+          <a:bodyPr wrap="square">
+            <a:spAutoFit/>
+          </a:bodyPr>
+          <a:lstStyle/>
+          <a:p>
+            <a:r>
+              <a:rPr lang="en-US" sz="5400" dirty="0"/>
+              <a:t>⟶</a:t>
+            </a:r>
+            <a:endParaRPr lang="en-US" sz="5400" b="1" dirty="0">
+              <a:latin typeface="Linux Libertine" panose="02000503000000000000" pitchFamily="2" charset="0"/>
+              <a:ea typeface="Linux Libertine" panose="02000503000000000000" pitchFamily="2" charset="0"/>
+              <a:cs typeface="Linux Libertine" panose="02000503000000000000" pitchFamily="2" charset="0"/>
+            </a:endParaRPr>
+          </a:p>
+        </p:txBody>
+      </p:sp>
+      <p:sp>
+        <p:nvSpPr>
+          <p:cNvPr id="17" name="Title 1">
+            <a:extLst>
+              <a:ext uri="{FF2B5EF4-FFF2-40B4-BE49-F238E27FC236}">
+                <a16:creationId xmlns:a16="http://schemas.microsoft.com/office/drawing/2014/main" id="{A1A871E0-4E9D-C165-355F-D72F27D082A7}"/>
+              </a:ext>
+            </a:extLst>
+          </p:cNvPr>
+          <p:cNvSpPr txBox="1">
+            <a:spLocks/>
+          </p:cNvSpPr>
+          <p:nvPr/>
+        </p:nvSpPr>
+        <p:spPr>
+          <a:xfrm>
+            <a:off x="41422557" y="2123355"/>
+            <a:ext cx="4198926" cy="3507456"/>
+          </a:xfrm>
+          <a:prstGeom prst="rect">
+            <a:avLst/>
+          </a:prstGeom>
+        </p:spPr>
+        <p:txBody>
+          <a:bodyPr vert="horz" lIns="91440" tIns="45720" rIns="91440" bIns="45720" rtlCol="0" anchor="b">
+            <a:normAutofit/>
+          </a:bodyPr>
+          <a:lstStyle>
+            <a:lvl1pPr algn="ctr" defTabSz="914400" rtl="0" eaLnBrk="1" latinLnBrk="0" hangingPunct="1">
+              <a:lnSpc>
+                <a:spcPct val="90000"/>
+              </a:lnSpc>
+              <a:spcBef>
+                <a:spcPct val="0"/>
+              </a:spcBef>
+              <a:buNone/>
+              <a:defRPr sz="6000" kern="1200">
+                <a:solidFill>
+                  <a:schemeClr val="tx1"/>
+                </a:solidFill>
+                <a:latin typeface="+mj-lt"/>
+                <a:ea typeface="+mj-ea"/>
+                <a:cs typeface="+mj-cs"/>
+              </a:defRPr>
+            </a:lvl1pPr>
+          </a:lstStyle>
+          <a:p>
+            <a:pPr algn="l">
+              <a:spcAft>
+                <a:spcPts val="1200"/>
+              </a:spcAft>
+            </a:pPr>
+            <a:endParaRPr lang="en-US" sz="1400" u="sng" dirty="0">
+              <a:latin typeface="Linux Libertine" panose="02000503000000000000" pitchFamily="2" charset="0"/>
+              <a:ea typeface="Linux Libertine" panose="02000503000000000000" pitchFamily="2" charset="0"/>
+              <a:cs typeface="Linux Libertine" panose="02000503000000000000" pitchFamily="2" charset="0"/>
+            </a:endParaRPr>
+          </a:p>
+          <a:p>
+            <a:pPr marL="914400" indent="-914400" algn="l">
+              <a:spcAft>
+                <a:spcPts val="1200"/>
+              </a:spcAft>
+              <a:buFont typeface="+mj-lt"/>
+              <a:buAutoNum type="arabicPeriod"/>
+            </a:pPr>
+            <a:r>
+              <a:rPr lang="en-US" sz="4500" dirty="0">
+                <a:latin typeface="Linux Libertine" panose="02000503000000000000" pitchFamily="2" charset="0"/>
+                <a:ea typeface="Linux Libertine" panose="02000503000000000000" pitchFamily="2" charset="0"/>
+                <a:cs typeface="Linux Libertine" panose="02000503000000000000" pitchFamily="2" charset="0"/>
+              </a:rPr>
+              <a:t> </a:t>
+            </a:r>
+            <a:r>
+              <a:rPr lang="en-US" sz="4500" dirty="0">
+                <a:latin typeface="JetBrains Mono" panose="02000009000000000000" pitchFamily="49" charset="0"/>
+                <a:ea typeface="JetBrains Mono" panose="02000009000000000000" pitchFamily="49" charset="0"/>
+                <a:cs typeface="JetBrains Mono" panose="02000009000000000000" pitchFamily="49" charset="0"/>
+              </a:rPr>
+              <a:t>( )</a:t>
+            </a:r>
+          </a:p>
+          <a:p>
+            <a:pPr marL="914400" indent="-914400" algn="l">
+              <a:spcAft>
+                <a:spcPts val="1200"/>
+              </a:spcAft>
+              <a:buFont typeface="+mj-lt"/>
+              <a:buAutoNum type="arabicPeriod"/>
+            </a:pPr>
+            <a:r>
+              <a:rPr lang="en-US" sz="4500" dirty="0">
+                <a:latin typeface="Linux Libertine" panose="02000503000000000000" pitchFamily="2" charset="0"/>
+                <a:ea typeface="Linux Libertine" panose="02000503000000000000" pitchFamily="2" charset="0"/>
+                <a:cs typeface="Linux Libertine" panose="02000503000000000000" pitchFamily="2" charset="0"/>
+              </a:rPr>
+              <a:t> </a:t>
+            </a:r>
+            <a:r>
+              <a:rPr lang="en-US" sz="4500" dirty="0">
+                <a:latin typeface="JetBrains Mono" panose="02000009000000000000" pitchFamily="49" charset="0"/>
+                <a:ea typeface="JetBrains Mono" panose="02000009000000000000" pitchFamily="49" charset="0"/>
+                <a:cs typeface="JetBrains Mono" panose="02000009000000000000" pitchFamily="49" charset="0"/>
+              </a:rPr>
+              <a:t>( ) ( )</a:t>
+            </a:r>
+          </a:p>
+          <a:p>
+            <a:pPr algn="l">
+              <a:spcAft>
+                <a:spcPts val="1200"/>
+              </a:spcAft>
+            </a:pPr>
+            <a:r>
+              <a:rPr lang="en-US" sz="4500" dirty="0">
+                <a:latin typeface="JetBrains Mono" panose="02000009000000000000" pitchFamily="49" charset="0"/>
+                <a:ea typeface="JetBrains Mono" panose="02000009000000000000" pitchFamily="49" charset="0"/>
+                <a:cs typeface="JetBrains Mono" panose="02000009000000000000" pitchFamily="49" charset="0"/>
+              </a:rPr>
+              <a:t>----------</a:t>
+            </a:r>
+          </a:p>
+          <a:p>
+            <a:pPr algn="l"/>
+            <a:r>
+              <a:rPr lang="en-US" sz="4500" dirty="0">
+                <a:latin typeface="Linux Libertine" panose="02000503000000000000" pitchFamily="2" charset="0"/>
+                <a:ea typeface="Linux Libertine" panose="02000503000000000000" pitchFamily="2" charset="0"/>
+                <a:cs typeface="Linux Libertine" panose="02000503000000000000" pitchFamily="2" charset="0"/>
+              </a:rPr>
+              <a:t>     </a:t>
+            </a:r>
+            <a:r>
+              <a:rPr lang="en-US" sz="2800" dirty="0">
+                <a:latin typeface="Linux Libertine" panose="02000503000000000000" pitchFamily="2" charset="0"/>
+                <a:ea typeface="Linux Libertine" panose="02000503000000000000" pitchFamily="2" charset="0"/>
+                <a:cs typeface="Linux Libertine" panose="02000503000000000000" pitchFamily="2" charset="0"/>
+              </a:rPr>
+              <a:t>(truncated @ k=2)</a:t>
+            </a:r>
+            <a:endParaRPr lang="en-US" sz="4500" dirty="0">
+              <a:latin typeface="Linux Libertine" panose="02000503000000000000" pitchFamily="2" charset="0"/>
+              <a:ea typeface="Linux Libertine" panose="02000503000000000000" pitchFamily="2" charset="0"/>
+              <a:cs typeface="Linux Libertine" panose="02000503000000000000" pitchFamily="2" charset="0"/>
+            </a:endParaRPr>
+          </a:p>
+        </p:txBody>
+      </p:sp>
+      <p:sp>
+        <p:nvSpPr>
+          <p:cNvPr id="20" name="Title 1">
+            <a:extLst>
+              <a:ext uri="{FF2B5EF4-FFF2-40B4-BE49-F238E27FC236}">
+                <a16:creationId xmlns:a16="http://schemas.microsoft.com/office/drawing/2014/main" id="{0981450C-9D5C-3AE6-DFA9-4E0217C99D03}"/>
+              </a:ext>
+            </a:extLst>
+          </p:cNvPr>
+          <p:cNvSpPr txBox="1">
+            <a:spLocks/>
+          </p:cNvSpPr>
+          <p:nvPr/>
+        </p:nvSpPr>
+        <p:spPr>
+          <a:xfrm>
+            <a:off x="40798089" y="1101587"/>
+            <a:ext cx="4511161" cy="1046901"/>
+          </a:xfrm>
+          <a:prstGeom prst="rect">
+            <a:avLst/>
+          </a:prstGeom>
+        </p:spPr>
+        <p:txBody>
+          <a:bodyPr vert="horz" lIns="91440" tIns="45720" rIns="91440" bIns="45720" rtlCol="0" anchor="b">
+            <a:normAutofit/>
+          </a:bodyPr>
+          <a:lstStyle>
+            <a:lvl1pPr algn="ctr" defTabSz="914400" rtl="0" eaLnBrk="1" latinLnBrk="0" hangingPunct="1">
+              <a:lnSpc>
+                <a:spcPct val="90000"/>
+              </a:lnSpc>
+              <a:spcBef>
+                <a:spcPct val="0"/>
+              </a:spcBef>
+              <a:buNone/>
+              <a:defRPr sz="6000" kern="1200">
+                <a:solidFill>
+                  <a:schemeClr val="tx1"/>
+                </a:solidFill>
+                <a:latin typeface="+mj-lt"/>
+                <a:ea typeface="+mj-ea"/>
+                <a:cs typeface="+mj-cs"/>
+              </a:defRPr>
+            </a:lvl1pPr>
+          </a:lstStyle>
+          <a:p>
+            <a:pPr algn="l">
+              <a:spcAft>
+                <a:spcPts val="1200"/>
+              </a:spcAft>
+            </a:pPr>
+            <a:r>
+              <a:rPr lang="en-US" sz="4500" u="sng" dirty="0">
+                <a:latin typeface="Linux Libertine" panose="02000503000000000000" pitchFamily="2" charset="0"/>
+                <a:ea typeface="Linux Libertine" panose="02000503000000000000" pitchFamily="2" charset="0"/>
+                <a:cs typeface="Linux Libertine" panose="02000503000000000000" pitchFamily="2" charset="0"/>
+              </a:rPr>
+              <a:t>Reranked repairs</a:t>
+            </a:r>
+          </a:p>
+        </p:txBody>
+      </p:sp>
+      <p:sp>
+        <p:nvSpPr>
+          <p:cNvPr id="21" name="TextBox 20">
+            <a:extLst>
+              <a:ext uri="{FF2B5EF4-FFF2-40B4-BE49-F238E27FC236}">
+                <a16:creationId xmlns:a16="http://schemas.microsoft.com/office/drawing/2014/main" id="{0303F33E-17EB-0D01-0531-13DD36BDE645}"/>
+              </a:ext>
+            </a:extLst>
+          </p:cNvPr>
+          <p:cNvSpPr txBox="1"/>
+          <p:nvPr/>
+        </p:nvSpPr>
+        <p:spPr>
+          <a:xfrm>
+            <a:off x="8916714" y="4842615"/>
+            <a:ext cx="951007" cy="923330"/>
+          </a:xfrm>
+          <a:prstGeom prst="rect">
+            <a:avLst/>
+          </a:prstGeom>
+          <a:noFill/>
+        </p:spPr>
+        <p:txBody>
+          <a:bodyPr wrap="square" rtlCol="0">
+            <a:spAutoFit/>
+          </a:bodyPr>
+          <a:lstStyle/>
+          <a:p>
+            <a:r>
+              <a:rPr lang="en-US" sz="5400" dirty="0">
+                <a:sym typeface="Wingdings" pitchFamily="2" charset="2"/>
+              </a:rPr>
+              <a:t></a:t>
+            </a:r>
+            <a:endParaRPr lang="en-US" sz="5400" b="1" dirty="0">
+              <a:latin typeface="Linux Libertine" panose="02000503000000000000" pitchFamily="2" charset="0"/>
+              <a:ea typeface="Linux Libertine" panose="02000503000000000000" pitchFamily="2" charset="0"/>
+              <a:cs typeface="Linux Libertine" panose="02000503000000000000" pitchFamily="2" charset="0"/>
+            </a:endParaRPr>
+          </a:p>
+        </p:txBody>
+      </p:sp>
+      <p:sp>
+        <p:nvSpPr>
+          <p:cNvPr id="24" name="Double Brace 23">
+            <a:extLst>
+              <a:ext uri="{FF2B5EF4-FFF2-40B4-BE49-F238E27FC236}">
+                <a16:creationId xmlns:a16="http://schemas.microsoft.com/office/drawing/2014/main" id="{22F8F007-602E-114E-0BF6-0BCD510AC80D}"/>
+              </a:ext>
+            </a:extLst>
+          </p:cNvPr>
+          <p:cNvSpPr/>
+          <p:nvPr/>
+        </p:nvSpPr>
+        <p:spPr>
+          <a:xfrm>
+            <a:off x="10021437" y="4124817"/>
+            <a:ext cx="2216761" cy="2435003"/>
+          </a:xfrm>
+          <a:prstGeom prst="bracePair">
+            <a:avLst/>
+          </a:prstGeom>
+          <a:ln w="47625">
+            <a:solidFill>
+              <a:schemeClr val="tx1">
+                <a:lumMod val="50000"/>
+                <a:lumOff val="50000"/>
+              </a:schemeClr>
+            </a:solidFill>
+          </a:ln>
+        </p:spPr>
+        <p:style>
+          <a:lnRef idx="2">
+            <a:schemeClr val="accent1"/>
+          </a:lnRef>
+          <a:fillRef idx="0">
+            <a:schemeClr val="accent1"/>
+          </a:fillRef>
+          <a:effectRef idx="1">
+            <a:schemeClr val="accent1"/>
+          </a:effectRef>
+          <a:fontRef idx="minor">
+            <a:schemeClr val="tx1"/>
+          </a:fontRef>
+        </p:style>
+        <p:txBody>
+          <a:bodyPr rtlCol="0" anchor="ctr"/>
+          <a:lstStyle/>
+          <a:p>
+            <a:pPr algn="ctr"/>
+            <a:endParaRPr lang="en-US"/>
+          </a:p>
+        </p:txBody>
+      </p:sp>
     </p:spTree>
     <p:extLst>
       <p:ext uri="{BB962C8B-B14F-4D97-AF65-F5344CB8AC3E}">
